--- a/presentation/20260221 Eigentokens_Comdare_Interim_Presentation_FINAL.pptx
+++ b/presentation/20260221 Eigentokens_Comdare_Interim_Presentation_FINAL.pptx
@@ -4,6 +4,9 @@
   <p:sldMasterIdLst>
     <p:sldMasterId id="2147483648" r:id="rId1"/>
   </p:sldMasterIdLst>
+  <p:notesMasterIdLst>
+    <p:notesMasterId r:id="rId20"/>
+  </p:notesMasterIdLst>
   <p:sldIdLst>
     <p:sldId id="256" r:id="rId2"/>
     <p:sldId id="257" r:id="rId3"/>
@@ -24,9 +27,6 @@
     <p:sldId id="272" r:id="rId18"/>
     <p:sldId id="273" r:id="rId19"/>
   </p:sldIdLst>
-  <p:notesMasterIdLst>
-    <p:notesMasterId r:id="rId20"/>
-  </p:notesMasterIdLst>
   <p:sldSz cx="12192000" cy="6858000"/>
   <p:notesSz cx="6858000" cy="12192000"/>
   <p:defaultTextStyle>
@@ -121,6 +121,11 @@
       </a:defRPr>
     </a:lvl9pPr>
   </p:defaultTextStyle>
+  <p:extLst>
+    <p:ext uri="{EFAFB233-063F-42B5-8137-9DF3F51BA10A}">
+      <p15:sldGuideLst xmlns:p15="http://schemas.microsoft.com/office/powerpoint/2012/main"/>
+    </p:ext>
+  </p:extLst>
 </p:presentation>
 </file>
 
@@ -146,234 +151,10 @@
           <a:chExt cx="0" cy="0"/>
         </a:xfrm>
       </p:grpSpPr>
-      <p:sp>
-        <p:nvSpPr>
-          <p:cNvPr id="2" name="Header Placeholder 1"/>
-          <p:cNvSpPr>
-            <a:spLocks noGrp="1"/>
-          </p:cNvSpPr>
-          <p:nvPr>
-            <p:ph type="hdr" sz="quarter"/>
-          </p:nvPr>
-        </p:nvSpPr>
-        <p:spPr>
-          <a:xfrm>
-            <a:off x="0" y="0"/>
-            <a:ext cx="2971800" cy="458788"/>
-          </a:xfrm>
-          <a:prstGeom prst="rect">
-            <a:avLst/>
-          </a:prstGeom>
-        </p:spPr>
-        <p:txBody>
-          <a:bodyPr vert="horz" lIns="91440" tIns="45720" rIns="91440" bIns="45720" rtlCol="0"/>
-          <a:lstStyle>
-            <a:lvl1pPr algn="l">
-              <a:defRPr sz="1200"/>
-            </a:lvl1pPr>
-          </a:lstStyle>
-          <a:p>
-            <a:endParaRPr lang="en-US"/>
-          </a:p>
-        </p:txBody>
-      </p:sp>
-      <p:sp>
-        <p:nvSpPr>
-          <p:cNvPr id="3" name="Date Placeholder 2"/>
-          <p:cNvSpPr>
-            <a:spLocks noGrp="1"/>
-          </p:cNvSpPr>
-          <p:nvPr>
-            <p:ph type="dt" idx="1"/>
-          </p:nvPr>
-        </p:nvSpPr>
-        <p:spPr>
-          <a:xfrm>
-            <a:off x="3884613" y="0"/>
-            <a:ext cx="2971800" cy="458788"/>
-          </a:xfrm>
-          <a:prstGeom prst="rect">
-            <a:avLst/>
-          </a:prstGeom>
-        </p:spPr>
-        <p:txBody>
-          <a:bodyPr vert="horz" lIns="91440" tIns="45720" rIns="91440" bIns="45720" rtlCol="0"/>
-          <a:lstStyle>
-            <a:lvl1pPr algn="r">
-              <a:defRPr sz="1200"/>
-            </a:lvl1pPr>
-          </a:lstStyle>
-          <a:p>
-            <a:fld id="{5282F153-3F37-0F45-9E97-73ACFA13230C}" type="datetimeFigureOut">
-              <a:rPr lang="en-US"/>
-              <a:t>7/23/19</a:t>
-            </a:fld>
-            <a:endParaRPr lang="en-US"/>
-          </a:p>
-        </p:txBody>
-      </p:sp>
-      <p:sp>
-        <p:nvSpPr>
-          <p:cNvPr id="4" name="Slide Image Placeholder 3"/>
-          <p:cNvSpPr>
-            <a:spLocks noGrp="1" noRot="1" noChangeAspect="1"/>
-          </p:cNvSpPr>
-          <p:nvPr>
-            <p:ph type="sldImg" idx="2"/>
-          </p:nvPr>
-        </p:nvSpPr>
-        <p:spPr>
-          <a:xfrm>
-            <a:off x="685800" y="1143000"/>
-            <a:ext cx="5486400" cy="3086100"/>
-          </a:xfrm>
-          <a:prstGeom prst="rect">
-            <a:avLst/>
-          </a:prstGeom>
-          <a:noFill/>
-          <a:ln w="12700">
-            <a:solidFill>
-              <a:prstClr val="black"/>
-            </a:solidFill>
-          </a:ln>
-        </p:spPr>
-        <p:txBody>
-          <a:bodyPr vert="horz" lIns="91440" tIns="45720" rIns="91440" bIns="45720" rtlCol="0" anchor="ctr"/>
-          <a:lstStyle/>
-          <a:p>
-            <a:endParaRPr lang="en-US"/>
-          </a:p>
-        </p:txBody>
-      </p:sp>
-      <p:sp>
-        <p:nvSpPr>
-          <p:cNvPr id="5" name="Notes Placeholder 4"/>
-          <p:cNvSpPr>
-            <a:spLocks noGrp="1"/>
-          </p:cNvSpPr>
-          <p:nvPr>
-            <p:ph type="body" sz="quarter" idx="3"/>
-          </p:nvPr>
-        </p:nvSpPr>
-        <p:spPr>
-          <a:xfrm>
-            <a:off x="685800" y="4400550"/>
-            <a:ext cx="5486400" cy="3600450"/>
-          </a:xfrm>
-          <a:prstGeom prst="rect">
-            <a:avLst/>
-          </a:prstGeom>
-        </p:spPr>
-        <p:txBody>
-          <a:bodyPr vert="horz" lIns="91440" tIns="45720" rIns="91440" bIns="45720" rtlCol="0"/>
-          <a:lstStyle/>
-          <a:p>
-            <a:pPr lvl="0"/>
-            <a:r>
-              <a:rPr lang="en-US"/>
-              <a:t>Click to edit Master text styles</a:t>
-            </a:r>
-          </a:p>
-          <a:p>
-            <a:pPr lvl="1"/>
-            <a:r>
-              <a:rPr lang="en-US"/>
-              <a:t>Second level</a:t>
-            </a:r>
-          </a:p>
-          <a:p>
-            <a:pPr lvl="2"/>
-            <a:r>
-              <a:rPr lang="en-US"/>
-              <a:t>Third level</a:t>
-            </a:r>
-          </a:p>
-          <a:p>
-            <a:pPr lvl="3"/>
-            <a:r>
-              <a:rPr lang="en-US"/>
-              <a:t>Fourth level</a:t>
-            </a:r>
-          </a:p>
-          <a:p>
-            <a:pPr lvl="4"/>
-            <a:r>
-              <a:rPr lang="en-US"/>
-              <a:t>Fifth level</a:t>
-            </a:r>
-          </a:p>
-        </p:txBody>
-      </p:sp>
-      <p:sp>
-        <p:nvSpPr>
-          <p:cNvPr id="6" name="Footer Placeholder 5"/>
-          <p:cNvSpPr>
-            <a:spLocks noGrp="1"/>
-          </p:cNvSpPr>
-          <p:nvPr>
-            <p:ph type="ftr" sz="quarter" idx="4"/>
-          </p:nvPr>
-        </p:nvSpPr>
-        <p:spPr>
-          <a:xfrm>
-            <a:off x="0" y="8685213"/>
-            <a:ext cx="2971800" cy="458787"/>
-          </a:xfrm>
-          <a:prstGeom prst="rect">
-            <a:avLst/>
-          </a:prstGeom>
-        </p:spPr>
-        <p:txBody>
-          <a:bodyPr vert="horz" lIns="91440" tIns="45720" rIns="91440" bIns="45720" rtlCol="0" anchor="b"/>
-          <a:lstStyle>
-            <a:lvl1pPr algn="l">
-              <a:defRPr sz="1200"/>
-            </a:lvl1pPr>
-          </a:lstStyle>
-          <a:p>
-            <a:endParaRPr lang="en-US"/>
-          </a:p>
-        </p:txBody>
-      </p:sp>
-      <p:sp>
-        <p:nvSpPr>
-          <p:cNvPr id="7" name="Slide Number Placeholder 6"/>
-          <p:cNvSpPr>
-            <a:spLocks noGrp="1"/>
-          </p:cNvSpPr>
-          <p:nvPr>
-            <p:ph type="sldNum" sz="quarter" idx="5"/>
-          </p:nvPr>
-        </p:nvSpPr>
-        <p:spPr>
-          <a:xfrm>
-            <a:off x="3884613" y="8685213"/>
-            <a:ext cx="2971800" cy="458787"/>
-          </a:xfrm>
-          <a:prstGeom prst="rect">
-            <a:avLst/>
-          </a:prstGeom>
-        </p:spPr>
-        <p:txBody>
-          <a:bodyPr vert="horz" lIns="91440" tIns="45720" rIns="91440" bIns="45720" rtlCol="0" anchor="b"/>
-          <a:lstStyle>
-            <a:lvl1pPr algn="r">
-              <a:defRPr sz="1200"/>
-            </a:lvl1pPr>
-          </a:lstStyle>
-          <a:p>
-            <a:fld id="{CE5E9CC1-C706-0F49-92D6-E571CC5EEA8F}" type="slidenum">
-              <a:rPr lang="en-US"/>
-              <a:t>‹#›</a:t>
-            </a:fld>
-            <a:endParaRPr lang="en-US"/>
-          </a:p>
-        </p:txBody>
-      </p:sp>
     </p:spTree>
     <p:extLst>
       <p:ext uri="{BB962C8B-B14F-4D97-AF65-F5344CB8AC3E}">
-        <p14:creationId xmlns:p14="http://schemas.microsoft.com/office/powerpoint/2010/main" val="1024086991"/>
+        <p14:creationId xmlns:p14="http://schemas.microsoft.com/office/powerpoint/2010/main" val="2950980728"/>
       </p:ext>
     </p:extLst>
   </p:cSld>
@@ -524,7 +305,6 @@
 - ScaDS.AI logo: https://iccl.inf.tu-dresden.de/w/images/7/71/Scads-logo.png
 [/Sources]</a:t>
             </a:r>
-            <a:endParaRPr lang="en-US" dirty="0"/>
           </a:p>
         </p:txBody>
       </p:sp>
@@ -608,10 +388,6 @@
           <a:bodyPr/>
           <a:lstStyle/>
           <a:p>
-            <a:r>
-              <a:rPr lang="en-US" dirty="0"/>
-              <a:t/>
-            </a:r>
             <a:endParaRPr lang="en-US" dirty="0"/>
           </a:p>
         </p:txBody>
@@ -696,10 +472,6 @@
           <a:bodyPr/>
           <a:lstStyle/>
           <a:p>
-            <a:r>
-              <a:rPr lang="en-US" dirty="0"/>
-              <a:t/>
-            </a:r>
             <a:endParaRPr lang="en-US" dirty="0"/>
           </a:p>
         </p:txBody>
@@ -784,10 +556,6 @@
           <a:bodyPr/>
           <a:lstStyle/>
           <a:p>
-            <a:r>
-              <a:rPr lang="en-US" dirty="0"/>
-              <a:t/>
-            </a:r>
             <a:endParaRPr lang="en-US" dirty="0"/>
           </a:p>
         </p:txBody>
@@ -872,10 +640,6 @@
           <a:bodyPr/>
           <a:lstStyle/>
           <a:p>
-            <a:r>
-              <a:rPr lang="en-US" dirty="0"/>
-              <a:t/>
-            </a:r>
             <a:endParaRPr lang="en-US" dirty="0"/>
           </a:p>
         </p:txBody>
@@ -968,7 +732,6 @@
 - BGZF: https://academic.oup.com/bioinformatics/article/25/16/2078/204688
 [/Sources]</a:t>
             </a:r>
-            <a:endParaRPr lang="en-US" dirty="0"/>
           </a:p>
         </p:txBody>
       </p:sp>
@@ -1052,10 +815,6 @@
           <a:bodyPr/>
           <a:lstStyle/>
           <a:p>
-            <a:r>
-              <a:rPr lang="en-US" dirty="0"/>
-              <a:t/>
-            </a:r>
             <a:endParaRPr lang="en-US" dirty="0"/>
           </a:p>
         </p:txBody>
@@ -1140,10 +899,6 @@
           <a:bodyPr/>
           <a:lstStyle/>
           <a:p>
-            <a:r>
-              <a:rPr lang="en-US" dirty="0"/>
-              <a:t/>
-            </a:r>
             <a:endParaRPr lang="en-US" dirty="0"/>
           </a:p>
         </p:txBody>
@@ -1228,10 +983,6 @@
           <a:bodyPr/>
           <a:lstStyle/>
           <a:p>
-            <a:r>
-              <a:rPr lang="en-US" dirty="0"/>
-              <a:t/>
-            </a:r>
             <a:endParaRPr lang="en-US" dirty="0"/>
           </a:p>
         </p:txBody>
@@ -1316,10 +1067,6 @@
           <a:bodyPr/>
           <a:lstStyle/>
           <a:p>
-            <a:r>
-              <a:rPr lang="en-US" dirty="0"/>
-              <a:t/>
-            </a:r>
             <a:endParaRPr lang="en-US" dirty="0"/>
           </a:p>
         </p:txBody>
@@ -1404,10 +1151,6 @@
           <a:bodyPr/>
           <a:lstStyle/>
           <a:p>
-            <a:r>
-              <a:rPr lang="en-US" dirty="0"/>
-              <a:t/>
-            </a:r>
             <a:endParaRPr lang="en-US" dirty="0"/>
           </a:p>
         </p:txBody>
@@ -1499,7 +1242,6 @@
 - LBFS (CDC classic): https://www.usenix.org/legacy/events/osdi01/full_papers/muthitacharoen/muthitacharoen.pdf
 [/Sources]</a:t>
             </a:r>
-            <a:endParaRPr lang="en-US" dirty="0"/>
           </a:p>
         </p:txBody>
       </p:sp>
@@ -1589,7 +1331,6 @@
 - RFC 9110 (HTTP Range requests): https://www.rfc-editor.org/rfc/rfc9110
 [/Sources]</a:t>
             </a:r>
-            <a:endParaRPr lang="en-US" dirty="0"/>
           </a:p>
         </p:txBody>
       </p:sp>
@@ -1679,7 +1420,6 @@
 - Grammar-based compression background (Sequitur): https://www.cs.usyd.edu.au/~miranda/papers/Sequitur.pdf
 [/Sources]</a:t>
             </a:r>
-            <a:endParaRPr lang="en-US" dirty="0"/>
           </a:p>
         </p:txBody>
       </p:sp>
@@ -1770,7 +1510,6 @@
 - Sequitur (grammar induction concept): https://www.cs.usyd.edu.au/~miranda/papers/Sequitur.pdf
 [/Sources]</a:t>
             </a:r>
-            <a:endParaRPr lang="en-US" dirty="0"/>
           </a:p>
         </p:txBody>
       </p:sp>
@@ -1861,7 +1600,6 @@
 - LBFS (CDC): https://www.usenix.org/legacy/events/osdi01/full_papers/muthitacharoen/muthitacharoen.pdf
 [/Sources]</a:t>
             </a:r>
-            <a:endParaRPr lang="en-US" dirty="0"/>
           </a:p>
         </p:txBody>
       </p:sp>
@@ -1951,7 +1689,6 @@
 - RFC 9110 (HTTP Range requests): https://www.rfc-editor.org/rfc/rfc9110
 [/Sources]</a:t>
             </a:r>
-            <a:endParaRPr lang="en-US" dirty="0"/>
           </a:p>
         </p:txBody>
       </p:sp>
@@ -2035,10 +1772,6 @@
           <a:bodyPr/>
           <a:lstStyle/>
           <a:p>
-            <a:r>
-              <a:rPr lang="en-US" dirty="0"/>
-              <a:t/>
-            </a:r>
             <a:endParaRPr lang="en-US" dirty="0"/>
           </a:p>
         </p:txBody>
@@ -2112,6 +1845,11 @@
 <file path=ppt/slideMasters/slideMaster1.xml><?xml version="1.0" encoding="utf-8"?>
 <p:sldMaster xmlns:a="http://schemas.openxmlformats.org/drawingml/2006/main" xmlns:r="http://schemas.openxmlformats.org/officeDocument/2006/relationships" xmlns:p="http://schemas.openxmlformats.org/presentationml/2006/main">
   <p:cSld>
+    <p:bg>
+      <p:bgRef idx="1001">
+        <a:schemeClr val="bg1"/>
+      </p:bgRef>
+    </p:bg>
     <p:spTree>
       <p:nvGrpSpPr>
         <p:cNvPr id="1" name=""/>
@@ -2394,6 +2132,7 @@
         <a:solidFill>
           <a:srgbClr val="FFFFFF"/>
         </a:solidFill>
+        <a:effectLst/>
       </p:bgPr>
     </p:bg>
     <p:spTree>
@@ -2429,6 +2168,13 @@
           </a:solidFill>
           <a:ln/>
         </p:spPr>
+        <p:txBody>
+          <a:bodyPr/>
+          <a:lstStyle/>
+          <a:p>
+            <a:endParaRPr lang="de-DE"/>
+          </a:p>
+        </p:txBody>
       </p:sp>
       <p:sp>
         <p:nvSpPr>
@@ -2449,6 +2195,13 @@
           </a:solidFill>
           <a:ln/>
         </p:spPr>
+        <p:txBody>
+          <a:bodyPr/>
+          <a:lstStyle/>
+          <a:p>
+            <a:endParaRPr lang="de-DE"/>
+          </a:p>
+        </p:txBody>
       </p:sp>
       <p:sp>
         <p:nvSpPr>
@@ -2469,17 +2222,24 @@
           </a:solidFill>
           <a:ln/>
         </p:spPr>
+        <p:txBody>
+          <a:bodyPr/>
+          <a:lstStyle/>
+          <a:p>
+            <a:endParaRPr lang="de-DE"/>
+          </a:p>
+        </p:txBody>
       </p:sp>
       <p:pic>
         <p:nvPicPr>
-          <p:cNvPr id="5" name="Image 0" descr="/mnt/data/scads_logo.png">    </p:cNvPr>
+          <p:cNvPr id="5" name="Image 0" descr="/mnt/data/scads_logo.png"/>
           <p:cNvPicPr>
             <a:picLocks noChangeAspect="1"/>
           </p:cNvPicPr>
           <p:nvPr/>
         </p:nvPicPr>
         <p:blipFill>
-          <a:blip r:embed="rId1"/>
+          <a:blip r:embed="rId3"/>
           <a:stretch>
             <a:fillRect/>
           </a:stretch>
@@ -2496,14 +2256,14 @@
       </p:pic>
       <p:pic>
         <p:nvPicPr>
-          <p:cNvPr id="6" name="Image 1" descr="/mnt/data/tud_logo.png">    </p:cNvPr>
+          <p:cNvPr id="6" name="Image 1" descr="/mnt/data/tud_logo.png"/>
           <p:cNvPicPr>
             <a:picLocks noChangeAspect="1"/>
           </p:cNvPicPr>
           <p:nvPr/>
         </p:nvPicPr>
         <p:blipFill>
-          <a:blip r:embed="rId2"/>
+          <a:blip r:embed="rId4"/>
           <a:stretch>
             <a:fillRect/>
           </a:stretch>
@@ -2539,7 +2299,7 @@
           <a:bodyPr wrap="square" rtlCol="0" anchor="ctr"/>
           <a:lstStyle/>
           <a:p>
-            <a:pPr indent="0" marL="0">
+            <a:pPr marL="0" indent="0">
               <a:buNone/>
             </a:pPr>
             <a:r>
@@ -2578,7 +2338,7 @@
           <a:bodyPr wrap="square" rtlCol="0" anchor="ctr"/>
           <a:lstStyle/>
           <a:p>
-            <a:pPr indent="0" marL="0">
+            <a:pPr marL="0" indent="0">
               <a:buNone/>
             </a:pPr>
             <a:r>
@@ -2620,6 +2380,13 @@
             <a:prstDash val="solid"/>
           </a:ln>
         </p:spPr>
+        <p:txBody>
+          <a:bodyPr/>
+          <a:lstStyle/>
+          <a:p>
+            <a:endParaRPr lang="de-DE"/>
+          </a:p>
+        </p:txBody>
       </p:sp>
       <p:sp>
         <p:nvSpPr>
@@ -2642,7 +2409,7 @@
           <a:bodyPr wrap="square" rtlCol="0" anchor="ctr"/>
           <a:lstStyle/>
           <a:p>
-            <a:pPr indent="0" marL="0">
+            <a:pPr marL="0" indent="0">
               <a:buNone/>
             </a:pPr>
             <a:r>
@@ -2659,7 +2426,7 @@
             <a:endParaRPr lang="en-US" sz="1400" dirty="0"/>
           </a:p>
           <a:p>
-            <a:pPr indent="0" marL="0">
+            <a:pPr marL="0" indent="0">
               <a:buNone/>
             </a:pPr>
             <a:r>
@@ -2698,7 +2465,7 @@
           <a:bodyPr wrap="square" rtlCol="0" anchor="ctr"/>
           <a:lstStyle/>
           <a:p>
-            <a:pPr indent="0" marL="0">
+            <a:pPr marL="0" indent="0">
               <a:buNone/>
             </a:pPr>
             <a:r>
@@ -2715,7 +2482,7 @@
             <a:endParaRPr lang="en-US" sz="1300" dirty="0"/>
           </a:p>
           <a:p>
-            <a:pPr indent="0" marL="0">
+            <a:pPr marL="0" indent="0">
               <a:buNone/>
             </a:pPr>
             <a:r>
@@ -2749,6 +2516,7 @@
         <a:solidFill>
           <a:srgbClr val="FFFFFF"/>
         </a:solidFill>
+        <a:effectLst/>
       </p:bgPr>
     </p:bg>
     <p:spTree>
@@ -2789,6 +2557,13 @@
             <a:prstDash val="solid"/>
           </a:ln>
         </p:spPr>
+        <p:txBody>
+          <a:bodyPr/>
+          <a:lstStyle/>
+          <a:p>
+            <a:endParaRPr lang="de-DE"/>
+          </a:p>
+        </p:txBody>
       </p:sp>
       <p:sp>
         <p:nvSpPr>
@@ -2811,7 +2586,7 @@
           <a:bodyPr wrap="square" rtlCol="0" anchor="ctr"/>
           <a:lstStyle/>
           <a:p>
-            <a:pPr indent="0" marL="0">
+            <a:pPr marL="0" indent="0">
               <a:buNone/>
             </a:pPr>
             <a:r>
@@ -2850,7 +2625,7 @@
           <a:bodyPr wrap="square" rtlCol="0" anchor="ctr"/>
           <a:lstStyle/>
           <a:p>
-            <a:pPr indent="0" marL="0">
+            <a:pPr marL="0" indent="0">
               <a:buNone/>
             </a:pPr>
             <a:r>
@@ -2870,14 +2645,14 @@
       </p:sp>
       <p:pic>
         <p:nvPicPr>
-          <p:cNvPr id="5" name="Image 0" descr="/mnt/data/scads_logo.png">    </p:cNvPr>
+          <p:cNvPr id="5" name="Image 0" descr="/mnt/data/scads_logo.png"/>
           <p:cNvPicPr>
             <a:picLocks noChangeAspect="1"/>
           </p:cNvPicPr>
           <p:nvPr/>
         </p:nvPicPr>
         <p:blipFill>
-          <a:blip r:embed="rId1"/>
+          <a:blip r:embed="rId3"/>
           <a:stretch>
             <a:fillRect/>
           </a:stretch>
@@ -2894,14 +2669,14 @@
       </p:pic>
       <p:pic>
         <p:nvPicPr>
-          <p:cNvPr id="6" name="Image 1" descr="/mnt/data/tud_logo.png">    </p:cNvPr>
+          <p:cNvPr id="6" name="Image 1" descr="/mnt/data/tud_logo.png"/>
           <p:cNvPicPr>
             <a:picLocks noChangeAspect="1"/>
           </p:cNvPicPr>
           <p:nvPr/>
         </p:nvPicPr>
         <p:blipFill>
-          <a:blip r:embed="rId2"/>
+          <a:blip r:embed="rId4"/>
           <a:stretch>
             <a:fillRect/>
           </a:stretch>
@@ -2940,6 +2715,13 @@
             <a:prstDash val="solid"/>
           </a:ln>
         </p:spPr>
+        <p:txBody>
+          <a:bodyPr/>
+          <a:lstStyle/>
+          <a:p>
+            <a:endParaRPr lang="de-DE"/>
+          </a:p>
+        </p:txBody>
       </p:sp>
       <p:sp>
         <p:nvSpPr>
@@ -2962,7 +2744,7 @@
           <a:bodyPr wrap="square" rtlCol="0" anchor="ctr"/>
           <a:lstStyle/>
           <a:p>
-            <a:pPr algn="ctr" indent="0" marL="0">
+            <a:pPr marL="0" indent="0" algn="ctr">
               <a:buNone/>
             </a:pPr>
             <a:r>
@@ -3001,7 +2783,7 @@
           <a:bodyPr wrap="square" rtlCol="0" anchor="ctr"/>
           <a:lstStyle/>
           <a:p>
-            <a:pPr indent="0" marL="0">
+            <a:pPr marL="0" indent="0">
               <a:buNone/>
             </a:pPr>
             <a:r>
@@ -3149,6 +2931,13 @@
             <a:prstDash val="solid"/>
           </a:ln>
         </p:spPr>
+        <p:txBody>
+          <a:bodyPr/>
+          <a:lstStyle/>
+          <a:p>
+            <a:endParaRPr lang="de-DE"/>
+          </a:p>
+        </p:txBody>
       </p:sp>
       <p:sp>
         <p:nvSpPr>
@@ -3171,7 +2960,7 @@
           <a:bodyPr wrap="square" rtlCol="0" anchor="ctr"/>
           <a:lstStyle/>
           <a:p>
-            <a:pPr indent="0" marL="0">
+            <a:pPr marL="0" indent="0">
               <a:buNone/>
             </a:pPr>
             <a:r>
@@ -3321,6 +3110,13 @@
             <a:prstDash val="solid"/>
           </a:ln>
         </p:spPr>
+        <p:txBody>
+          <a:bodyPr/>
+          <a:lstStyle/>
+          <a:p>
+            <a:endParaRPr lang="de-DE"/>
+          </a:p>
+        </p:txBody>
       </p:sp>
       <p:sp>
         <p:nvSpPr>
@@ -3343,7 +3139,7 @@
           <a:bodyPr wrap="square" rtlCol="0" anchor="ctr"/>
           <a:lstStyle/>
           <a:p>
-            <a:pPr indent="0" marL="0">
+            <a:pPr marL="0" indent="0">
               <a:buNone/>
             </a:pPr>
             <a:r>
@@ -3377,6 +3173,7 @@
         <a:solidFill>
           <a:srgbClr val="FFFFFF"/>
         </a:solidFill>
+        <a:effectLst/>
       </p:bgPr>
     </p:bg>
     <p:spTree>
@@ -3417,6 +3214,13 @@
             <a:prstDash val="solid"/>
           </a:ln>
         </p:spPr>
+        <p:txBody>
+          <a:bodyPr/>
+          <a:lstStyle/>
+          <a:p>
+            <a:endParaRPr lang="de-DE"/>
+          </a:p>
+        </p:txBody>
       </p:sp>
       <p:sp>
         <p:nvSpPr>
@@ -3439,7 +3243,7 @@
           <a:bodyPr wrap="square" rtlCol="0" anchor="ctr"/>
           <a:lstStyle/>
           <a:p>
-            <a:pPr indent="0" marL="0">
+            <a:pPr marL="0" indent="0">
               <a:buNone/>
             </a:pPr>
             <a:r>
@@ -3478,7 +3282,7 @@
           <a:bodyPr wrap="square" rtlCol="0" anchor="ctr"/>
           <a:lstStyle/>
           <a:p>
-            <a:pPr indent="0" marL="0">
+            <a:pPr marL="0" indent="0">
               <a:buNone/>
             </a:pPr>
             <a:r>
@@ -3498,14 +3302,14 @@
       </p:sp>
       <p:pic>
         <p:nvPicPr>
-          <p:cNvPr id="5" name="Image 0" descr="/mnt/data/scads_logo.png">    </p:cNvPr>
+          <p:cNvPr id="5" name="Image 0" descr="/mnt/data/scads_logo.png"/>
           <p:cNvPicPr>
             <a:picLocks noChangeAspect="1"/>
           </p:cNvPicPr>
           <p:nvPr/>
         </p:nvPicPr>
         <p:blipFill>
-          <a:blip r:embed="rId1"/>
+          <a:blip r:embed="rId3"/>
           <a:stretch>
             <a:fillRect/>
           </a:stretch>
@@ -3522,14 +3326,14 @@
       </p:pic>
       <p:pic>
         <p:nvPicPr>
-          <p:cNvPr id="6" name="Image 1" descr="/mnt/data/tud_logo.png">    </p:cNvPr>
+          <p:cNvPr id="6" name="Image 1" descr="/mnt/data/tud_logo.png"/>
           <p:cNvPicPr>
             <a:picLocks noChangeAspect="1"/>
           </p:cNvPicPr>
           <p:nvPr/>
         </p:nvPicPr>
         <p:blipFill>
-          <a:blip r:embed="rId2"/>
+          <a:blip r:embed="rId4"/>
           <a:stretch>
             <a:fillRect/>
           </a:stretch>
@@ -3568,6 +3372,13 @@
             <a:prstDash val="solid"/>
           </a:ln>
         </p:spPr>
+        <p:txBody>
+          <a:bodyPr/>
+          <a:lstStyle/>
+          <a:p>
+            <a:endParaRPr lang="de-DE"/>
+          </a:p>
+        </p:txBody>
       </p:sp>
       <p:sp>
         <p:nvSpPr>
@@ -3590,7 +3401,7 @@
           <a:bodyPr wrap="square" rtlCol="0" anchor="ctr"/>
           <a:lstStyle/>
           <a:p>
-            <a:pPr algn="ctr" indent="0" marL="0">
+            <a:pPr marL="0" indent="0" algn="ctr">
               <a:buNone/>
             </a:pPr>
             <a:r>
@@ -3629,7 +3440,7 @@
           <a:bodyPr wrap="square" rtlCol="0" anchor="ctr"/>
           <a:lstStyle/>
           <a:p>
-            <a:pPr indent="0" marL="0">
+            <a:pPr marL="0" indent="0">
               <a:buNone/>
             </a:pPr>
             <a:r>
@@ -3671,13 +3482,20 @@
             <a:prstDash val="solid"/>
           </a:ln>
           <a:effectLst>
-            <a:outerShdw sx="100000" sy="100000" kx="0" ky="0" algn="bl" rotWithShape="0" blurRad="31750" dist="12700" dir="2700000">
+            <a:outerShdw blurRad="31750" dist="12700" dir="2700000" algn="bl" rotWithShape="0">
               <a:srgbClr val="000000">
                 <a:alpha val="10000"/>
               </a:srgbClr>
             </a:outerShdw>
           </a:effectLst>
         </p:spPr>
+        <p:txBody>
+          <a:bodyPr/>
+          <a:lstStyle/>
+          <a:p>
+            <a:endParaRPr lang="de-DE"/>
+          </a:p>
+        </p:txBody>
       </p:sp>
       <p:sp>
         <p:nvSpPr>
@@ -3700,7 +3518,7 @@
           <a:bodyPr wrap="square" rtlCol="0" anchor="ctr"/>
           <a:lstStyle/>
           <a:p>
-            <a:pPr indent="0" marL="0">
+            <a:pPr marL="0" indent="0">
               <a:buNone/>
             </a:pPr>
             <a:r>
@@ -3739,7 +3557,7 @@
           <a:bodyPr wrap="square" rtlCol="0" anchor="ctr"/>
           <a:lstStyle/>
           <a:p>
-            <a:pPr indent="0" marL="0">
+            <a:pPr marL="0" indent="0">
               <a:buNone/>
             </a:pPr>
             <a:r>
@@ -3778,7 +3596,7 @@
           <a:bodyPr wrap="square" rtlCol="0" anchor="ctr"/>
           <a:lstStyle/>
           <a:p>
-            <a:pPr indent="0" marL="0">
+            <a:pPr marL="0" indent="0">
               <a:buNone/>
             </a:pPr>
             <a:r>
@@ -3795,7 +3613,7 @@
             <a:endParaRPr lang="en-US" sz="1050" dirty="0"/>
           </a:p>
           <a:p>
-            <a:pPr indent="0" marL="0">
+            <a:pPr marL="0" indent="0">
               <a:buNone/>
             </a:pPr>
             <a:r>
@@ -3837,13 +3655,20 @@
             <a:prstDash val="solid"/>
           </a:ln>
           <a:effectLst>
-            <a:outerShdw sx="100000" sy="100000" kx="0" ky="0" algn="bl" rotWithShape="0" blurRad="31750" dist="12700" dir="2700000">
+            <a:outerShdw blurRad="31750" dist="12700" dir="2700000" algn="bl" rotWithShape="0">
               <a:srgbClr val="000000">
                 <a:alpha val="10000"/>
               </a:srgbClr>
             </a:outerShdw>
           </a:effectLst>
         </p:spPr>
+        <p:txBody>
+          <a:bodyPr/>
+          <a:lstStyle/>
+          <a:p>
+            <a:endParaRPr lang="de-DE"/>
+          </a:p>
+        </p:txBody>
       </p:sp>
       <p:sp>
         <p:nvSpPr>
@@ -3866,7 +3691,7 @@
           <a:bodyPr wrap="square" rtlCol="0" anchor="ctr"/>
           <a:lstStyle/>
           <a:p>
-            <a:pPr indent="0" marL="0">
+            <a:pPr marL="0" indent="0">
               <a:buNone/>
             </a:pPr>
             <a:r>
@@ -3905,7 +3730,7 @@
           <a:bodyPr wrap="square" rtlCol="0" anchor="ctr"/>
           <a:lstStyle/>
           <a:p>
-            <a:pPr indent="0" marL="0">
+            <a:pPr marL="0" indent="0">
               <a:buNone/>
             </a:pPr>
             <a:r>
@@ -3944,7 +3769,7 @@
           <a:bodyPr wrap="square" rtlCol="0" anchor="ctr"/>
           <a:lstStyle/>
           <a:p>
-            <a:pPr indent="0" marL="0">
+            <a:pPr marL="0" indent="0">
               <a:buNone/>
             </a:pPr>
             <a:r>
@@ -3961,7 +3786,7 @@
             <a:endParaRPr lang="en-US" sz="1050" dirty="0"/>
           </a:p>
           <a:p>
-            <a:pPr indent="0" marL="0">
+            <a:pPr marL="0" indent="0">
               <a:buNone/>
             </a:pPr>
             <a:r>
@@ -4003,13 +3828,20 @@
             <a:prstDash val="solid"/>
           </a:ln>
           <a:effectLst>
-            <a:outerShdw sx="100000" sy="100000" kx="0" ky="0" algn="bl" rotWithShape="0" blurRad="31750" dist="12700" dir="2700000">
+            <a:outerShdw blurRad="31750" dist="12700" dir="2700000" algn="bl" rotWithShape="0">
               <a:srgbClr val="000000">
                 <a:alpha val="10000"/>
               </a:srgbClr>
             </a:outerShdw>
           </a:effectLst>
         </p:spPr>
+        <p:txBody>
+          <a:bodyPr/>
+          <a:lstStyle/>
+          <a:p>
+            <a:endParaRPr lang="de-DE"/>
+          </a:p>
+        </p:txBody>
       </p:sp>
       <p:sp>
         <p:nvSpPr>
@@ -4032,7 +3864,7 @@
           <a:bodyPr wrap="square" rtlCol="0" anchor="ctr"/>
           <a:lstStyle/>
           <a:p>
-            <a:pPr indent="0" marL="0">
+            <a:pPr marL="0" indent="0">
               <a:buNone/>
             </a:pPr>
             <a:r>
@@ -4071,7 +3903,7 @@
           <a:bodyPr wrap="square" rtlCol="0" anchor="ctr"/>
           <a:lstStyle/>
           <a:p>
-            <a:pPr indent="0" marL="0">
+            <a:pPr marL="0" indent="0">
               <a:buNone/>
             </a:pPr>
             <a:r>
@@ -4110,7 +3942,7 @@
           <a:bodyPr wrap="square" rtlCol="0" anchor="ctr"/>
           <a:lstStyle/>
           <a:p>
-            <a:pPr indent="0" marL="0">
+            <a:pPr marL="0" indent="0">
               <a:buNone/>
             </a:pPr>
             <a:r>
@@ -4127,7 +3959,7 @@
             <a:endParaRPr lang="en-US" sz="1050" dirty="0"/>
           </a:p>
           <a:p>
-            <a:pPr indent="0" marL="0">
+            <a:pPr marL="0" indent="0">
               <a:buNone/>
             </a:pPr>
             <a:r>
@@ -4169,13 +4001,20 @@
             <a:prstDash val="solid"/>
           </a:ln>
           <a:effectLst>
-            <a:outerShdw sx="100000" sy="100000" kx="0" ky="0" algn="bl" rotWithShape="0" blurRad="31750" dist="12700" dir="2700000">
+            <a:outerShdw blurRad="31750" dist="12700" dir="2700000" algn="bl" rotWithShape="0">
               <a:srgbClr val="000000">
                 <a:alpha val="10000"/>
               </a:srgbClr>
             </a:outerShdw>
           </a:effectLst>
         </p:spPr>
+        <p:txBody>
+          <a:bodyPr/>
+          <a:lstStyle/>
+          <a:p>
+            <a:endParaRPr lang="de-DE"/>
+          </a:p>
+        </p:txBody>
       </p:sp>
       <p:sp>
         <p:nvSpPr>
@@ -4198,7 +4037,7 @@
           <a:bodyPr wrap="square" rtlCol="0" anchor="ctr"/>
           <a:lstStyle/>
           <a:p>
-            <a:pPr indent="0" marL="0">
+            <a:pPr marL="0" indent="0">
               <a:buNone/>
             </a:pPr>
             <a:r>
@@ -4237,7 +4076,7 @@
           <a:bodyPr wrap="square" rtlCol="0" anchor="ctr"/>
           <a:lstStyle/>
           <a:p>
-            <a:pPr indent="0" marL="0">
+            <a:pPr marL="0" indent="0">
               <a:buNone/>
             </a:pPr>
             <a:r>
@@ -4276,7 +4115,7 @@
           <a:bodyPr wrap="square" rtlCol="0" anchor="ctr"/>
           <a:lstStyle/>
           <a:p>
-            <a:pPr indent="0" marL="0">
+            <a:pPr marL="0" indent="0">
               <a:buNone/>
             </a:pPr>
             <a:r>
@@ -4293,7 +4132,7 @@
             <a:endParaRPr lang="en-US" sz="1050" dirty="0"/>
           </a:p>
           <a:p>
-            <a:pPr indent="0" marL="0">
+            <a:pPr marL="0" indent="0">
               <a:buNone/>
             </a:pPr>
             <a:r>
@@ -4335,13 +4174,20 @@
             <a:prstDash val="solid"/>
           </a:ln>
           <a:effectLst>
-            <a:outerShdw sx="100000" sy="100000" kx="0" ky="0" algn="bl" rotWithShape="0" blurRad="31750" dist="12700" dir="2700000">
+            <a:outerShdw blurRad="31750" dist="12700" dir="2700000" algn="bl" rotWithShape="0">
               <a:srgbClr val="000000">
                 <a:alpha val="10000"/>
               </a:srgbClr>
             </a:outerShdw>
           </a:effectLst>
         </p:spPr>
+        <p:txBody>
+          <a:bodyPr/>
+          <a:lstStyle/>
+          <a:p>
+            <a:endParaRPr lang="de-DE"/>
+          </a:p>
+        </p:txBody>
       </p:sp>
       <p:sp>
         <p:nvSpPr>
@@ -4364,7 +4210,7 @@
           <a:bodyPr wrap="square" rtlCol="0" anchor="ctr"/>
           <a:lstStyle/>
           <a:p>
-            <a:pPr indent="0" marL="0">
+            <a:pPr marL="0" indent="0">
               <a:buNone/>
             </a:pPr>
             <a:r>
@@ -4403,7 +4249,7 @@
           <a:bodyPr wrap="square" rtlCol="0" anchor="ctr"/>
           <a:lstStyle/>
           <a:p>
-            <a:pPr indent="0" marL="0">
+            <a:pPr marL="0" indent="0">
               <a:buNone/>
             </a:pPr>
             <a:r>
@@ -4442,7 +4288,7 @@
           <a:bodyPr wrap="square" rtlCol="0" anchor="ctr"/>
           <a:lstStyle/>
           <a:p>
-            <a:pPr indent="0" marL="0">
+            <a:pPr marL="0" indent="0">
               <a:buNone/>
             </a:pPr>
             <a:r>
@@ -4459,7 +4305,7 @@
             <a:endParaRPr lang="en-US" sz="1050" dirty="0"/>
           </a:p>
           <a:p>
-            <a:pPr indent="0" marL="0">
+            <a:pPr marL="0" indent="0">
               <a:buNone/>
             </a:pPr>
             <a:r>
@@ -4501,13 +4347,20 @@
             <a:prstDash val="solid"/>
           </a:ln>
           <a:effectLst>
-            <a:outerShdw sx="100000" sy="100000" kx="0" ky="0" algn="bl" rotWithShape="0" blurRad="31750" dist="12700" dir="2700000">
+            <a:outerShdw blurRad="31750" dist="12700" dir="2700000" algn="bl" rotWithShape="0">
               <a:srgbClr val="000000">
                 <a:alpha val="10000"/>
               </a:srgbClr>
             </a:outerShdw>
           </a:effectLst>
         </p:spPr>
+        <p:txBody>
+          <a:bodyPr/>
+          <a:lstStyle/>
+          <a:p>
+            <a:endParaRPr lang="de-DE"/>
+          </a:p>
+        </p:txBody>
       </p:sp>
       <p:sp>
         <p:nvSpPr>
@@ -4530,7 +4383,7 @@
           <a:bodyPr wrap="square" rtlCol="0" anchor="ctr"/>
           <a:lstStyle/>
           <a:p>
-            <a:pPr indent="0" marL="0">
+            <a:pPr marL="0" indent="0">
               <a:buNone/>
             </a:pPr>
             <a:r>
@@ -4569,7 +4422,7 @@
           <a:bodyPr wrap="square" rtlCol="0" anchor="ctr"/>
           <a:lstStyle/>
           <a:p>
-            <a:pPr indent="0" marL="0">
+            <a:pPr marL="0" indent="0">
               <a:buNone/>
             </a:pPr>
             <a:r>
@@ -4608,7 +4461,7 @@
           <a:bodyPr wrap="square" rtlCol="0" anchor="ctr"/>
           <a:lstStyle/>
           <a:p>
-            <a:pPr indent="0" marL="0">
+            <a:pPr marL="0" indent="0">
               <a:buNone/>
             </a:pPr>
             <a:r>
@@ -4625,7 +4478,7 @@
             <a:endParaRPr lang="en-US" sz="1050" dirty="0"/>
           </a:p>
           <a:p>
-            <a:pPr indent="0" marL="0">
+            <a:pPr marL="0" indent="0">
               <a:buNone/>
             </a:pPr>
             <a:r>
@@ -4667,6 +4520,13 @@
             <a:prstDash val="solid"/>
           </a:ln>
         </p:spPr>
+        <p:txBody>
+          <a:bodyPr/>
+          <a:lstStyle/>
+          <a:p>
+            <a:endParaRPr lang="de-DE"/>
+          </a:p>
+        </p:txBody>
       </p:sp>
       <p:sp>
         <p:nvSpPr>
@@ -4689,7 +4549,7 @@
           <a:bodyPr wrap="square" rtlCol="0" anchor="ctr"/>
           <a:lstStyle/>
           <a:p>
-            <a:pPr indent="0" marL="0">
+            <a:pPr marL="0" indent="0">
               <a:buNone/>
             </a:pPr>
             <a:r>
@@ -4839,6 +4699,13 @@
             <a:prstDash val="solid"/>
           </a:ln>
         </p:spPr>
+        <p:txBody>
+          <a:bodyPr/>
+          <a:lstStyle/>
+          <a:p>
+            <a:endParaRPr lang="de-DE"/>
+          </a:p>
+        </p:txBody>
       </p:sp>
       <p:sp>
         <p:nvSpPr>
@@ -4861,7 +4728,7 @@
           <a:bodyPr wrap="square" rtlCol="0" anchor="ctr"/>
           <a:lstStyle/>
           <a:p>
-            <a:pPr indent="0" marL="0">
+            <a:pPr marL="0" indent="0">
               <a:buNone/>
             </a:pPr>
             <a:r>
@@ -4895,6 +4762,7 @@
         <a:solidFill>
           <a:srgbClr val="FFFFFF"/>
         </a:solidFill>
+        <a:effectLst/>
       </p:bgPr>
     </p:bg>
     <p:spTree>
@@ -4935,6 +4803,13 @@
             <a:prstDash val="solid"/>
           </a:ln>
         </p:spPr>
+        <p:txBody>
+          <a:bodyPr/>
+          <a:lstStyle/>
+          <a:p>
+            <a:endParaRPr lang="de-DE"/>
+          </a:p>
+        </p:txBody>
       </p:sp>
       <p:sp>
         <p:nvSpPr>
@@ -4957,7 +4832,7 @@
           <a:bodyPr wrap="square" rtlCol="0" anchor="ctr"/>
           <a:lstStyle/>
           <a:p>
-            <a:pPr indent="0" marL="0">
+            <a:pPr marL="0" indent="0">
               <a:buNone/>
             </a:pPr>
             <a:r>
@@ -4996,7 +4871,7 @@
           <a:bodyPr wrap="square" rtlCol="0" anchor="ctr"/>
           <a:lstStyle/>
           <a:p>
-            <a:pPr indent="0" marL="0">
+            <a:pPr marL="0" indent="0">
               <a:buNone/>
             </a:pPr>
             <a:r>
@@ -5016,14 +4891,14 @@
       </p:sp>
       <p:pic>
         <p:nvPicPr>
-          <p:cNvPr id="5" name="Image 0" descr="/mnt/data/scads_logo.png">    </p:cNvPr>
+          <p:cNvPr id="5" name="Image 0" descr="/mnt/data/scads_logo.png"/>
           <p:cNvPicPr>
             <a:picLocks noChangeAspect="1"/>
           </p:cNvPicPr>
           <p:nvPr/>
         </p:nvPicPr>
         <p:blipFill>
-          <a:blip r:embed="rId1"/>
+          <a:blip r:embed="rId3"/>
           <a:stretch>
             <a:fillRect/>
           </a:stretch>
@@ -5040,14 +4915,14 @@
       </p:pic>
       <p:pic>
         <p:nvPicPr>
-          <p:cNvPr id="6" name="Image 1" descr="/mnt/data/tud_logo.png">    </p:cNvPr>
+          <p:cNvPr id="6" name="Image 1" descr="/mnt/data/tud_logo.png"/>
           <p:cNvPicPr>
             <a:picLocks noChangeAspect="1"/>
           </p:cNvPicPr>
           <p:nvPr/>
         </p:nvPicPr>
         <p:blipFill>
-          <a:blip r:embed="rId2"/>
+          <a:blip r:embed="rId4"/>
           <a:stretch>
             <a:fillRect/>
           </a:stretch>
@@ -5086,6 +4961,13 @@
             <a:prstDash val="solid"/>
           </a:ln>
         </p:spPr>
+        <p:txBody>
+          <a:bodyPr/>
+          <a:lstStyle/>
+          <a:p>
+            <a:endParaRPr lang="de-DE"/>
+          </a:p>
+        </p:txBody>
       </p:sp>
       <p:sp>
         <p:nvSpPr>
@@ -5108,7 +4990,7 @@
           <a:bodyPr wrap="square" rtlCol="0" anchor="ctr"/>
           <a:lstStyle/>
           <a:p>
-            <a:pPr algn="ctr" indent="0" marL="0">
+            <a:pPr marL="0" indent="0" algn="ctr">
               <a:buNone/>
             </a:pPr>
             <a:r>
@@ -5150,6 +5032,13 @@
             <a:prstDash val="solid"/>
           </a:ln>
         </p:spPr>
+        <p:txBody>
+          <a:bodyPr/>
+          <a:lstStyle/>
+          <a:p>
+            <a:endParaRPr lang="de-DE"/>
+          </a:p>
+        </p:txBody>
       </p:sp>
       <p:sp>
         <p:nvSpPr>
@@ -5172,7 +5061,7 @@
           <a:bodyPr wrap="square" rtlCol="0" anchor="ctr"/>
           <a:lstStyle/>
           <a:p>
-            <a:pPr indent="0" marL="0">
+            <a:pPr marL="0" indent="0">
               <a:buNone/>
             </a:pPr>
             <a:r>
@@ -5211,7 +5100,7 @@
           <a:bodyPr wrap="square" rtlCol="0" anchor="ctr"/>
           <a:lstStyle/>
           <a:p>
-            <a:pPr indent="0" marL="0">
+            <a:pPr marL="0" indent="0">
               <a:buNone/>
             </a:pPr>
             <a:r>
@@ -5228,7 +5117,7 @@
             <a:endParaRPr lang="en-US" sz="1200" dirty="0"/>
           </a:p>
           <a:p>
-            <a:pPr indent="0" marL="0">
+            <a:pPr marL="0" indent="0">
               <a:buNone/>
             </a:pPr>
             <a:r>
@@ -5245,7 +5134,7 @@
             <a:endParaRPr lang="en-US" sz="1200" dirty="0"/>
           </a:p>
           <a:p>
-            <a:pPr indent="0" marL="0">
+            <a:pPr marL="0" indent="0">
               <a:buNone/>
             </a:pPr>
             <a:r>
@@ -5262,7 +5151,7 @@
             <a:endParaRPr lang="en-US" sz="1200" dirty="0"/>
           </a:p>
           <a:p>
-            <a:pPr indent="0" marL="0">
+            <a:pPr marL="0" indent="0">
               <a:buNone/>
             </a:pPr>
             <a:r>
@@ -5279,7 +5168,7 @@
             <a:endParaRPr lang="en-US" sz="1200" dirty="0"/>
           </a:p>
           <a:p>
-            <a:pPr indent="0" marL="0">
+            <a:pPr marL="0" indent="0">
               <a:buNone/>
             </a:pPr>
             <a:r>
@@ -5296,7 +5185,7 @@
             <a:endParaRPr lang="en-US" sz="1200" dirty="0"/>
           </a:p>
           <a:p>
-            <a:pPr indent="0" marL="0">
+            <a:pPr marL="0" indent="0">
               <a:buNone/>
             </a:pPr>
             <a:r>
@@ -5313,7 +5202,7 @@
             <a:endParaRPr lang="en-US" sz="1200" dirty="0"/>
           </a:p>
           <a:p>
-            <a:pPr indent="0" marL="0">
+            <a:pPr marL="0" indent="0">
               <a:buNone/>
             </a:pPr>
             <a:r>
@@ -5330,7 +5219,7 @@
             <a:endParaRPr lang="en-US" sz="1200" dirty="0"/>
           </a:p>
           <a:p>
-            <a:pPr indent="0" marL="0">
+            <a:pPr marL="0" indent="0">
               <a:buNone/>
             </a:pPr>
             <a:r>
@@ -5369,7 +5258,7 @@
           <a:bodyPr wrap="square" rtlCol="0" anchor="ctr"/>
           <a:lstStyle/>
           <a:p>
-            <a:pPr indent="0" marL="0">
+            <a:pPr marL="0" indent="0">
               <a:buNone/>
             </a:pPr>
             <a:r>
@@ -5411,6 +5300,13 @@
             <a:prstDash val="solid"/>
           </a:ln>
         </p:spPr>
+        <p:txBody>
+          <a:bodyPr/>
+          <a:lstStyle/>
+          <a:p>
+            <a:endParaRPr lang="de-DE"/>
+          </a:p>
+        </p:txBody>
       </p:sp>
       <p:sp>
         <p:nvSpPr>
@@ -5433,7 +5329,7 @@
           <a:bodyPr wrap="square" rtlCol="0" anchor="ctr"/>
           <a:lstStyle/>
           <a:p>
-            <a:pPr indent="0" marL="0">
+            <a:pPr marL="0" indent="0">
               <a:buNone/>
             </a:pPr>
             <a:r>
@@ -5450,7 +5346,7 @@
             <a:endParaRPr lang="en-US" sz="1100" dirty="0"/>
           </a:p>
           <a:p>
-            <a:pPr indent="0" marL="0">
+            <a:pPr marL="0" indent="0">
               <a:buNone/>
             </a:pPr>
             <a:r>
@@ -5467,7 +5363,7 @@
             <a:endParaRPr lang="en-US" sz="1100" dirty="0"/>
           </a:p>
           <a:p>
-            <a:pPr indent="0" marL="0">
+            <a:pPr marL="0" indent="0">
               <a:buNone/>
             </a:pPr>
             <a:r>
@@ -5484,7 +5380,7 @@
             <a:endParaRPr lang="en-US" sz="1100" dirty="0"/>
           </a:p>
           <a:p>
-            <a:pPr indent="0" marL="0">
+            <a:pPr marL="0" indent="0">
               <a:buNone/>
             </a:pPr>
             <a:r>
@@ -5501,7 +5397,7 @@
             <a:endParaRPr lang="en-US" sz="1100" dirty="0"/>
           </a:p>
           <a:p>
-            <a:pPr indent="0" marL="0">
+            <a:pPr marL="0" indent="0">
               <a:buNone/>
             </a:pPr>
             <a:r>
@@ -5518,7 +5414,7 @@
             <a:endParaRPr lang="en-US" sz="1100" dirty="0"/>
           </a:p>
           <a:p>
-            <a:pPr indent="0" marL="0">
+            <a:pPr marL="0" indent="0">
               <a:buNone/>
             </a:pPr>
             <a:r>
@@ -5535,7 +5431,7 @@
             <a:endParaRPr lang="en-US" sz="1100" dirty="0"/>
           </a:p>
           <a:p>
-            <a:pPr indent="0" marL="0">
+            <a:pPr marL="0" indent="0">
               <a:buNone/>
             </a:pPr>
             <a:r>
@@ -5552,7 +5448,7 @@
             <a:endParaRPr lang="en-US" sz="1100" dirty="0"/>
           </a:p>
           <a:p>
-            <a:pPr indent="0" marL="0">
+            <a:pPr marL="0" indent="0">
               <a:buNone/>
             </a:pPr>
             <a:r>
@@ -5591,7 +5487,7 @@
           <a:bodyPr wrap="square" rtlCol="0" anchor="ctr"/>
           <a:lstStyle/>
           <a:p>
-            <a:pPr indent="0" marL="0">
+            <a:pPr marL="0" indent="0">
               <a:buNone/>
             </a:pPr>
             <a:r>
@@ -5635,6 +5531,13 @@
             <a:prstDash val="solid"/>
           </a:ln>
         </p:spPr>
+        <p:txBody>
+          <a:bodyPr/>
+          <a:lstStyle/>
+          <a:p>
+            <a:endParaRPr lang="de-DE"/>
+          </a:p>
+        </p:txBody>
       </p:sp>
       <p:sp>
         <p:nvSpPr>
@@ -5657,7 +5560,7 @@
           <a:bodyPr wrap="square" rtlCol="0" anchor="ctr"/>
           <a:lstStyle/>
           <a:p>
-            <a:pPr indent="0" marL="0">
+            <a:pPr marL="0" indent="0">
               <a:buNone/>
             </a:pPr>
             <a:r>
@@ -5691,6 +5594,7 @@
         <a:solidFill>
           <a:srgbClr val="FFFFFF"/>
         </a:solidFill>
+        <a:effectLst/>
       </p:bgPr>
     </p:bg>
     <p:spTree>
@@ -5731,6 +5635,13 @@
             <a:prstDash val="solid"/>
           </a:ln>
         </p:spPr>
+        <p:txBody>
+          <a:bodyPr/>
+          <a:lstStyle/>
+          <a:p>
+            <a:endParaRPr lang="de-DE"/>
+          </a:p>
+        </p:txBody>
       </p:sp>
       <p:sp>
         <p:nvSpPr>
@@ -5753,7 +5664,7 @@
           <a:bodyPr wrap="square" rtlCol="0" anchor="ctr"/>
           <a:lstStyle/>
           <a:p>
-            <a:pPr indent="0" marL="0">
+            <a:pPr marL="0" indent="0">
               <a:buNone/>
             </a:pPr>
             <a:r>
@@ -5792,7 +5703,7 @@
           <a:bodyPr wrap="square" rtlCol="0" anchor="ctr"/>
           <a:lstStyle/>
           <a:p>
-            <a:pPr indent="0" marL="0">
+            <a:pPr marL="0" indent="0">
               <a:buNone/>
             </a:pPr>
             <a:r>
@@ -5812,14 +5723,14 @@
       </p:sp>
       <p:pic>
         <p:nvPicPr>
-          <p:cNvPr id="5" name="Image 0" descr="/mnt/data/scads_logo.png">    </p:cNvPr>
+          <p:cNvPr id="5" name="Image 0" descr="/mnt/data/scads_logo.png"/>
           <p:cNvPicPr>
             <a:picLocks noChangeAspect="1"/>
           </p:cNvPicPr>
           <p:nvPr/>
         </p:nvPicPr>
         <p:blipFill>
-          <a:blip r:embed="rId1"/>
+          <a:blip r:embed="rId3"/>
           <a:stretch>
             <a:fillRect/>
           </a:stretch>
@@ -5836,14 +5747,14 @@
       </p:pic>
       <p:pic>
         <p:nvPicPr>
-          <p:cNvPr id="6" name="Image 1" descr="/mnt/data/tud_logo.png">    </p:cNvPr>
+          <p:cNvPr id="6" name="Image 1" descr="/mnt/data/tud_logo.png"/>
           <p:cNvPicPr>
             <a:picLocks noChangeAspect="1"/>
           </p:cNvPicPr>
           <p:nvPr/>
         </p:nvPicPr>
         <p:blipFill>
-          <a:blip r:embed="rId2"/>
+          <a:blip r:embed="rId4"/>
           <a:stretch>
             <a:fillRect/>
           </a:stretch>
@@ -5882,6 +5793,13 @@
             <a:prstDash val="solid"/>
           </a:ln>
         </p:spPr>
+        <p:txBody>
+          <a:bodyPr/>
+          <a:lstStyle/>
+          <a:p>
+            <a:endParaRPr lang="de-DE"/>
+          </a:p>
+        </p:txBody>
       </p:sp>
       <p:sp>
         <p:nvSpPr>
@@ -5904,7 +5822,7 @@
           <a:bodyPr wrap="square" rtlCol="0" anchor="ctr"/>
           <a:lstStyle/>
           <a:p>
-            <a:pPr algn="ctr" indent="0" marL="0">
+            <a:pPr marL="0" indent="0" algn="ctr">
               <a:buNone/>
             </a:pPr>
             <a:r>
@@ -5946,6 +5864,13 @@
             <a:prstDash val="solid"/>
           </a:ln>
         </p:spPr>
+        <p:txBody>
+          <a:bodyPr/>
+          <a:lstStyle/>
+          <a:p>
+            <a:endParaRPr lang="de-DE"/>
+          </a:p>
+        </p:txBody>
       </p:sp>
       <p:sp>
         <p:nvSpPr>
@@ -5968,7 +5893,7 @@
           <a:bodyPr wrap="square" rtlCol="0" anchor="ctr"/>
           <a:lstStyle/>
           <a:p>
-            <a:pPr algn="ctr" indent="0" marL="0">
+            <a:pPr marL="0" indent="0" algn="ctr">
               <a:buNone/>
             </a:pPr>
             <a:r>
@@ -5985,7 +5910,7 @@
             <a:endParaRPr lang="en-US" sz="1200" dirty="0"/>
           </a:p>
           <a:p>
-            <a:pPr algn="ctr" indent="0" marL="0">
+            <a:pPr marL="0" indent="0" algn="ctr">
               <a:buNone/>
             </a:pPr>
             <a:r>
@@ -6002,7 +5927,7 @@
             <a:endParaRPr lang="en-US" sz="1200" dirty="0"/>
           </a:p>
           <a:p>
-            <a:pPr algn="ctr" indent="0" marL="0">
+            <a:pPr marL="0" indent="0" algn="ctr">
               <a:buNone/>
             </a:pPr>
             <a:r>
@@ -6044,6 +5969,13 @@
             <a:prstDash val="solid"/>
           </a:ln>
         </p:spPr>
+        <p:txBody>
+          <a:bodyPr/>
+          <a:lstStyle/>
+          <a:p>
+            <a:endParaRPr lang="de-DE"/>
+          </a:p>
+        </p:txBody>
       </p:sp>
       <p:sp>
         <p:nvSpPr>
@@ -6066,7 +5998,7 @@
           <a:bodyPr wrap="square" rtlCol="0" anchor="ctr"/>
           <a:lstStyle/>
           <a:p>
-            <a:pPr algn="ctr" indent="0" marL="0">
+            <a:pPr marL="0" indent="0" algn="ctr">
               <a:buNone/>
             </a:pPr>
             <a:r>
@@ -6083,7 +6015,7 @@
             <a:endParaRPr lang="en-US" sz="1200" dirty="0"/>
           </a:p>
           <a:p>
-            <a:pPr algn="ctr" indent="0" marL="0">
+            <a:pPr marL="0" indent="0" algn="ctr">
               <a:buNone/>
             </a:pPr>
             <a:r>
@@ -6100,7 +6032,7 @@
             <a:endParaRPr lang="en-US" sz="1200" dirty="0"/>
           </a:p>
           <a:p>
-            <a:pPr algn="ctr" indent="0" marL="0">
+            <a:pPr marL="0" indent="0" algn="ctr">
               <a:buNone/>
             </a:pPr>
             <a:r>
@@ -6127,7 +6059,7 @@
         <p:spPr>
           <a:xfrm>
             <a:off x="6080760" y="2514600"/>
-            <a:ext cx="-3977640" cy="320040"/>
+            <a:ext cx="0" cy="320040"/>
           </a:xfrm>
           <a:prstGeom prst="line">
             <a:avLst/>
@@ -6142,6 +6074,13 @@
             <a:tailEnd type="triangle"/>
           </a:ln>
         </p:spPr>
+        <p:txBody>
+          <a:bodyPr/>
+          <a:lstStyle/>
+          <a:p>
+            <a:endParaRPr lang="de-DE"/>
+          </a:p>
+        </p:txBody>
       </p:sp>
       <p:sp>
         <p:nvSpPr>
@@ -6167,6 +6106,13 @@
             <a:prstDash val="solid"/>
           </a:ln>
         </p:spPr>
+        <p:txBody>
+          <a:bodyPr/>
+          <a:lstStyle/>
+          <a:p>
+            <a:endParaRPr lang="de-DE"/>
+          </a:p>
+        </p:txBody>
       </p:sp>
       <p:sp>
         <p:nvSpPr>
@@ -6189,7 +6135,7 @@
           <a:bodyPr wrap="square" rtlCol="0" anchor="ctr"/>
           <a:lstStyle/>
           <a:p>
-            <a:pPr algn="ctr" indent="0" marL="0">
+            <a:pPr marL="0" indent="0" algn="ctr">
               <a:buNone/>
             </a:pPr>
             <a:r>
@@ -6206,7 +6152,7 @@
             <a:endParaRPr lang="en-US" sz="1200" dirty="0"/>
           </a:p>
           <a:p>
-            <a:pPr algn="ctr" indent="0" marL="0">
+            <a:pPr marL="0" indent="0" algn="ctr">
               <a:buNone/>
             </a:pPr>
             <a:r>
@@ -6223,7 +6169,7 @@
             <a:endParaRPr lang="en-US" sz="1200" dirty="0"/>
           </a:p>
           <a:p>
-            <a:pPr algn="ctr" indent="0" marL="0">
+            <a:pPr marL="0" indent="0" algn="ctr">
               <a:buNone/>
             </a:pPr>
             <a:r>
@@ -6250,7 +6196,7 @@
         <p:spPr>
           <a:xfrm>
             <a:off x="6080760" y="2514600"/>
-            <a:ext cx="-1234440" cy="320040"/>
+            <a:ext cx="0" cy="320040"/>
           </a:xfrm>
           <a:prstGeom prst="line">
             <a:avLst/>
@@ -6265,6 +6211,13 @@
             <a:tailEnd type="triangle"/>
           </a:ln>
         </p:spPr>
+        <p:txBody>
+          <a:bodyPr/>
+          <a:lstStyle/>
+          <a:p>
+            <a:endParaRPr lang="de-DE"/>
+          </a:p>
+        </p:txBody>
       </p:sp>
       <p:sp>
         <p:nvSpPr>
@@ -6290,6 +6243,13 @@
             <a:prstDash val="solid"/>
           </a:ln>
         </p:spPr>
+        <p:txBody>
+          <a:bodyPr/>
+          <a:lstStyle/>
+          <a:p>
+            <a:endParaRPr lang="de-DE"/>
+          </a:p>
+        </p:txBody>
       </p:sp>
       <p:sp>
         <p:nvSpPr>
@@ -6312,7 +6272,7 @@
           <a:bodyPr wrap="square" rtlCol="0" anchor="ctr"/>
           <a:lstStyle/>
           <a:p>
-            <a:pPr algn="ctr" indent="0" marL="0">
+            <a:pPr marL="0" indent="0" algn="ctr">
               <a:buNone/>
             </a:pPr>
             <a:r>
@@ -6329,7 +6289,7 @@
             <a:endParaRPr lang="en-US" sz="1200" dirty="0"/>
           </a:p>
           <a:p>
-            <a:pPr algn="ctr" indent="0" marL="0">
+            <a:pPr marL="0" indent="0" algn="ctr">
               <a:buNone/>
             </a:pPr>
             <a:r>
@@ -6346,7 +6306,7 @@
             <a:endParaRPr lang="en-US" sz="1200" dirty="0"/>
           </a:p>
           <a:p>
-            <a:pPr algn="ctr" indent="0" marL="0">
+            <a:pPr marL="0" indent="0" algn="ctr">
               <a:buNone/>
             </a:pPr>
             <a:r>
@@ -6388,6 +6348,13 @@
             <a:tailEnd type="triangle"/>
           </a:ln>
         </p:spPr>
+        <p:txBody>
+          <a:bodyPr/>
+          <a:lstStyle/>
+          <a:p>
+            <a:endParaRPr lang="de-DE"/>
+          </a:p>
+        </p:txBody>
       </p:sp>
       <p:sp>
         <p:nvSpPr>
@@ -6413,6 +6380,13 @@
             <a:prstDash val="solid"/>
           </a:ln>
         </p:spPr>
+        <p:txBody>
+          <a:bodyPr/>
+          <a:lstStyle/>
+          <a:p>
+            <a:endParaRPr lang="de-DE"/>
+          </a:p>
+        </p:txBody>
       </p:sp>
       <p:sp>
         <p:nvSpPr>
@@ -6435,7 +6409,7 @@
           <a:bodyPr wrap="square" rtlCol="0" anchor="ctr"/>
           <a:lstStyle/>
           <a:p>
-            <a:pPr algn="ctr" indent="0" marL="0">
+            <a:pPr marL="0" indent="0" algn="ctr">
               <a:buNone/>
             </a:pPr>
             <a:r>
@@ -6452,7 +6426,7 @@
             <a:endParaRPr lang="en-US" sz="1200" dirty="0"/>
           </a:p>
           <a:p>
-            <a:pPr algn="ctr" indent="0" marL="0">
+            <a:pPr marL="0" indent="0" algn="ctr">
               <a:buNone/>
             </a:pPr>
             <a:r>
@@ -6469,7 +6443,7 @@
             <a:endParaRPr lang="en-US" sz="1200" dirty="0"/>
           </a:p>
           <a:p>
-            <a:pPr algn="ctr" indent="0" marL="0">
+            <a:pPr marL="0" indent="0" algn="ctr">
               <a:buNone/>
             </a:pPr>
             <a:r>
@@ -6511,6 +6485,13 @@
             <a:tailEnd type="triangle"/>
           </a:ln>
         </p:spPr>
+        <p:txBody>
+          <a:bodyPr/>
+          <a:lstStyle/>
+          <a:p>
+            <a:endParaRPr lang="de-DE"/>
+          </a:p>
+        </p:txBody>
       </p:sp>
       <p:sp>
         <p:nvSpPr>
@@ -6536,6 +6517,13 @@
             <a:prstDash val="solid"/>
           </a:ln>
         </p:spPr>
+        <p:txBody>
+          <a:bodyPr/>
+          <a:lstStyle/>
+          <a:p>
+            <a:endParaRPr lang="de-DE"/>
+          </a:p>
+        </p:txBody>
       </p:sp>
       <p:sp>
         <p:nvSpPr>
@@ -6558,7 +6546,7 @@
           <a:bodyPr wrap="square" rtlCol="0" anchor="ctr"/>
           <a:lstStyle/>
           <a:p>
-            <a:pPr indent="0" marL="0">
+            <a:pPr marL="0" indent="0">
               <a:buNone/>
             </a:pPr>
             <a:r>
@@ -6597,7 +6585,7 @@
           <a:bodyPr wrap="square" rtlCol="0" anchor="ctr"/>
           <a:lstStyle/>
           <a:p>
-            <a:pPr indent="0" marL="0">
+            <a:pPr marL="0" indent="0">
               <a:buNone/>
             </a:pPr>
             <a:r>
@@ -6614,7 +6602,7 @@
             <a:endParaRPr lang="en-US" sz="1200" dirty="0"/>
           </a:p>
           <a:p>
-            <a:pPr indent="0" marL="0">
+            <a:pPr marL="0" indent="0">
               <a:buNone/>
             </a:pPr>
             <a:r>
@@ -6631,7 +6619,7 @@
             <a:endParaRPr lang="en-US" sz="1200" dirty="0"/>
           </a:p>
           <a:p>
-            <a:pPr indent="0" marL="0">
+            <a:pPr marL="0" indent="0">
               <a:buNone/>
             </a:pPr>
             <a:r>
@@ -6673,6 +6661,13 @@
             <a:prstDash val="solid"/>
           </a:ln>
         </p:spPr>
+        <p:txBody>
+          <a:bodyPr/>
+          <a:lstStyle/>
+          <a:p>
+            <a:endParaRPr lang="de-DE"/>
+          </a:p>
+        </p:txBody>
       </p:sp>
       <p:sp>
         <p:nvSpPr>
@@ -6695,7 +6690,7 @@
           <a:bodyPr wrap="square" rtlCol="0" anchor="ctr"/>
           <a:lstStyle/>
           <a:p>
-            <a:pPr indent="0" marL="0">
+            <a:pPr marL="0" indent="0">
               <a:buNone/>
             </a:pPr>
             <a:r>
@@ -6734,7 +6729,7 @@
           <a:bodyPr wrap="square" rtlCol="0" anchor="ctr"/>
           <a:lstStyle/>
           <a:p>
-            <a:pPr indent="0" marL="0">
+            <a:pPr marL="0" indent="0">
               <a:buNone/>
             </a:pPr>
             <a:r>
@@ -6751,7 +6746,7 @@
             <a:endParaRPr lang="en-US" sz="1200" dirty="0"/>
           </a:p>
           <a:p>
-            <a:pPr indent="0" marL="0">
+            <a:pPr marL="0" indent="0">
               <a:buNone/>
             </a:pPr>
             <a:r>
@@ -6768,7 +6763,7 @@
             <a:endParaRPr lang="en-US" sz="1200" dirty="0"/>
           </a:p>
           <a:p>
-            <a:pPr indent="0" marL="0">
+            <a:pPr marL="0" indent="0">
               <a:buNone/>
             </a:pPr>
             <a:r>
@@ -6812,6 +6807,13 @@
             <a:prstDash val="solid"/>
           </a:ln>
         </p:spPr>
+        <p:txBody>
+          <a:bodyPr/>
+          <a:lstStyle/>
+          <a:p>
+            <a:endParaRPr lang="de-DE"/>
+          </a:p>
+        </p:txBody>
       </p:sp>
       <p:sp>
         <p:nvSpPr>
@@ -6834,7 +6836,7 @@
           <a:bodyPr wrap="square" rtlCol="0" anchor="ctr"/>
           <a:lstStyle/>
           <a:p>
-            <a:pPr indent="0" marL="0">
+            <a:pPr marL="0" indent="0">
               <a:buNone/>
             </a:pPr>
             <a:r>
@@ -6868,6 +6870,7 @@
         <a:solidFill>
           <a:srgbClr val="FFFFFF"/>
         </a:solidFill>
+        <a:effectLst/>
       </p:bgPr>
     </p:bg>
     <p:spTree>
@@ -6908,6 +6911,13 @@
             <a:prstDash val="solid"/>
           </a:ln>
         </p:spPr>
+        <p:txBody>
+          <a:bodyPr/>
+          <a:lstStyle/>
+          <a:p>
+            <a:endParaRPr lang="de-DE"/>
+          </a:p>
+        </p:txBody>
       </p:sp>
       <p:sp>
         <p:nvSpPr>
@@ -6930,7 +6940,7 @@
           <a:bodyPr wrap="square" rtlCol="0" anchor="ctr"/>
           <a:lstStyle/>
           <a:p>
-            <a:pPr indent="0" marL="0">
+            <a:pPr marL="0" indent="0">
               <a:buNone/>
             </a:pPr>
             <a:r>
@@ -6969,7 +6979,7 @@
           <a:bodyPr wrap="square" rtlCol="0" anchor="ctr"/>
           <a:lstStyle/>
           <a:p>
-            <a:pPr indent="0" marL="0">
+            <a:pPr marL="0" indent="0">
               <a:buNone/>
             </a:pPr>
             <a:r>
@@ -6989,14 +6999,14 @@
       </p:sp>
       <p:pic>
         <p:nvPicPr>
-          <p:cNvPr id="5" name="Image 0" descr="/mnt/data/scads_logo.png">    </p:cNvPr>
+          <p:cNvPr id="5" name="Image 0" descr="/mnt/data/scads_logo.png"/>
           <p:cNvPicPr>
             <a:picLocks noChangeAspect="1"/>
           </p:cNvPicPr>
           <p:nvPr/>
         </p:nvPicPr>
         <p:blipFill>
-          <a:blip r:embed="rId1"/>
+          <a:blip r:embed="rId3"/>
           <a:stretch>
             <a:fillRect/>
           </a:stretch>
@@ -7013,14 +7023,14 @@
       </p:pic>
       <p:pic>
         <p:nvPicPr>
-          <p:cNvPr id="6" name="Image 1" descr="/mnt/data/tud_logo.png">    </p:cNvPr>
+          <p:cNvPr id="6" name="Image 1" descr="/mnt/data/tud_logo.png"/>
           <p:cNvPicPr>
             <a:picLocks noChangeAspect="1"/>
           </p:cNvPicPr>
           <p:nvPr/>
         </p:nvPicPr>
         <p:blipFill>
-          <a:blip r:embed="rId2"/>
+          <a:blip r:embed="rId4"/>
           <a:stretch>
             <a:fillRect/>
           </a:stretch>
@@ -7059,6 +7069,13 @@
             <a:prstDash val="solid"/>
           </a:ln>
         </p:spPr>
+        <p:txBody>
+          <a:bodyPr/>
+          <a:lstStyle/>
+          <a:p>
+            <a:endParaRPr lang="de-DE"/>
+          </a:p>
+        </p:txBody>
       </p:sp>
       <p:sp>
         <p:nvSpPr>
@@ -7081,7 +7098,7 @@
           <a:bodyPr wrap="square" rtlCol="0" anchor="ctr"/>
           <a:lstStyle/>
           <a:p>
-            <a:pPr algn="ctr" indent="0" marL="0">
+            <a:pPr marL="0" indent="0" algn="ctr">
               <a:buNone/>
             </a:pPr>
             <a:r>
@@ -7123,13 +7140,20 @@
             <a:prstDash val="solid"/>
           </a:ln>
           <a:effectLst>
-            <a:outerShdw sx="100000" sy="100000" kx="0" ky="0" algn="bl" rotWithShape="0" blurRad="38100" dist="19050" dir="2700000">
+            <a:outerShdw blurRad="38100" dist="19050" dir="2700000" algn="bl" rotWithShape="0">
               <a:srgbClr val="000000">
                 <a:alpha val="12000"/>
               </a:srgbClr>
             </a:outerShdw>
           </a:effectLst>
         </p:spPr>
+        <p:txBody>
+          <a:bodyPr/>
+          <a:lstStyle/>
+          <a:p>
+            <a:endParaRPr lang="de-DE"/>
+          </a:p>
+        </p:txBody>
       </p:sp>
       <p:sp>
         <p:nvSpPr>
@@ -7155,6 +7179,13 @@
             <a:prstDash val="solid"/>
           </a:ln>
         </p:spPr>
+        <p:txBody>
+          <a:bodyPr/>
+          <a:lstStyle/>
+          <a:p>
+            <a:endParaRPr lang="de-DE"/>
+          </a:p>
+        </p:txBody>
       </p:sp>
       <p:sp>
         <p:nvSpPr>
@@ -7177,7 +7208,7 @@
           <a:bodyPr wrap="square" rtlCol="0" anchor="ctr"/>
           <a:lstStyle/>
           <a:p>
-            <a:pPr indent="0" marL="0">
+            <a:pPr marL="0" indent="0">
               <a:buNone/>
             </a:pPr>
             <a:r>
@@ -7216,7 +7247,7 @@
           <a:bodyPr wrap="square" rtlCol="0" anchor="t"/>
           <a:lstStyle/>
           <a:p>
-            <a:pPr indent="0" marL="0">
+            <a:pPr marL="0" indent="0">
               <a:buNone/>
             </a:pPr>
             <a:r>
@@ -7233,7 +7264,7 @@
             <a:endParaRPr lang="en-US" sz="1100" dirty="0"/>
           </a:p>
           <a:p>
-            <a:pPr indent="0" marL="0">
+            <a:pPr marL="0" indent="0">
               <a:buNone/>
             </a:pPr>
             <a:r>
@@ -7250,7 +7281,7 @@
             <a:endParaRPr lang="en-US" sz="1100" dirty="0"/>
           </a:p>
           <a:p>
-            <a:pPr indent="0" marL="0">
+            <a:pPr marL="0" indent="0">
               <a:buNone/>
             </a:pPr>
             <a:r>
@@ -7267,7 +7298,7 @@
             <a:endParaRPr lang="en-US" sz="1100" dirty="0"/>
           </a:p>
           <a:p>
-            <a:pPr indent="0" marL="0">
+            <a:pPr marL="0" indent="0">
               <a:buNone/>
             </a:pPr>
             <a:r>
@@ -7309,13 +7340,20 @@
             <a:prstDash val="solid"/>
           </a:ln>
           <a:effectLst>
-            <a:outerShdw sx="100000" sy="100000" kx="0" ky="0" algn="bl" rotWithShape="0" blurRad="38100" dist="19050" dir="2700000">
+            <a:outerShdw blurRad="38100" dist="19050" dir="2700000" algn="bl" rotWithShape="0">
               <a:srgbClr val="000000">
                 <a:alpha val="12000"/>
               </a:srgbClr>
             </a:outerShdw>
           </a:effectLst>
         </p:spPr>
+        <p:txBody>
+          <a:bodyPr/>
+          <a:lstStyle/>
+          <a:p>
+            <a:endParaRPr lang="de-DE"/>
+          </a:p>
+        </p:txBody>
       </p:sp>
       <p:sp>
         <p:nvSpPr>
@@ -7341,6 +7379,13 @@
             <a:prstDash val="solid"/>
           </a:ln>
         </p:spPr>
+        <p:txBody>
+          <a:bodyPr/>
+          <a:lstStyle/>
+          <a:p>
+            <a:endParaRPr lang="de-DE"/>
+          </a:p>
+        </p:txBody>
       </p:sp>
       <p:sp>
         <p:nvSpPr>
@@ -7363,7 +7408,7 @@
           <a:bodyPr wrap="square" rtlCol="0" anchor="ctr"/>
           <a:lstStyle/>
           <a:p>
-            <a:pPr indent="0" marL="0">
+            <a:pPr marL="0" indent="0">
               <a:buNone/>
             </a:pPr>
             <a:r>
@@ -7402,7 +7447,7 @@
           <a:bodyPr wrap="square" rtlCol="0" anchor="t"/>
           <a:lstStyle/>
           <a:p>
-            <a:pPr indent="0" marL="0">
+            <a:pPr marL="0" indent="0">
               <a:buNone/>
             </a:pPr>
             <a:r>
@@ -7419,7 +7464,7 @@
             <a:endParaRPr lang="en-US" sz="1100" dirty="0"/>
           </a:p>
           <a:p>
-            <a:pPr indent="0" marL="0">
+            <a:pPr marL="0" indent="0">
               <a:buNone/>
             </a:pPr>
             <a:r>
@@ -7436,7 +7481,7 @@
             <a:endParaRPr lang="en-US" sz="1100" dirty="0"/>
           </a:p>
           <a:p>
-            <a:pPr indent="0" marL="0">
+            <a:pPr marL="0" indent="0">
               <a:buNone/>
             </a:pPr>
             <a:r>
@@ -7453,7 +7498,7 @@
             <a:endParaRPr lang="en-US" sz="1100" dirty="0"/>
           </a:p>
           <a:p>
-            <a:pPr indent="0" marL="0">
+            <a:pPr marL="0" indent="0">
               <a:buNone/>
             </a:pPr>
             <a:r>
@@ -7495,13 +7540,20 @@
             <a:prstDash val="solid"/>
           </a:ln>
           <a:effectLst>
-            <a:outerShdw sx="100000" sy="100000" kx="0" ky="0" algn="bl" rotWithShape="0" blurRad="38100" dist="19050" dir="2700000">
+            <a:outerShdw blurRad="38100" dist="19050" dir="2700000" algn="bl" rotWithShape="0">
               <a:srgbClr val="000000">
                 <a:alpha val="12000"/>
               </a:srgbClr>
             </a:outerShdw>
           </a:effectLst>
         </p:spPr>
+        <p:txBody>
+          <a:bodyPr/>
+          <a:lstStyle/>
+          <a:p>
+            <a:endParaRPr lang="de-DE"/>
+          </a:p>
+        </p:txBody>
       </p:sp>
       <p:sp>
         <p:nvSpPr>
@@ -7527,6 +7579,13 @@
             <a:prstDash val="solid"/>
           </a:ln>
         </p:spPr>
+        <p:txBody>
+          <a:bodyPr/>
+          <a:lstStyle/>
+          <a:p>
+            <a:endParaRPr lang="de-DE"/>
+          </a:p>
+        </p:txBody>
       </p:sp>
       <p:sp>
         <p:nvSpPr>
@@ -7549,7 +7608,7 @@
           <a:bodyPr wrap="square" rtlCol="0" anchor="ctr"/>
           <a:lstStyle/>
           <a:p>
-            <a:pPr indent="0" marL="0">
+            <a:pPr marL="0" indent="0">
               <a:buNone/>
             </a:pPr>
             <a:r>
@@ -7588,7 +7647,7 @@
           <a:bodyPr wrap="square" rtlCol="0" anchor="t"/>
           <a:lstStyle/>
           <a:p>
-            <a:pPr indent="0" marL="0">
+            <a:pPr marL="0" indent="0">
               <a:buNone/>
             </a:pPr>
             <a:r>
@@ -7605,7 +7664,7 @@
             <a:endParaRPr lang="en-US" sz="1100" dirty="0"/>
           </a:p>
           <a:p>
-            <a:pPr indent="0" marL="0">
+            <a:pPr marL="0" indent="0">
               <a:buNone/>
             </a:pPr>
             <a:r>
@@ -7622,7 +7681,7 @@
             <a:endParaRPr lang="en-US" sz="1100" dirty="0"/>
           </a:p>
           <a:p>
-            <a:pPr indent="0" marL="0">
+            <a:pPr marL="0" indent="0">
               <a:buNone/>
             </a:pPr>
             <a:r>
@@ -7639,7 +7698,7 @@
             <a:endParaRPr lang="en-US" sz="1100" dirty="0"/>
           </a:p>
           <a:p>
-            <a:pPr indent="0" marL="0">
+            <a:pPr marL="0" indent="0">
               <a:buNone/>
             </a:pPr>
             <a:r>
@@ -7656,7 +7715,7 @@
             <a:endParaRPr lang="en-US" sz="1100" dirty="0"/>
           </a:p>
           <a:p>
-            <a:pPr indent="0" marL="0">
+            <a:pPr marL="0" indent="0">
               <a:buNone/>
             </a:pPr>
             <a:r>
@@ -7698,13 +7757,20 @@
             <a:prstDash val="solid"/>
           </a:ln>
           <a:effectLst>
-            <a:outerShdw sx="100000" sy="100000" kx="0" ky="0" algn="bl" rotWithShape="0" blurRad="38100" dist="19050" dir="2700000">
+            <a:outerShdw blurRad="38100" dist="19050" dir="2700000" algn="bl" rotWithShape="0">
               <a:srgbClr val="000000">
                 <a:alpha val="12000"/>
               </a:srgbClr>
             </a:outerShdw>
           </a:effectLst>
         </p:spPr>
+        <p:txBody>
+          <a:bodyPr/>
+          <a:lstStyle/>
+          <a:p>
+            <a:endParaRPr lang="de-DE"/>
+          </a:p>
+        </p:txBody>
       </p:sp>
       <p:sp>
         <p:nvSpPr>
@@ -7730,6 +7796,13 @@
             <a:prstDash val="solid"/>
           </a:ln>
         </p:spPr>
+        <p:txBody>
+          <a:bodyPr/>
+          <a:lstStyle/>
+          <a:p>
+            <a:endParaRPr lang="de-DE"/>
+          </a:p>
+        </p:txBody>
       </p:sp>
       <p:sp>
         <p:nvSpPr>
@@ -7752,7 +7825,7 @@
           <a:bodyPr wrap="square" rtlCol="0" anchor="ctr"/>
           <a:lstStyle/>
           <a:p>
-            <a:pPr indent="0" marL="0">
+            <a:pPr marL="0" indent="0">
               <a:buNone/>
             </a:pPr>
             <a:r>
@@ -7791,7 +7864,7 @@
           <a:bodyPr wrap="square" rtlCol="0" anchor="t"/>
           <a:lstStyle/>
           <a:p>
-            <a:pPr indent="0" marL="0">
+            <a:pPr marL="0" indent="0">
               <a:buNone/>
             </a:pPr>
             <a:r>
@@ -7808,7 +7881,7 @@
             <a:endParaRPr lang="en-US" sz="1100" dirty="0"/>
           </a:p>
           <a:p>
-            <a:pPr indent="0" marL="0">
+            <a:pPr marL="0" indent="0">
               <a:buNone/>
             </a:pPr>
             <a:r>
@@ -7825,7 +7898,7 @@
             <a:endParaRPr lang="en-US" sz="1100" dirty="0"/>
           </a:p>
           <a:p>
-            <a:pPr indent="0" marL="0">
+            <a:pPr marL="0" indent="0">
               <a:buNone/>
             </a:pPr>
             <a:r>
@@ -7842,7 +7915,7 @@
             <a:endParaRPr lang="en-US" sz="1100" dirty="0"/>
           </a:p>
           <a:p>
-            <a:pPr indent="0" marL="0">
+            <a:pPr marL="0" indent="0">
               <a:buNone/>
             </a:pPr>
             <a:r>
@@ -7886,6 +7959,13 @@
             <a:prstDash val="solid"/>
           </a:ln>
         </p:spPr>
+        <p:txBody>
+          <a:bodyPr/>
+          <a:lstStyle/>
+          <a:p>
+            <a:endParaRPr lang="de-DE"/>
+          </a:p>
+        </p:txBody>
       </p:sp>
       <p:sp>
         <p:nvSpPr>
@@ -7908,7 +7988,7 @@
           <a:bodyPr wrap="square" rtlCol="0" anchor="ctr"/>
           <a:lstStyle/>
           <a:p>
-            <a:pPr indent="0" marL="0">
+            <a:pPr marL="0" indent="0">
               <a:buNone/>
             </a:pPr>
             <a:r>
@@ -7942,6 +8022,7 @@
         <a:solidFill>
           <a:srgbClr val="FFFFFF"/>
         </a:solidFill>
+        <a:effectLst/>
       </p:bgPr>
     </p:bg>
     <p:spTree>
@@ -7982,6 +8063,13 @@
             <a:prstDash val="solid"/>
           </a:ln>
         </p:spPr>
+        <p:txBody>
+          <a:bodyPr/>
+          <a:lstStyle/>
+          <a:p>
+            <a:endParaRPr lang="de-DE"/>
+          </a:p>
+        </p:txBody>
       </p:sp>
       <p:sp>
         <p:nvSpPr>
@@ -8004,7 +8092,7 @@
           <a:bodyPr wrap="square" rtlCol="0" anchor="ctr"/>
           <a:lstStyle/>
           <a:p>
-            <a:pPr indent="0" marL="0">
+            <a:pPr marL="0" indent="0">
               <a:buNone/>
             </a:pPr>
             <a:r>
@@ -8043,7 +8131,7 @@
           <a:bodyPr wrap="square" rtlCol="0" anchor="ctr"/>
           <a:lstStyle/>
           <a:p>
-            <a:pPr indent="0" marL="0">
+            <a:pPr marL="0" indent="0">
               <a:buNone/>
             </a:pPr>
             <a:r>
@@ -8063,14 +8151,14 @@
       </p:sp>
       <p:pic>
         <p:nvPicPr>
-          <p:cNvPr id="5" name="Image 0" descr="/mnt/data/scads_logo.png">    </p:cNvPr>
+          <p:cNvPr id="5" name="Image 0" descr="/mnt/data/scads_logo.png"/>
           <p:cNvPicPr>
             <a:picLocks noChangeAspect="1"/>
           </p:cNvPicPr>
           <p:nvPr/>
         </p:nvPicPr>
         <p:blipFill>
-          <a:blip r:embed="rId1"/>
+          <a:blip r:embed="rId3"/>
           <a:stretch>
             <a:fillRect/>
           </a:stretch>
@@ -8087,14 +8175,14 @@
       </p:pic>
       <p:pic>
         <p:nvPicPr>
-          <p:cNvPr id="6" name="Image 1" descr="/mnt/data/tud_logo.png">    </p:cNvPr>
+          <p:cNvPr id="6" name="Image 1" descr="/mnt/data/tud_logo.png"/>
           <p:cNvPicPr>
             <a:picLocks noChangeAspect="1"/>
           </p:cNvPicPr>
           <p:nvPr/>
         </p:nvPicPr>
         <p:blipFill>
-          <a:blip r:embed="rId2"/>
+          <a:blip r:embed="rId4"/>
           <a:stretch>
             <a:fillRect/>
           </a:stretch>
@@ -8133,6 +8221,13 @@
             <a:prstDash val="solid"/>
           </a:ln>
         </p:spPr>
+        <p:txBody>
+          <a:bodyPr/>
+          <a:lstStyle/>
+          <a:p>
+            <a:endParaRPr lang="de-DE"/>
+          </a:p>
+        </p:txBody>
       </p:sp>
       <p:sp>
         <p:nvSpPr>
@@ -8155,7 +8250,7 @@
           <a:bodyPr wrap="square" rtlCol="0" anchor="ctr"/>
           <a:lstStyle/>
           <a:p>
-            <a:pPr algn="ctr" indent="0" marL="0">
+            <a:pPr marL="0" indent="0" algn="ctr">
               <a:buNone/>
             </a:pPr>
             <a:r>
@@ -8326,6 +8421,13 @@
             <a:prstDash val="solid"/>
           </a:ln>
         </p:spPr>
+        <p:txBody>
+          <a:bodyPr/>
+          <a:lstStyle/>
+          <a:p>
+            <a:endParaRPr lang="de-DE"/>
+          </a:p>
+        </p:txBody>
       </p:sp>
       <p:sp>
         <p:nvSpPr>
@@ -8348,7 +8450,7 @@
           <a:bodyPr wrap="square" rtlCol="0" anchor="ctr"/>
           <a:lstStyle/>
           <a:p>
-            <a:pPr indent="0" marL="0">
+            <a:pPr marL="0" indent="0">
               <a:buNone/>
             </a:pPr>
             <a:r>
@@ -8382,6 +8484,7 @@
         <a:solidFill>
           <a:srgbClr val="FFFFFF"/>
         </a:solidFill>
+        <a:effectLst/>
       </p:bgPr>
     </p:bg>
     <p:spTree>
@@ -8422,6 +8525,13 @@
             <a:prstDash val="solid"/>
           </a:ln>
         </p:spPr>
+        <p:txBody>
+          <a:bodyPr/>
+          <a:lstStyle/>
+          <a:p>
+            <a:endParaRPr lang="de-DE"/>
+          </a:p>
+        </p:txBody>
       </p:sp>
       <p:sp>
         <p:nvSpPr>
@@ -8444,7 +8554,7 @@
           <a:bodyPr wrap="square" rtlCol="0" anchor="ctr"/>
           <a:lstStyle/>
           <a:p>
-            <a:pPr indent="0" marL="0">
+            <a:pPr marL="0" indent="0">
               <a:buNone/>
             </a:pPr>
             <a:r>
@@ -8483,7 +8593,7 @@
           <a:bodyPr wrap="square" rtlCol="0" anchor="ctr"/>
           <a:lstStyle/>
           <a:p>
-            <a:pPr indent="0" marL="0">
+            <a:pPr marL="0" indent="0">
               <a:buNone/>
             </a:pPr>
             <a:r>
@@ -8503,14 +8613,14 @@
       </p:sp>
       <p:pic>
         <p:nvPicPr>
-          <p:cNvPr id="5" name="Image 0" descr="/mnt/data/scads_logo.png">    </p:cNvPr>
+          <p:cNvPr id="5" name="Image 0" descr="/mnt/data/scads_logo.png"/>
           <p:cNvPicPr>
             <a:picLocks noChangeAspect="1"/>
           </p:cNvPicPr>
           <p:nvPr/>
         </p:nvPicPr>
         <p:blipFill>
-          <a:blip r:embed="rId1"/>
+          <a:blip r:embed="rId3"/>
           <a:stretch>
             <a:fillRect/>
           </a:stretch>
@@ -8527,14 +8637,14 @@
       </p:pic>
       <p:pic>
         <p:nvPicPr>
-          <p:cNvPr id="6" name="Image 1" descr="/mnt/data/tud_logo.png">    </p:cNvPr>
+          <p:cNvPr id="6" name="Image 1" descr="/mnt/data/tud_logo.png"/>
           <p:cNvPicPr>
             <a:picLocks noChangeAspect="1"/>
           </p:cNvPicPr>
           <p:nvPr/>
         </p:nvPicPr>
         <p:blipFill>
-          <a:blip r:embed="rId2"/>
+          <a:blip r:embed="rId4"/>
           <a:stretch>
             <a:fillRect/>
           </a:stretch>
@@ -8573,6 +8683,13 @@
             <a:prstDash val="solid"/>
           </a:ln>
         </p:spPr>
+        <p:txBody>
+          <a:bodyPr/>
+          <a:lstStyle/>
+          <a:p>
+            <a:endParaRPr lang="de-DE"/>
+          </a:p>
+        </p:txBody>
       </p:sp>
       <p:sp>
         <p:nvSpPr>
@@ -8595,7 +8712,7 @@
           <a:bodyPr wrap="square" rtlCol="0" anchor="ctr"/>
           <a:lstStyle/>
           <a:p>
-            <a:pPr algn="ctr" indent="0" marL="0">
+            <a:pPr marL="0" indent="0" algn="ctr">
               <a:buNone/>
             </a:pPr>
             <a:r>
@@ -8634,7 +8751,7 @@
           <a:bodyPr wrap="square" rtlCol="0" anchor="ctr"/>
           <a:lstStyle/>
           <a:p>
-            <a:pPr indent="0" marL="0">
+            <a:pPr marL="0" indent="0">
               <a:buNone/>
             </a:pPr>
             <a:r>
@@ -8676,13 +8793,20 @@
             <a:prstDash val="solid"/>
           </a:ln>
           <a:effectLst>
-            <a:outerShdw sx="100000" sy="100000" kx="0" ky="0" algn="bl" rotWithShape="0" blurRad="38100" dist="19050" dir="2700000">
+            <a:outerShdw blurRad="38100" dist="19050" dir="2700000" algn="bl" rotWithShape="0">
               <a:srgbClr val="000000">
                 <a:alpha val="12000"/>
               </a:srgbClr>
             </a:outerShdw>
           </a:effectLst>
         </p:spPr>
+        <p:txBody>
+          <a:bodyPr/>
+          <a:lstStyle/>
+          <a:p>
+            <a:endParaRPr lang="de-DE"/>
+          </a:p>
+        </p:txBody>
       </p:sp>
       <p:sp>
         <p:nvSpPr>
@@ -8708,6 +8832,13 @@
             <a:prstDash val="solid"/>
           </a:ln>
         </p:spPr>
+        <p:txBody>
+          <a:bodyPr/>
+          <a:lstStyle/>
+          <a:p>
+            <a:endParaRPr lang="de-DE"/>
+          </a:p>
+        </p:txBody>
       </p:sp>
       <p:sp>
         <p:nvSpPr>
@@ -8730,7 +8861,7 @@
           <a:bodyPr wrap="square" rtlCol="0" anchor="ctr"/>
           <a:lstStyle/>
           <a:p>
-            <a:pPr indent="0" marL="0">
+            <a:pPr marL="0" indent="0">
               <a:buNone/>
             </a:pPr>
             <a:r>
@@ -8769,7 +8900,7 @@
           <a:bodyPr wrap="square" rtlCol="0" anchor="t"/>
           <a:lstStyle/>
           <a:p>
-            <a:pPr indent="0" marL="0">
+            <a:pPr marL="0" indent="0">
               <a:buNone/>
             </a:pPr>
             <a:r>
@@ -8786,7 +8917,7 @@
             <a:endParaRPr lang="en-US" sz="1100" dirty="0"/>
           </a:p>
           <a:p>
-            <a:pPr indent="0" marL="0">
+            <a:pPr marL="0" indent="0">
               <a:buNone/>
             </a:pPr>
             <a:r>
@@ -8803,7 +8934,7 @@
             <a:endParaRPr lang="en-US" sz="1100" dirty="0"/>
           </a:p>
           <a:p>
-            <a:pPr indent="0" marL="0">
+            <a:pPr marL="0" indent="0">
               <a:buNone/>
             </a:pPr>
             <a:r>
@@ -8820,7 +8951,7 @@
             <a:endParaRPr lang="en-US" sz="1100" dirty="0"/>
           </a:p>
           <a:p>
-            <a:pPr indent="0" marL="0">
+            <a:pPr marL="0" indent="0">
               <a:buNone/>
             </a:pPr>
             <a:r>
@@ -8859,7 +8990,7 @@
           <a:bodyPr wrap="square" rtlCol="0" anchor="ctr"/>
           <a:lstStyle/>
           <a:p>
-            <a:pPr indent="0" marL="0">
+            <a:pPr marL="0" indent="0">
               <a:buNone/>
             </a:pPr>
             <a:r>
@@ -8901,13 +9032,20 @@
             <a:prstDash val="solid"/>
           </a:ln>
           <a:effectLst>
-            <a:outerShdw sx="100000" sy="100000" kx="0" ky="0" algn="bl" rotWithShape="0" blurRad="38100" dist="19050" dir="2700000">
+            <a:outerShdw blurRad="38100" dist="19050" dir="2700000" algn="bl" rotWithShape="0">
               <a:srgbClr val="000000">
                 <a:alpha val="12000"/>
               </a:srgbClr>
             </a:outerShdw>
           </a:effectLst>
         </p:spPr>
+        <p:txBody>
+          <a:bodyPr/>
+          <a:lstStyle/>
+          <a:p>
+            <a:endParaRPr lang="de-DE"/>
+          </a:p>
+        </p:txBody>
       </p:sp>
       <p:sp>
         <p:nvSpPr>
@@ -8933,6 +9071,13 @@
             <a:prstDash val="solid"/>
           </a:ln>
         </p:spPr>
+        <p:txBody>
+          <a:bodyPr/>
+          <a:lstStyle/>
+          <a:p>
+            <a:endParaRPr lang="de-DE"/>
+          </a:p>
+        </p:txBody>
       </p:sp>
       <p:sp>
         <p:nvSpPr>
@@ -8955,7 +9100,7 @@
           <a:bodyPr wrap="square" rtlCol="0" anchor="ctr"/>
           <a:lstStyle/>
           <a:p>
-            <a:pPr indent="0" marL="0">
+            <a:pPr marL="0" indent="0">
               <a:buNone/>
             </a:pPr>
             <a:r>
@@ -8994,7 +9139,7 @@
           <a:bodyPr wrap="square" rtlCol="0" anchor="t"/>
           <a:lstStyle/>
           <a:p>
-            <a:pPr indent="0" marL="0">
+            <a:pPr marL="0" indent="0">
               <a:buNone/>
             </a:pPr>
             <a:r>
@@ -9011,7 +9156,7 @@
             <a:endParaRPr lang="en-US" sz="1100" dirty="0"/>
           </a:p>
           <a:p>
-            <a:pPr indent="0" marL="0">
+            <a:pPr marL="0" indent="0">
               <a:buNone/>
             </a:pPr>
             <a:r>
@@ -9028,7 +9173,7 @@
             <a:endParaRPr lang="en-US" sz="1100" dirty="0"/>
           </a:p>
           <a:p>
-            <a:pPr indent="0" marL="0">
+            <a:pPr marL="0" indent="0">
               <a:buNone/>
             </a:pPr>
             <a:r>
@@ -9070,13 +9215,20 @@
             <a:prstDash val="solid"/>
           </a:ln>
           <a:effectLst>
-            <a:outerShdw sx="100000" sy="100000" kx="0" ky="0" algn="bl" rotWithShape="0" blurRad="38100" dist="19050" dir="2700000">
+            <a:outerShdw blurRad="38100" dist="19050" dir="2700000" algn="bl" rotWithShape="0">
               <a:srgbClr val="000000">
                 <a:alpha val="12000"/>
               </a:srgbClr>
             </a:outerShdw>
           </a:effectLst>
         </p:spPr>
+        <p:txBody>
+          <a:bodyPr/>
+          <a:lstStyle/>
+          <a:p>
+            <a:endParaRPr lang="de-DE"/>
+          </a:p>
+        </p:txBody>
       </p:sp>
       <p:sp>
         <p:nvSpPr>
@@ -9102,6 +9254,13 @@
             <a:prstDash val="solid"/>
           </a:ln>
         </p:spPr>
+        <p:txBody>
+          <a:bodyPr/>
+          <a:lstStyle/>
+          <a:p>
+            <a:endParaRPr lang="de-DE"/>
+          </a:p>
+        </p:txBody>
       </p:sp>
       <p:sp>
         <p:nvSpPr>
@@ -9124,7 +9283,7 @@
           <a:bodyPr wrap="square" rtlCol="0" anchor="ctr"/>
           <a:lstStyle/>
           <a:p>
-            <a:pPr indent="0" marL="0">
+            <a:pPr marL="0" indent="0">
               <a:buNone/>
             </a:pPr>
             <a:r>
@@ -9163,7 +9322,7 @@
           <a:bodyPr wrap="square" rtlCol="0" anchor="t"/>
           <a:lstStyle/>
           <a:p>
-            <a:pPr indent="0" marL="0">
+            <a:pPr marL="0" indent="0">
               <a:buNone/>
             </a:pPr>
             <a:r>
@@ -9180,7 +9339,7 @@
             <a:endParaRPr lang="en-US" sz="1100" dirty="0"/>
           </a:p>
           <a:p>
-            <a:pPr indent="0" marL="0">
+            <a:pPr marL="0" indent="0">
               <a:buNone/>
             </a:pPr>
             <a:r>
@@ -9197,7 +9356,7 @@
             <a:endParaRPr lang="en-US" sz="1100" dirty="0"/>
           </a:p>
           <a:p>
-            <a:pPr indent="0" marL="0">
+            <a:pPr marL="0" indent="0">
               <a:buNone/>
             </a:pPr>
             <a:r>
@@ -9236,7 +9395,7 @@
           <a:bodyPr wrap="square" rtlCol="0" anchor="ctr"/>
           <a:lstStyle/>
           <a:p>
-            <a:pPr indent="0" marL="0">
+            <a:pPr marL="0" indent="0">
               <a:buNone/>
             </a:pPr>
             <a:r>
@@ -9275,7 +9434,7 @@
           <a:bodyPr wrap="square" rtlCol="0" anchor="ctr"/>
           <a:lstStyle/>
           <a:p>
-            <a:pPr indent="0" marL="0">
+            <a:pPr marL="0" indent="0">
               <a:buNone/>
             </a:pPr>
             <a:r>
@@ -9319,6 +9478,13 @@
             <a:prstDash val="solid"/>
           </a:ln>
         </p:spPr>
+        <p:txBody>
+          <a:bodyPr/>
+          <a:lstStyle/>
+          <a:p>
+            <a:endParaRPr lang="de-DE"/>
+          </a:p>
+        </p:txBody>
       </p:sp>
       <p:sp>
         <p:nvSpPr>
@@ -9341,7 +9507,7 @@
           <a:bodyPr wrap="square" rtlCol="0" anchor="ctr"/>
           <a:lstStyle/>
           <a:p>
-            <a:pPr indent="0" marL="0">
+            <a:pPr marL="0" indent="0">
               <a:buNone/>
             </a:pPr>
             <a:r>
@@ -9375,6 +9541,7 @@
         <a:solidFill>
           <a:srgbClr val="FFFFFF"/>
         </a:solidFill>
+        <a:effectLst/>
       </p:bgPr>
     </p:bg>
     <p:spTree>
@@ -9415,6 +9582,13 @@
             <a:prstDash val="solid"/>
           </a:ln>
         </p:spPr>
+        <p:txBody>
+          <a:bodyPr/>
+          <a:lstStyle/>
+          <a:p>
+            <a:endParaRPr lang="de-DE"/>
+          </a:p>
+        </p:txBody>
       </p:sp>
       <p:sp>
         <p:nvSpPr>
@@ -9437,7 +9611,7 @@
           <a:bodyPr wrap="square" rtlCol="0" anchor="ctr"/>
           <a:lstStyle/>
           <a:p>
-            <a:pPr indent="0" marL="0">
+            <a:pPr marL="0" indent="0">
               <a:buNone/>
             </a:pPr>
             <a:r>
@@ -9476,7 +9650,7 @@
           <a:bodyPr wrap="square" rtlCol="0" anchor="ctr"/>
           <a:lstStyle/>
           <a:p>
-            <a:pPr indent="0" marL="0">
+            <a:pPr marL="0" indent="0">
               <a:buNone/>
             </a:pPr>
             <a:r>
@@ -9496,14 +9670,14 @@
       </p:sp>
       <p:pic>
         <p:nvPicPr>
-          <p:cNvPr id="5" name="Image 0" descr="/mnt/data/scads_logo.png">    </p:cNvPr>
+          <p:cNvPr id="5" name="Image 0" descr="/mnt/data/scads_logo.png"/>
           <p:cNvPicPr>
             <a:picLocks noChangeAspect="1"/>
           </p:cNvPicPr>
           <p:nvPr/>
         </p:nvPicPr>
         <p:blipFill>
-          <a:blip r:embed="rId1"/>
+          <a:blip r:embed="rId3"/>
           <a:stretch>
             <a:fillRect/>
           </a:stretch>
@@ -9520,14 +9694,14 @@
       </p:pic>
       <p:pic>
         <p:nvPicPr>
-          <p:cNvPr id="6" name="Image 1" descr="/mnt/data/tud_logo.png">    </p:cNvPr>
+          <p:cNvPr id="6" name="Image 1" descr="/mnt/data/tud_logo.png"/>
           <p:cNvPicPr>
             <a:picLocks noChangeAspect="1"/>
           </p:cNvPicPr>
           <p:nvPr/>
         </p:nvPicPr>
         <p:blipFill>
-          <a:blip r:embed="rId2"/>
+          <a:blip r:embed="rId4"/>
           <a:stretch>
             <a:fillRect/>
           </a:stretch>
@@ -9566,6 +9740,13 @@
             <a:prstDash val="solid"/>
           </a:ln>
         </p:spPr>
+        <p:txBody>
+          <a:bodyPr/>
+          <a:lstStyle/>
+          <a:p>
+            <a:endParaRPr lang="de-DE"/>
+          </a:p>
+        </p:txBody>
       </p:sp>
       <p:sp>
         <p:nvSpPr>
@@ -9588,7 +9769,7 @@
           <a:bodyPr wrap="square" rtlCol="0" anchor="ctr"/>
           <a:lstStyle/>
           <a:p>
-            <a:pPr algn="ctr" indent="0" marL="0">
+            <a:pPr marL="0" indent="0" algn="ctr">
               <a:buNone/>
             </a:pPr>
             <a:r>
@@ -9630,6 +9811,13 @@
             <a:prstDash val="solid"/>
           </a:ln>
         </p:spPr>
+        <p:txBody>
+          <a:bodyPr/>
+          <a:lstStyle/>
+          <a:p>
+            <a:endParaRPr lang="de-DE"/>
+          </a:p>
+        </p:txBody>
       </p:sp>
       <p:sp>
         <p:nvSpPr>
@@ -9784,6 +9972,13 @@
             <a:prstDash val="solid"/>
           </a:ln>
         </p:spPr>
+        <p:txBody>
+          <a:bodyPr/>
+          <a:lstStyle/>
+          <a:p>
+            <a:endParaRPr lang="de-DE"/>
+          </a:p>
+        </p:txBody>
       </p:sp>
       <p:sp>
         <p:nvSpPr>
@@ -9806,7 +10001,7 @@
           <a:bodyPr wrap="square" rtlCol="0" anchor="ctr"/>
           <a:lstStyle/>
           <a:p>
-            <a:pPr indent="0" marL="0">
+            <a:pPr marL="0" indent="0">
               <a:buNone/>
             </a:pPr>
             <a:r>
@@ -9840,6 +10035,7 @@
         <a:solidFill>
           <a:srgbClr val="FFFFFF"/>
         </a:solidFill>
+        <a:effectLst/>
       </p:bgPr>
     </p:bg>
     <p:spTree>
@@ -9880,6 +10076,13 @@
             <a:prstDash val="solid"/>
           </a:ln>
         </p:spPr>
+        <p:txBody>
+          <a:bodyPr/>
+          <a:lstStyle/>
+          <a:p>
+            <a:endParaRPr lang="de-DE"/>
+          </a:p>
+        </p:txBody>
       </p:sp>
       <p:sp>
         <p:nvSpPr>
@@ -9902,7 +10105,7 @@
           <a:bodyPr wrap="square" rtlCol="0" anchor="ctr"/>
           <a:lstStyle/>
           <a:p>
-            <a:pPr indent="0" marL="0">
+            <a:pPr marL="0" indent="0">
               <a:buNone/>
             </a:pPr>
             <a:r>
@@ -9941,7 +10144,7 @@
           <a:bodyPr wrap="square" rtlCol="0" anchor="ctr"/>
           <a:lstStyle/>
           <a:p>
-            <a:pPr indent="0" marL="0">
+            <a:pPr marL="0" indent="0">
               <a:buNone/>
             </a:pPr>
             <a:r>
@@ -9961,14 +10164,14 @@
       </p:sp>
       <p:pic>
         <p:nvPicPr>
-          <p:cNvPr id="5" name="Image 0" descr="/mnt/data/scads_logo.png">    </p:cNvPr>
+          <p:cNvPr id="5" name="Image 0" descr="/mnt/data/scads_logo.png"/>
           <p:cNvPicPr>
             <a:picLocks noChangeAspect="1"/>
           </p:cNvPicPr>
           <p:nvPr/>
         </p:nvPicPr>
         <p:blipFill>
-          <a:blip r:embed="rId1"/>
+          <a:blip r:embed="rId3"/>
           <a:stretch>
             <a:fillRect/>
           </a:stretch>
@@ -9985,14 +10188,14 @@
       </p:pic>
       <p:pic>
         <p:nvPicPr>
-          <p:cNvPr id="6" name="Image 1" descr="/mnt/data/tud_logo.png">    </p:cNvPr>
+          <p:cNvPr id="6" name="Image 1" descr="/mnt/data/tud_logo.png"/>
           <p:cNvPicPr>
             <a:picLocks noChangeAspect="1"/>
           </p:cNvPicPr>
           <p:nvPr/>
         </p:nvPicPr>
         <p:blipFill>
-          <a:blip r:embed="rId2"/>
+          <a:blip r:embed="rId4"/>
           <a:stretch>
             <a:fillRect/>
           </a:stretch>
@@ -10031,13 +10234,20 @@
             <a:prstDash val="solid"/>
           </a:ln>
           <a:effectLst>
-            <a:outerShdw sx="100000" sy="100000" kx="0" ky="0" algn="bl" rotWithShape="0" blurRad="38100" dist="19050" dir="2700000">
+            <a:outerShdw blurRad="38100" dist="19050" dir="2700000" algn="bl" rotWithShape="0">
               <a:srgbClr val="000000">
                 <a:alpha val="12000"/>
               </a:srgbClr>
             </a:outerShdw>
           </a:effectLst>
         </p:spPr>
+        <p:txBody>
+          <a:bodyPr/>
+          <a:lstStyle/>
+          <a:p>
+            <a:endParaRPr lang="de-DE"/>
+          </a:p>
+        </p:txBody>
       </p:sp>
       <p:sp>
         <p:nvSpPr>
@@ -10060,7 +10270,7 @@
           <a:bodyPr wrap="square" rtlCol="0" anchor="ctr"/>
           <a:lstStyle/>
           <a:p>
-            <a:pPr indent="0" marL="0">
+            <a:pPr marL="0" indent="0">
               <a:buNone/>
             </a:pPr>
             <a:r>
@@ -10210,6 +10420,13 @@
             <a:prstDash val="solid"/>
           </a:ln>
         </p:spPr>
+        <p:txBody>
+          <a:bodyPr/>
+          <a:lstStyle/>
+          <a:p>
+            <a:endParaRPr lang="de-DE"/>
+          </a:p>
+        </p:txBody>
       </p:sp>
       <p:sp>
         <p:nvSpPr>
@@ -10232,7 +10449,7 @@
           <a:bodyPr wrap="square" rtlCol="0" anchor="ctr"/>
           <a:lstStyle/>
           <a:p>
-            <a:pPr indent="0" marL="0">
+            <a:pPr marL="0" indent="0">
               <a:buNone/>
             </a:pPr>
             <a:r>
@@ -10266,6 +10483,7 @@
         <a:solidFill>
           <a:srgbClr val="FFFFFF"/>
         </a:solidFill>
+        <a:effectLst/>
       </p:bgPr>
     </p:bg>
     <p:spTree>
@@ -10306,6 +10524,13 @@
             <a:prstDash val="solid"/>
           </a:ln>
         </p:spPr>
+        <p:txBody>
+          <a:bodyPr/>
+          <a:lstStyle/>
+          <a:p>
+            <a:endParaRPr lang="de-DE"/>
+          </a:p>
+        </p:txBody>
       </p:sp>
       <p:sp>
         <p:nvSpPr>
@@ -10328,7 +10553,7 @@
           <a:bodyPr wrap="square" rtlCol="0" anchor="ctr"/>
           <a:lstStyle/>
           <a:p>
-            <a:pPr indent="0" marL="0">
+            <a:pPr marL="0" indent="0">
               <a:buNone/>
             </a:pPr>
             <a:r>
@@ -10367,7 +10592,7 @@
           <a:bodyPr wrap="square" rtlCol="0" anchor="ctr"/>
           <a:lstStyle/>
           <a:p>
-            <a:pPr indent="0" marL="0">
+            <a:pPr marL="0" indent="0">
               <a:buNone/>
             </a:pPr>
             <a:r>
@@ -10387,14 +10612,14 @@
       </p:sp>
       <p:pic>
         <p:nvPicPr>
-          <p:cNvPr id="5" name="Image 0" descr="/mnt/data/scads_logo.png">    </p:cNvPr>
+          <p:cNvPr id="5" name="Image 0" descr="/mnt/data/scads_logo.png"/>
           <p:cNvPicPr>
             <a:picLocks noChangeAspect="1"/>
           </p:cNvPicPr>
           <p:nvPr/>
         </p:nvPicPr>
         <p:blipFill>
-          <a:blip r:embed="rId1"/>
+          <a:blip r:embed="rId3"/>
           <a:stretch>
             <a:fillRect/>
           </a:stretch>
@@ -10411,14 +10636,14 @@
       </p:pic>
       <p:pic>
         <p:nvPicPr>
-          <p:cNvPr id="6" name="Image 1" descr="/mnt/data/tud_logo.png">    </p:cNvPr>
+          <p:cNvPr id="6" name="Image 1" descr="/mnt/data/tud_logo.png"/>
           <p:cNvPicPr>
             <a:picLocks noChangeAspect="1"/>
           </p:cNvPicPr>
           <p:nvPr/>
         </p:nvPicPr>
         <p:blipFill>
-          <a:blip r:embed="rId2"/>
+          <a:blip r:embed="rId4"/>
           <a:stretch>
             <a:fillRect/>
           </a:stretch>
@@ -10457,6 +10682,13 @@
             <a:prstDash val="solid"/>
           </a:ln>
         </p:spPr>
+        <p:txBody>
+          <a:bodyPr/>
+          <a:lstStyle/>
+          <a:p>
+            <a:endParaRPr lang="de-DE"/>
+          </a:p>
+        </p:txBody>
       </p:sp>
       <p:sp>
         <p:nvSpPr>
@@ -10479,7 +10711,7 @@
           <a:bodyPr wrap="square" rtlCol="0" anchor="ctr"/>
           <a:lstStyle/>
           <a:p>
-            <a:pPr algn="ctr" indent="0" marL="0">
+            <a:pPr marL="0" indent="0" algn="ctr">
               <a:buNone/>
             </a:pPr>
             <a:r>
@@ -10671,6 +10903,13 @@
             <a:prstDash val="solid"/>
           </a:ln>
         </p:spPr>
+        <p:txBody>
+          <a:bodyPr/>
+          <a:lstStyle/>
+          <a:p>
+            <a:endParaRPr lang="de-DE"/>
+          </a:p>
+        </p:txBody>
       </p:sp>
       <p:sp>
         <p:nvSpPr>
@@ -10693,7 +10932,7 @@
           <a:bodyPr wrap="square" rtlCol="0" anchor="ctr"/>
           <a:lstStyle/>
           <a:p>
-            <a:pPr indent="0" marL="0">
+            <a:pPr marL="0" indent="0">
               <a:buNone/>
             </a:pPr>
             <a:r>
@@ -10727,6 +10966,7 @@
         <a:solidFill>
           <a:srgbClr val="FFFFFF"/>
         </a:solidFill>
+        <a:effectLst/>
       </p:bgPr>
     </p:bg>
     <p:spTree>
@@ -10767,6 +11007,13 @@
             <a:prstDash val="solid"/>
           </a:ln>
         </p:spPr>
+        <p:txBody>
+          <a:bodyPr/>
+          <a:lstStyle/>
+          <a:p>
+            <a:endParaRPr lang="de-DE"/>
+          </a:p>
+        </p:txBody>
       </p:sp>
       <p:sp>
         <p:nvSpPr>
@@ -10789,7 +11036,7 @@
           <a:bodyPr wrap="square" rtlCol="0" anchor="ctr"/>
           <a:lstStyle/>
           <a:p>
-            <a:pPr indent="0" marL="0">
+            <a:pPr marL="0" indent="0">
               <a:buNone/>
             </a:pPr>
             <a:r>
@@ -10828,7 +11075,7 @@
           <a:bodyPr wrap="square" rtlCol="0" anchor="ctr"/>
           <a:lstStyle/>
           <a:p>
-            <a:pPr indent="0" marL="0">
+            <a:pPr marL="0" indent="0">
               <a:buNone/>
             </a:pPr>
             <a:r>
@@ -10848,14 +11095,14 @@
       </p:sp>
       <p:pic>
         <p:nvPicPr>
-          <p:cNvPr id="5" name="Image 0" descr="/mnt/data/scads_logo.png">    </p:cNvPr>
+          <p:cNvPr id="5" name="Image 0" descr="/mnt/data/scads_logo.png"/>
           <p:cNvPicPr>
             <a:picLocks noChangeAspect="1"/>
           </p:cNvPicPr>
           <p:nvPr/>
         </p:nvPicPr>
         <p:blipFill>
-          <a:blip r:embed="rId1"/>
+          <a:blip r:embed="rId3"/>
           <a:stretch>
             <a:fillRect/>
           </a:stretch>
@@ -10872,14 +11119,14 @@
       </p:pic>
       <p:pic>
         <p:nvPicPr>
-          <p:cNvPr id="6" name="Image 1" descr="/mnt/data/tud_logo.png">    </p:cNvPr>
+          <p:cNvPr id="6" name="Image 1" descr="/mnt/data/tud_logo.png"/>
           <p:cNvPicPr>
             <a:picLocks noChangeAspect="1"/>
           </p:cNvPicPr>
           <p:nvPr/>
         </p:nvPicPr>
         <p:blipFill>
-          <a:blip r:embed="rId2"/>
+          <a:blip r:embed="rId4"/>
           <a:stretch>
             <a:fillRect/>
           </a:stretch>
@@ -10918,6 +11165,13 @@
             <a:prstDash val="solid"/>
           </a:ln>
         </p:spPr>
+        <p:txBody>
+          <a:bodyPr/>
+          <a:lstStyle/>
+          <a:p>
+            <a:endParaRPr lang="de-DE"/>
+          </a:p>
+        </p:txBody>
       </p:sp>
       <p:sp>
         <p:nvSpPr>
@@ -10940,7 +11194,7 @@
           <a:bodyPr wrap="square" rtlCol="0" anchor="ctr"/>
           <a:lstStyle/>
           <a:p>
-            <a:pPr algn="ctr" indent="0" marL="0">
+            <a:pPr marL="0" indent="0" algn="ctr">
               <a:buNone/>
             </a:pPr>
             <a:r>
@@ -10982,13 +11236,20 @@
             <a:prstDash val="solid"/>
           </a:ln>
           <a:effectLst>
-            <a:outerShdw sx="100000" sy="100000" kx="0" ky="0" algn="bl" rotWithShape="0" blurRad="38100" dist="19050" dir="2700000">
+            <a:outerShdw blurRad="38100" dist="19050" dir="2700000" algn="bl" rotWithShape="0">
               <a:srgbClr val="000000">
                 <a:alpha val="12000"/>
               </a:srgbClr>
             </a:outerShdw>
           </a:effectLst>
         </p:spPr>
+        <p:txBody>
+          <a:bodyPr/>
+          <a:lstStyle/>
+          <a:p>
+            <a:endParaRPr lang="de-DE"/>
+          </a:p>
+        </p:txBody>
       </p:sp>
       <p:sp>
         <p:nvSpPr>
@@ -11014,6 +11275,13 @@
             <a:prstDash val="solid"/>
           </a:ln>
         </p:spPr>
+        <p:txBody>
+          <a:bodyPr/>
+          <a:lstStyle/>
+          <a:p>
+            <a:endParaRPr lang="de-DE"/>
+          </a:p>
+        </p:txBody>
       </p:sp>
       <p:sp>
         <p:nvSpPr>
@@ -11036,7 +11304,7 @@
           <a:bodyPr wrap="square" rtlCol="0" anchor="ctr"/>
           <a:lstStyle/>
           <a:p>
-            <a:pPr indent="0" marL="0">
+            <a:pPr marL="0" indent="0">
               <a:buNone/>
             </a:pPr>
             <a:r>
@@ -11075,7 +11343,7 @@
           <a:bodyPr wrap="square" rtlCol="0" anchor="t"/>
           <a:lstStyle/>
           <a:p>
-            <a:pPr indent="0" marL="0">
+            <a:pPr marL="0" indent="0">
               <a:buNone/>
             </a:pPr>
             <a:r>
@@ -11092,7 +11360,7 @@
             <a:endParaRPr lang="en-US" sz="1100" dirty="0"/>
           </a:p>
           <a:p>
-            <a:pPr indent="0" marL="0">
+            <a:pPr marL="0" indent="0">
               <a:buNone/>
             </a:pPr>
             <a:r>
@@ -11109,7 +11377,7 @@
             <a:endParaRPr lang="en-US" sz="1100" dirty="0"/>
           </a:p>
           <a:p>
-            <a:pPr indent="0" marL="0">
+            <a:pPr marL="0" indent="0">
               <a:buNone/>
             </a:pPr>
             <a:r>
@@ -11126,7 +11394,7 @@
             <a:endParaRPr lang="en-US" sz="1100" dirty="0"/>
           </a:p>
           <a:p>
-            <a:pPr indent="0" marL="0">
+            <a:pPr marL="0" indent="0">
               <a:buNone/>
             </a:pPr>
             <a:r>
@@ -11168,13 +11436,20 @@
             <a:prstDash val="solid"/>
           </a:ln>
           <a:effectLst>
-            <a:outerShdw sx="100000" sy="100000" kx="0" ky="0" algn="bl" rotWithShape="0" blurRad="38100" dist="19050" dir="2700000">
+            <a:outerShdw blurRad="38100" dist="19050" dir="2700000" algn="bl" rotWithShape="0">
               <a:srgbClr val="000000">
                 <a:alpha val="12000"/>
               </a:srgbClr>
             </a:outerShdw>
           </a:effectLst>
         </p:spPr>
+        <p:txBody>
+          <a:bodyPr/>
+          <a:lstStyle/>
+          <a:p>
+            <a:endParaRPr lang="de-DE"/>
+          </a:p>
+        </p:txBody>
       </p:sp>
       <p:sp>
         <p:nvSpPr>
@@ -11200,6 +11475,13 @@
             <a:prstDash val="solid"/>
           </a:ln>
         </p:spPr>
+        <p:txBody>
+          <a:bodyPr/>
+          <a:lstStyle/>
+          <a:p>
+            <a:endParaRPr lang="de-DE"/>
+          </a:p>
+        </p:txBody>
       </p:sp>
       <p:sp>
         <p:nvSpPr>
@@ -11222,7 +11504,7 @@
           <a:bodyPr wrap="square" rtlCol="0" anchor="ctr"/>
           <a:lstStyle/>
           <a:p>
-            <a:pPr indent="0" marL="0">
+            <a:pPr marL="0" indent="0">
               <a:buNone/>
             </a:pPr>
             <a:r>
@@ -11261,7 +11543,7 @@
           <a:bodyPr wrap="square" rtlCol="0" anchor="t"/>
           <a:lstStyle/>
           <a:p>
-            <a:pPr indent="0" marL="0">
+            <a:pPr marL="0" indent="0">
               <a:buNone/>
             </a:pPr>
             <a:r>
@@ -11278,7 +11560,7 @@
             <a:endParaRPr lang="en-US" sz="1100" dirty="0"/>
           </a:p>
           <a:p>
-            <a:pPr indent="0" marL="0">
+            <a:pPr marL="0" indent="0">
               <a:buNone/>
             </a:pPr>
             <a:r>
@@ -11295,7 +11577,7 @@
             <a:endParaRPr lang="en-US" sz="1100" dirty="0"/>
           </a:p>
           <a:p>
-            <a:pPr indent="0" marL="0">
+            <a:pPr marL="0" indent="0">
               <a:buNone/>
             </a:pPr>
             <a:r>
@@ -11312,7 +11594,7 @@
             <a:endParaRPr lang="en-US" sz="1100" dirty="0"/>
           </a:p>
           <a:p>
-            <a:pPr indent="0" marL="0">
+            <a:pPr marL="0" indent="0">
               <a:buNone/>
             </a:pPr>
             <a:r>
@@ -11354,13 +11636,20 @@
             <a:prstDash val="solid"/>
           </a:ln>
           <a:effectLst>
-            <a:outerShdw sx="100000" sy="100000" kx="0" ky="0" algn="bl" rotWithShape="0" blurRad="38100" dist="19050" dir="2700000">
+            <a:outerShdw blurRad="38100" dist="19050" dir="2700000" algn="bl" rotWithShape="0">
               <a:srgbClr val="000000">
                 <a:alpha val="12000"/>
               </a:srgbClr>
             </a:outerShdw>
           </a:effectLst>
         </p:spPr>
+        <p:txBody>
+          <a:bodyPr/>
+          <a:lstStyle/>
+          <a:p>
+            <a:endParaRPr lang="de-DE"/>
+          </a:p>
+        </p:txBody>
       </p:sp>
       <p:sp>
         <p:nvSpPr>
@@ -11386,6 +11675,13 @@
             <a:prstDash val="solid"/>
           </a:ln>
         </p:spPr>
+        <p:txBody>
+          <a:bodyPr/>
+          <a:lstStyle/>
+          <a:p>
+            <a:endParaRPr lang="de-DE"/>
+          </a:p>
+        </p:txBody>
       </p:sp>
       <p:sp>
         <p:nvSpPr>
@@ -11408,7 +11704,7 @@
           <a:bodyPr wrap="square" rtlCol="0" anchor="ctr"/>
           <a:lstStyle/>
           <a:p>
-            <a:pPr indent="0" marL="0">
+            <a:pPr marL="0" indent="0">
               <a:buNone/>
             </a:pPr>
             <a:r>
@@ -11447,7 +11743,7 @@
           <a:bodyPr wrap="square" rtlCol="0" anchor="t"/>
           <a:lstStyle/>
           <a:p>
-            <a:pPr indent="0" marL="0">
+            <a:pPr marL="0" indent="0">
               <a:buNone/>
             </a:pPr>
             <a:r>
@@ -11464,13 +11760,13 @@
             <a:endParaRPr lang="en-US" sz="1100" dirty="0"/>
           </a:p>
           <a:p>
-            <a:pPr indent="0" marL="0">
+            <a:pPr marL="0" indent="0">
               <a:buNone/>
             </a:pPr>
             <a:endParaRPr lang="en-US" sz="1100" dirty="0"/>
           </a:p>
           <a:p>
-            <a:pPr indent="0" marL="0">
+            <a:pPr marL="0" indent="0">
               <a:buNone/>
             </a:pPr>
             <a:r>
@@ -11487,7 +11783,7 @@
             <a:endParaRPr lang="en-US" sz="1100" dirty="0"/>
           </a:p>
           <a:p>
-            <a:pPr indent="0" marL="0">
+            <a:pPr marL="0" indent="0">
               <a:buNone/>
             </a:pPr>
             <a:r>
@@ -11531,6 +11827,13 @@
             <a:prstDash val="solid"/>
           </a:ln>
         </p:spPr>
+        <p:txBody>
+          <a:bodyPr/>
+          <a:lstStyle/>
+          <a:p>
+            <a:endParaRPr lang="de-DE"/>
+          </a:p>
+        </p:txBody>
       </p:sp>
       <p:sp>
         <p:nvSpPr>
@@ -11553,7 +11856,7 @@
           <a:bodyPr wrap="square" rtlCol="0" anchor="ctr"/>
           <a:lstStyle/>
           <a:p>
-            <a:pPr indent="0" marL="0">
+            <a:pPr marL="0" indent="0">
               <a:buNone/>
             </a:pPr>
             <a:r>
@@ -11587,6 +11890,7 @@
         <a:solidFill>
           <a:srgbClr val="FFFFFF"/>
         </a:solidFill>
+        <a:effectLst/>
       </p:bgPr>
     </p:bg>
     <p:spTree>
@@ -11627,6 +11931,13 @@
             <a:prstDash val="solid"/>
           </a:ln>
         </p:spPr>
+        <p:txBody>
+          <a:bodyPr/>
+          <a:lstStyle/>
+          <a:p>
+            <a:endParaRPr lang="de-DE"/>
+          </a:p>
+        </p:txBody>
       </p:sp>
       <p:sp>
         <p:nvSpPr>
@@ -11649,7 +11960,7 @@
           <a:bodyPr wrap="square" rtlCol="0" anchor="ctr"/>
           <a:lstStyle/>
           <a:p>
-            <a:pPr indent="0" marL="0">
+            <a:pPr marL="0" indent="0">
               <a:buNone/>
             </a:pPr>
             <a:r>
@@ -11688,7 +11999,7 @@
           <a:bodyPr wrap="square" rtlCol="0" anchor="ctr"/>
           <a:lstStyle/>
           <a:p>
-            <a:pPr indent="0" marL="0">
+            <a:pPr marL="0" indent="0">
               <a:buNone/>
             </a:pPr>
             <a:r>
@@ -11708,14 +12019,14 @@
       </p:sp>
       <p:pic>
         <p:nvPicPr>
-          <p:cNvPr id="5" name="Image 0" descr="/mnt/data/scads_logo.png">    </p:cNvPr>
+          <p:cNvPr id="5" name="Image 0" descr="/mnt/data/scads_logo.png"/>
           <p:cNvPicPr>
             <a:picLocks noChangeAspect="1"/>
           </p:cNvPicPr>
           <p:nvPr/>
         </p:nvPicPr>
         <p:blipFill>
-          <a:blip r:embed="rId1"/>
+          <a:blip r:embed="rId3"/>
           <a:stretch>
             <a:fillRect/>
           </a:stretch>
@@ -11732,14 +12043,14 @@
       </p:pic>
       <p:pic>
         <p:nvPicPr>
-          <p:cNvPr id="6" name="Image 1" descr="/mnt/data/tud_logo.png">    </p:cNvPr>
+          <p:cNvPr id="6" name="Image 1" descr="/mnt/data/tud_logo.png"/>
           <p:cNvPicPr>
             <a:picLocks noChangeAspect="1"/>
           </p:cNvPicPr>
           <p:nvPr/>
         </p:nvPicPr>
         <p:blipFill>
-          <a:blip r:embed="rId2"/>
+          <a:blip r:embed="rId4"/>
           <a:stretch>
             <a:fillRect/>
           </a:stretch>
@@ -11778,6 +12089,13 @@
             <a:prstDash val="solid"/>
           </a:ln>
         </p:spPr>
+        <p:txBody>
+          <a:bodyPr/>
+          <a:lstStyle/>
+          <a:p>
+            <a:endParaRPr lang="de-DE"/>
+          </a:p>
+        </p:txBody>
       </p:sp>
       <p:sp>
         <p:nvSpPr>
@@ -11800,7 +12118,7 @@
           <a:bodyPr wrap="square" rtlCol="0" anchor="ctr"/>
           <a:lstStyle/>
           <a:p>
-            <a:pPr algn="ctr" indent="0" marL="0">
+            <a:pPr marL="0" indent="0" algn="ctr">
               <a:buNone/>
             </a:pPr>
             <a:r>
@@ -11842,6 +12160,13 @@
             <a:prstDash val="solid"/>
           </a:ln>
         </p:spPr>
+        <p:txBody>
+          <a:bodyPr/>
+          <a:lstStyle/>
+          <a:p>
+            <a:endParaRPr lang="de-DE"/>
+          </a:p>
+        </p:txBody>
       </p:sp>
       <p:sp>
         <p:nvSpPr>
@@ -11864,7 +12189,7 @@
           <a:bodyPr wrap="square" rtlCol="0" anchor="ctr"/>
           <a:lstStyle/>
           <a:p>
-            <a:pPr indent="0" marL="0">
+            <a:pPr marL="0" indent="0">
               <a:buNone/>
             </a:pPr>
             <a:r>
@@ -11906,13 +12231,20 @@
             <a:prstDash val="solid"/>
           </a:ln>
           <a:effectLst>
-            <a:outerShdw sx="100000" sy="100000" kx="0" ky="0" algn="bl" rotWithShape="0" blurRad="38100" dist="19050" dir="2700000">
+            <a:outerShdw blurRad="38100" dist="19050" dir="2700000" algn="bl" rotWithShape="0">
               <a:srgbClr val="000000">
                 <a:alpha val="12000"/>
               </a:srgbClr>
             </a:outerShdw>
           </a:effectLst>
         </p:spPr>
+        <p:txBody>
+          <a:bodyPr/>
+          <a:lstStyle/>
+          <a:p>
+            <a:endParaRPr lang="de-DE"/>
+          </a:p>
+        </p:txBody>
       </p:sp>
       <p:sp>
         <p:nvSpPr>
@@ -11938,6 +12270,13 @@
             <a:prstDash val="solid"/>
           </a:ln>
         </p:spPr>
+        <p:txBody>
+          <a:bodyPr/>
+          <a:lstStyle/>
+          <a:p>
+            <a:endParaRPr lang="de-DE"/>
+          </a:p>
+        </p:txBody>
       </p:sp>
       <p:sp>
         <p:nvSpPr>
@@ -11960,7 +12299,7 @@
           <a:bodyPr wrap="square" rtlCol="0" anchor="ctr"/>
           <a:lstStyle/>
           <a:p>
-            <a:pPr indent="0" marL="0">
+            <a:pPr marL="0" indent="0">
               <a:buNone/>
             </a:pPr>
             <a:r>
@@ -11999,7 +12338,7 @@
           <a:bodyPr wrap="square" rtlCol="0" anchor="t"/>
           <a:lstStyle/>
           <a:p>
-            <a:pPr indent="0" marL="0">
+            <a:pPr marL="0" indent="0">
               <a:buNone/>
             </a:pPr>
             <a:r>
@@ -12016,7 +12355,7 @@
             <a:endParaRPr lang="en-US" sz="1100" dirty="0"/>
           </a:p>
           <a:p>
-            <a:pPr indent="0" marL="0">
+            <a:pPr marL="0" indent="0">
               <a:buNone/>
             </a:pPr>
             <a:r>
@@ -12033,7 +12372,7 @@
             <a:endParaRPr lang="en-US" sz="1100" dirty="0"/>
           </a:p>
           <a:p>
-            <a:pPr indent="0" marL="0">
+            <a:pPr marL="0" indent="0">
               <a:buNone/>
             </a:pPr>
             <a:r>
@@ -12050,7 +12389,7 @@
             <a:endParaRPr lang="en-US" sz="1100" dirty="0"/>
           </a:p>
           <a:p>
-            <a:pPr indent="0" marL="0">
+            <a:pPr marL="0" indent="0">
               <a:buNone/>
             </a:pPr>
             <a:r>
@@ -12092,13 +12431,20 @@
             <a:prstDash val="solid"/>
           </a:ln>
           <a:effectLst>
-            <a:outerShdw sx="100000" sy="100000" kx="0" ky="0" algn="bl" rotWithShape="0" blurRad="38100" dist="19050" dir="2700000">
+            <a:outerShdw blurRad="38100" dist="19050" dir="2700000" algn="bl" rotWithShape="0">
               <a:srgbClr val="000000">
                 <a:alpha val="12000"/>
               </a:srgbClr>
             </a:outerShdw>
           </a:effectLst>
         </p:spPr>
+        <p:txBody>
+          <a:bodyPr/>
+          <a:lstStyle/>
+          <a:p>
+            <a:endParaRPr lang="de-DE"/>
+          </a:p>
+        </p:txBody>
       </p:sp>
       <p:sp>
         <p:nvSpPr>
@@ -12124,6 +12470,13 @@
             <a:prstDash val="solid"/>
           </a:ln>
         </p:spPr>
+        <p:txBody>
+          <a:bodyPr/>
+          <a:lstStyle/>
+          <a:p>
+            <a:endParaRPr lang="de-DE"/>
+          </a:p>
+        </p:txBody>
       </p:sp>
       <p:sp>
         <p:nvSpPr>
@@ -12146,7 +12499,7 @@
           <a:bodyPr wrap="square" rtlCol="0" anchor="ctr"/>
           <a:lstStyle/>
           <a:p>
-            <a:pPr indent="0" marL="0">
+            <a:pPr marL="0" indent="0">
               <a:buNone/>
             </a:pPr>
             <a:r>
@@ -12185,7 +12538,7 @@
           <a:bodyPr wrap="square" rtlCol="0" anchor="t"/>
           <a:lstStyle/>
           <a:p>
-            <a:pPr indent="0" marL="0">
+            <a:pPr marL="0" indent="0">
               <a:buNone/>
             </a:pPr>
             <a:r>
@@ -12202,7 +12555,7 @@
             <a:endParaRPr lang="en-US" sz="1100" dirty="0"/>
           </a:p>
           <a:p>
-            <a:pPr indent="0" marL="0">
+            <a:pPr marL="0" indent="0">
               <a:buNone/>
             </a:pPr>
             <a:r>
@@ -12219,7 +12572,7 @@
             <a:endParaRPr lang="en-US" sz="1100" dirty="0"/>
           </a:p>
           <a:p>
-            <a:pPr indent="0" marL="0">
+            <a:pPr marL="0" indent="0">
               <a:buNone/>
             </a:pPr>
             <a:r>
@@ -12236,7 +12589,7 @@
             <a:endParaRPr lang="en-US" sz="1100" dirty="0"/>
           </a:p>
           <a:p>
-            <a:pPr indent="0" marL="0">
+            <a:pPr marL="0" indent="0">
               <a:buNone/>
             </a:pPr>
             <a:r>
@@ -12280,6 +12633,13 @@
             <a:prstDash val="solid"/>
           </a:ln>
         </p:spPr>
+        <p:txBody>
+          <a:bodyPr/>
+          <a:lstStyle/>
+          <a:p>
+            <a:endParaRPr lang="de-DE"/>
+          </a:p>
+        </p:txBody>
       </p:sp>
       <p:sp>
         <p:nvSpPr>
@@ -12302,7 +12662,7 @@
           <a:bodyPr wrap="square" rtlCol="0" anchor="ctr"/>
           <a:lstStyle/>
           <a:p>
-            <a:pPr indent="0" marL="0">
+            <a:pPr marL="0" indent="0">
               <a:buNone/>
             </a:pPr>
             <a:r>
@@ -12336,6 +12696,7 @@
         <a:solidFill>
           <a:srgbClr val="FFFFFF"/>
         </a:solidFill>
+        <a:effectLst/>
       </p:bgPr>
     </p:bg>
     <p:spTree>
@@ -12376,6 +12737,13 @@
             <a:prstDash val="solid"/>
           </a:ln>
         </p:spPr>
+        <p:txBody>
+          <a:bodyPr/>
+          <a:lstStyle/>
+          <a:p>
+            <a:endParaRPr lang="de-DE"/>
+          </a:p>
+        </p:txBody>
       </p:sp>
       <p:sp>
         <p:nvSpPr>
@@ -12398,7 +12766,7 @@
           <a:bodyPr wrap="square" rtlCol="0" anchor="ctr"/>
           <a:lstStyle/>
           <a:p>
-            <a:pPr indent="0" marL="0">
+            <a:pPr marL="0" indent="0">
               <a:buNone/>
             </a:pPr>
             <a:r>
@@ -12437,7 +12805,7 @@
           <a:bodyPr wrap="square" rtlCol="0" anchor="ctr"/>
           <a:lstStyle/>
           <a:p>
-            <a:pPr indent="0" marL="0">
+            <a:pPr marL="0" indent="0">
               <a:buNone/>
             </a:pPr>
             <a:r>
@@ -12457,14 +12825,14 @@
       </p:sp>
       <p:pic>
         <p:nvPicPr>
-          <p:cNvPr id="5" name="Image 0" descr="/mnt/data/scads_logo.png">    </p:cNvPr>
+          <p:cNvPr id="5" name="Image 0" descr="/mnt/data/scads_logo.png"/>
           <p:cNvPicPr>
             <a:picLocks noChangeAspect="1"/>
           </p:cNvPicPr>
           <p:nvPr/>
         </p:nvPicPr>
         <p:blipFill>
-          <a:blip r:embed="rId1"/>
+          <a:blip r:embed="rId3"/>
           <a:stretch>
             <a:fillRect/>
           </a:stretch>
@@ -12481,14 +12849,14 @@
       </p:pic>
       <p:pic>
         <p:nvPicPr>
-          <p:cNvPr id="6" name="Image 1" descr="/mnt/data/tud_logo.png">    </p:cNvPr>
+          <p:cNvPr id="6" name="Image 1" descr="/mnt/data/tud_logo.png"/>
           <p:cNvPicPr>
             <a:picLocks noChangeAspect="1"/>
           </p:cNvPicPr>
           <p:nvPr/>
         </p:nvPicPr>
         <p:blipFill>
-          <a:blip r:embed="rId2"/>
+          <a:blip r:embed="rId4"/>
           <a:stretch>
             <a:fillRect/>
           </a:stretch>
@@ -12527,6 +12895,13 @@
             <a:prstDash val="solid"/>
           </a:ln>
         </p:spPr>
+        <p:txBody>
+          <a:bodyPr/>
+          <a:lstStyle/>
+          <a:p>
+            <a:endParaRPr lang="de-DE"/>
+          </a:p>
+        </p:txBody>
       </p:sp>
       <p:sp>
         <p:nvSpPr>
@@ -12549,7 +12924,7 @@
           <a:bodyPr wrap="square" rtlCol="0" anchor="ctr"/>
           <a:lstStyle/>
           <a:p>
-            <a:pPr algn="ctr" indent="0" marL="0">
+            <a:pPr marL="0" indent="0" algn="ctr">
               <a:buNone/>
             </a:pPr>
             <a:r>
@@ -12588,7 +12963,7 @@
           <a:bodyPr wrap="square" rtlCol="0" anchor="ctr"/>
           <a:lstStyle/>
           <a:p>
-            <a:pPr indent="0" marL="0">
+            <a:pPr marL="0" indent="0">
               <a:buNone/>
             </a:pPr>
             <a:r>
@@ -12633,7 +13008,7 @@
           <a:bodyPr wrap="square" rtlCol="0" anchor="ctr"/>
           <a:lstStyle/>
           <a:p>
-            <a:pPr algn="ctr" indent="0" marL="0">
+            <a:pPr marL="0" indent="0" algn="ctr">
               <a:buNone/>
             </a:pPr>
             <a:r>
@@ -12672,7 +13047,7 @@
           <a:bodyPr wrap="square" rtlCol="0" anchor="ctr"/>
           <a:lstStyle/>
           <a:p>
-            <a:pPr indent="0" marL="0">
+            <a:pPr marL="0" indent="0">
               <a:buNone/>
             </a:pPr>
             <a:r>
@@ -12711,7 +13086,7 @@
           <a:bodyPr wrap="square" rtlCol="0" anchor="ctr"/>
           <a:lstStyle/>
           <a:p>
-            <a:pPr indent="0" marL="0">
+            <a:pPr marL="0" indent="0">
               <a:buNone/>
             </a:pPr>
             <a:r>
@@ -12756,7 +13131,7 @@
           <a:bodyPr wrap="square" lIns="1524" tIns="1524" rIns="1524" bIns="1524" rtlCol="0" anchor="t"/>
           <a:lstStyle/>
           <a:p>
-            <a:pPr indent="0" marL="0">
+            <a:pPr marL="0" indent="0">
               <a:buNone/>
             </a:pPr>
             <a:r>
@@ -12773,7 +13148,7 @@
             <a:endParaRPr lang="en-US" sz="1200" dirty="0"/>
           </a:p>
           <a:p>
-            <a:pPr indent="0" marL="0">
+            <a:pPr marL="0" indent="0">
               <a:buNone/>
             </a:pPr>
             <a:r>
@@ -12818,7 +13193,7 @@
           <a:bodyPr wrap="square" lIns="1524" tIns="1524" rIns="1524" bIns="1524" rtlCol="0" anchor="t"/>
           <a:lstStyle/>
           <a:p>
-            <a:pPr indent="0" marL="0">
+            <a:pPr marL="0" indent="0">
               <a:buNone/>
             </a:pPr>
             <a:r>
@@ -12835,7 +13210,7 @@
             <a:endParaRPr lang="en-US" sz="1200" dirty="0"/>
           </a:p>
           <a:p>
-            <a:pPr indent="0" marL="0">
+            <a:pPr marL="0" indent="0">
               <a:buNone/>
             </a:pPr>
             <a:r>
@@ -12880,7 +13255,7 @@
           <a:bodyPr wrap="square" lIns="1524" tIns="1524" rIns="1524" bIns="1524" rtlCol="0" anchor="t"/>
           <a:lstStyle/>
           <a:p>
-            <a:pPr indent="0" marL="0">
+            <a:pPr marL="0" indent="0">
               <a:buNone/>
             </a:pPr>
             <a:r>
@@ -12897,7 +13272,7 @@
             <a:endParaRPr lang="en-US" sz="1200" dirty="0"/>
           </a:p>
           <a:p>
-            <a:pPr indent="0" marL="0">
+            <a:pPr marL="0" indent="0">
               <a:buNone/>
             </a:pPr>
             <a:r>
@@ -12941,6 +13316,13 @@
             <a:prstDash val="solid"/>
           </a:ln>
         </p:spPr>
+        <p:txBody>
+          <a:bodyPr/>
+          <a:lstStyle/>
+          <a:p>
+            <a:endParaRPr lang="de-DE"/>
+          </a:p>
+        </p:txBody>
       </p:sp>
       <p:sp>
         <p:nvSpPr>
@@ -12963,7 +13345,7 @@
           <a:bodyPr wrap="square" rtlCol="0" anchor="ctr"/>
           <a:lstStyle/>
           <a:p>
-            <a:pPr indent="0" marL="0">
+            <a:pPr marL="0" indent="0">
               <a:buNone/>
             </a:pPr>
             <a:r>
@@ -12997,6 +13379,7 @@
         <a:solidFill>
           <a:srgbClr val="FFFFFF"/>
         </a:solidFill>
+        <a:effectLst/>
       </p:bgPr>
     </p:bg>
     <p:spTree>
@@ -13037,6 +13420,13 @@
             <a:prstDash val="solid"/>
           </a:ln>
         </p:spPr>
+        <p:txBody>
+          <a:bodyPr/>
+          <a:lstStyle/>
+          <a:p>
+            <a:endParaRPr lang="de-DE"/>
+          </a:p>
+        </p:txBody>
       </p:sp>
       <p:sp>
         <p:nvSpPr>
@@ -13059,7 +13449,7 @@
           <a:bodyPr wrap="square" rtlCol="0" anchor="ctr"/>
           <a:lstStyle/>
           <a:p>
-            <a:pPr indent="0" marL="0">
+            <a:pPr marL="0" indent="0">
               <a:buNone/>
             </a:pPr>
             <a:r>
@@ -13098,7 +13488,7 @@
           <a:bodyPr wrap="square" rtlCol="0" anchor="ctr"/>
           <a:lstStyle/>
           <a:p>
-            <a:pPr indent="0" marL="0">
+            <a:pPr marL="0" indent="0">
               <a:buNone/>
             </a:pPr>
             <a:r>
@@ -13118,14 +13508,14 @@
       </p:sp>
       <p:pic>
         <p:nvPicPr>
-          <p:cNvPr id="5" name="Image 0" descr="/mnt/data/scads_logo.png">    </p:cNvPr>
+          <p:cNvPr id="5" name="Image 0" descr="/mnt/data/scads_logo.png"/>
           <p:cNvPicPr>
             <a:picLocks noChangeAspect="1"/>
           </p:cNvPicPr>
           <p:nvPr/>
         </p:nvPicPr>
         <p:blipFill>
-          <a:blip r:embed="rId1"/>
+          <a:blip r:embed="rId3"/>
           <a:stretch>
             <a:fillRect/>
           </a:stretch>
@@ -13142,14 +13532,14 @@
       </p:pic>
       <p:pic>
         <p:nvPicPr>
-          <p:cNvPr id="6" name="Image 1" descr="/mnt/data/tud_logo.png">    </p:cNvPr>
+          <p:cNvPr id="6" name="Image 1" descr="/mnt/data/tud_logo.png"/>
           <p:cNvPicPr>
             <a:picLocks noChangeAspect="1"/>
           </p:cNvPicPr>
           <p:nvPr/>
         </p:nvPicPr>
         <p:blipFill>
-          <a:blip r:embed="rId2"/>
+          <a:blip r:embed="rId4"/>
           <a:stretch>
             <a:fillRect/>
           </a:stretch>
@@ -13188,6 +13578,13 @@
             <a:prstDash val="solid"/>
           </a:ln>
         </p:spPr>
+        <p:txBody>
+          <a:bodyPr/>
+          <a:lstStyle/>
+          <a:p>
+            <a:endParaRPr lang="de-DE"/>
+          </a:p>
+        </p:txBody>
       </p:sp>
       <p:sp>
         <p:nvSpPr>
@@ -13210,7 +13607,7 @@
           <a:bodyPr wrap="square" rtlCol="0" anchor="ctr"/>
           <a:lstStyle/>
           <a:p>
-            <a:pPr algn="ctr" indent="0" marL="0">
+            <a:pPr marL="0" indent="0" algn="ctr">
               <a:buNone/>
             </a:pPr>
             <a:r>
@@ -13252,13 +13649,20 @@
             <a:prstDash val="solid"/>
           </a:ln>
           <a:effectLst>
-            <a:outerShdw sx="100000" sy="100000" kx="0" ky="0" algn="bl" rotWithShape="0" blurRad="31750" dist="15240" dir="2700000">
+            <a:outerShdw blurRad="31750" dist="15240" dir="2700000" algn="bl" rotWithShape="0">
               <a:srgbClr val="000000">
                 <a:alpha val="10000"/>
               </a:srgbClr>
             </a:outerShdw>
           </a:effectLst>
         </p:spPr>
+        <p:txBody>
+          <a:bodyPr/>
+          <a:lstStyle/>
+          <a:p>
+            <a:endParaRPr lang="de-DE"/>
+          </a:p>
+        </p:txBody>
       </p:sp>
       <p:sp>
         <p:nvSpPr>
@@ -13281,7 +13685,7 @@
           <a:bodyPr wrap="square" rtlCol="0" anchor="ctr"/>
           <a:lstStyle/>
           <a:p>
-            <a:pPr algn="ctr" indent="0" marL="0">
+            <a:pPr marL="0" indent="0" algn="ctr">
               <a:buNone/>
             </a:pPr>
             <a:r>
@@ -13298,7 +13702,7 @@
             <a:endParaRPr lang="en-US" sz="1300" dirty="0"/>
           </a:p>
           <a:p>
-            <a:pPr algn="ctr" indent="0" marL="0">
+            <a:pPr marL="0" indent="0" algn="ctr">
               <a:buNone/>
             </a:pPr>
             <a:r>
@@ -13340,6 +13744,13 @@
             <a:tailEnd type="triangle"/>
           </a:ln>
         </p:spPr>
+        <p:txBody>
+          <a:bodyPr/>
+          <a:lstStyle/>
+          <a:p>
+            <a:endParaRPr lang="de-DE"/>
+          </a:p>
+        </p:txBody>
       </p:sp>
       <p:sp>
         <p:nvSpPr>
@@ -13365,13 +13776,20 @@
             <a:prstDash val="solid"/>
           </a:ln>
           <a:effectLst>
-            <a:outerShdw sx="100000" sy="100000" kx="0" ky="0" algn="bl" rotWithShape="0" blurRad="31750" dist="15240" dir="2700000">
+            <a:outerShdw blurRad="31750" dist="15240" dir="2700000" algn="bl" rotWithShape="0">
               <a:srgbClr val="000000">
                 <a:alpha val="10000"/>
               </a:srgbClr>
             </a:outerShdw>
           </a:effectLst>
         </p:spPr>
+        <p:txBody>
+          <a:bodyPr/>
+          <a:lstStyle/>
+          <a:p>
+            <a:endParaRPr lang="de-DE"/>
+          </a:p>
+        </p:txBody>
       </p:sp>
       <p:sp>
         <p:nvSpPr>
@@ -13394,7 +13812,7 @@
           <a:bodyPr wrap="square" rtlCol="0" anchor="ctr"/>
           <a:lstStyle/>
           <a:p>
-            <a:pPr algn="ctr" indent="0" marL="0">
+            <a:pPr marL="0" indent="0" algn="ctr">
               <a:buNone/>
             </a:pPr>
             <a:r>
@@ -13411,7 +13829,7 @@
             <a:endParaRPr lang="en-US" sz="1300" dirty="0"/>
           </a:p>
           <a:p>
-            <a:pPr algn="ctr" indent="0" marL="0">
+            <a:pPr marL="0" indent="0" algn="ctr">
               <a:buNone/>
             </a:pPr>
             <a:r>
@@ -13428,7 +13846,7 @@
             <a:endParaRPr lang="en-US" sz="1300" dirty="0"/>
           </a:p>
           <a:p>
-            <a:pPr algn="ctr" indent="0" marL="0">
+            <a:pPr marL="0" indent="0" algn="ctr">
               <a:buNone/>
             </a:pPr>
             <a:r>
@@ -13470,6 +13888,13 @@
             <a:tailEnd type="triangle"/>
           </a:ln>
         </p:spPr>
+        <p:txBody>
+          <a:bodyPr/>
+          <a:lstStyle/>
+          <a:p>
+            <a:endParaRPr lang="de-DE"/>
+          </a:p>
+        </p:txBody>
       </p:sp>
       <p:sp>
         <p:nvSpPr>
@@ -13495,13 +13920,20 @@
             <a:prstDash val="solid"/>
           </a:ln>
           <a:effectLst>
-            <a:outerShdw sx="100000" sy="100000" kx="0" ky="0" algn="bl" rotWithShape="0" blurRad="31750" dist="15240" dir="2700000">
+            <a:outerShdw blurRad="31750" dist="15240" dir="2700000" algn="bl" rotWithShape="0">
               <a:srgbClr val="000000">
                 <a:alpha val="10000"/>
               </a:srgbClr>
             </a:outerShdw>
           </a:effectLst>
         </p:spPr>
+        <p:txBody>
+          <a:bodyPr/>
+          <a:lstStyle/>
+          <a:p>
+            <a:endParaRPr lang="de-DE"/>
+          </a:p>
+        </p:txBody>
       </p:sp>
       <p:sp>
         <p:nvSpPr>
@@ -13524,7 +13956,7 @@
           <a:bodyPr wrap="square" rtlCol="0" anchor="ctr"/>
           <a:lstStyle/>
           <a:p>
-            <a:pPr algn="ctr" indent="0" marL="0">
+            <a:pPr marL="0" indent="0" algn="ctr">
               <a:buNone/>
             </a:pPr>
             <a:r>
@@ -13541,7 +13973,7 @@
             <a:endParaRPr lang="en-US" sz="1300" dirty="0"/>
           </a:p>
           <a:p>
-            <a:pPr algn="ctr" indent="0" marL="0">
+            <a:pPr marL="0" indent="0" algn="ctr">
               <a:buNone/>
             </a:pPr>
             <a:r>
@@ -13558,7 +13990,7 @@
             <a:endParaRPr lang="en-US" sz="1300" dirty="0"/>
           </a:p>
           <a:p>
-            <a:pPr algn="ctr" indent="0" marL="0">
+            <a:pPr marL="0" indent="0" algn="ctr">
               <a:buNone/>
             </a:pPr>
             <a:r>
@@ -13600,6 +14032,13 @@
             <a:tailEnd type="triangle"/>
           </a:ln>
         </p:spPr>
+        <p:txBody>
+          <a:bodyPr/>
+          <a:lstStyle/>
+          <a:p>
+            <a:endParaRPr lang="de-DE"/>
+          </a:p>
+        </p:txBody>
       </p:sp>
       <p:sp>
         <p:nvSpPr>
@@ -13625,13 +14064,20 @@
             <a:prstDash val="solid"/>
           </a:ln>
           <a:effectLst>
-            <a:outerShdw sx="100000" sy="100000" kx="0" ky="0" algn="bl" rotWithShape="0" blurRad="31750" dist="15240" dir="2700000">
+            <a:outerShdw blurRad="31750" dist="15240" dir="2700000" algn="bl" rotWithShape="0">
               <a:srgbClr val="000000">
                 <a:alpha val="10000"/>
               </a:srgbClr>
             </a:outerShdw>
           </a:effectLst>
         </p:spPr>
+        <p:txBody>
+          <a:bodyPr/>
+          <a:lstStyle/>
+          <a:p>
+            <a:endParaRPr lang="de-DE"/>
+          </a:p>
+        </p:txBody>
       </p:sp>
       <p:sp>
         <p:nvSpPr>
@@ -13654,7 +14100,7 @@
           <a:bodyPr wrap="square" rtlCol="0" anchor="ctr"/>
           <a:lstStyle/>
           <a:p>
-            <a:pPr algn="ctr" indent="0" marL="0">
+            <a:pPr marL="0" indent="0" algn="ctr">
               <a:buNone/>
             </a:pPr>
             <a:r>
@@ -13671,7 +14117,7 @@
             <a:endParaRPr lang="en-US" sz="1300" dirty="0"/>
           </a:p>
           <a:p>
-            <a:pPr algn="ctr" indent="0" marL="0">
+            <a:pPr marL="0" indent="0" algn="ctr">
               <a:buNone/>
             </a:pPr>
             <a:r>
@@ -13688,7 +14134,7 @@
             <a:endParaRPr lang="en-US" sz="1300" dirty="0"/>
           </a:p>
           <a:p>
-            <a:pPr algn="ctr" indent="0" marL="0">
+            <a:pPr marL="0" indent="0" algn="ctr">
               <a:buNone/>
             </a:pPr>
             <a:r>
@@ -13727,7 +14173,7 @@
           <a:bodyPr wrap="square" rtlCol="0" anchor="ctr"/>
           <a:lstStyle/>
           <a:p>
-            <a:pPr indent="0" marL="0">
+            <a:pPr marL="0" indent="0">
               <a:buNone/>
             </a:pPr>
             <a:r>
@@ -13856,6 +14302,13 @@
             <a:prstDash val="solid"/>
           </a:ln>
         </p:spPr>
+        <p:txBody>
+          <a:bodyPr/>
+          <a:lstStyle/>
+          <a:p>
+            <a:endParaRPr lang="de-DE"/>
+          </a:p>
+        </p:txBody>
       </p:sp>
       <p:sp>
         <p:nvSpPr>
@@ -13878,7 +14331,7 @@
           <a:bodyPr wrap="square" rtlCol="0" anchor="ctr"/>
           <a:lstStyle/>
           <a:p>
-            <a:pPr indent="0" marL="0">
+            <a:pPr marL="0" indent="0">
               <a:buNone/>
             </a:pPr>
             <a:r>
@@ -13912,6 +14365,7 @@
         <a:solidFill>
           <a:srgbClr val="FFFFFF"/>
         </a:solidFill>
+        <a:effectLst/>
       </p:bgPr>
     </p:bg>
     <p:spTree>
@@ -13952,6 +14406,13 @@
             <a:prstDash val="solid"/>
           </a:ln>
         </p:spPr>
+        <p:txBody>
+          <a:bodyPr/>
+          <a:lstStyle/>
+          <a:p>
+            <a:endParaRPr lang="de-DE"/>
+          </a:p>
+        </p:txBody>
       </p:sp>
       <p:sp>
         <p:nvSpPr>
@@ -13974,7 +14435,7 @@
           <a:bodyPr wrap="square" rtlCol="0" anchor="ctr"/>
           <a:lstStyle/>
           <a:p>
-            <a:pPr indent="0" marL="0">
+            <a:pPr marL="0" indent="0">
               <a:buNone/>
             </a:pPr>
             <a:r>
@@ -14013,7 +14474,7 @@
           <a:bodyPr wrap="square" rtlCol="0" anchor="ctr"/>
           <a:lstStyle/>
           <a:p>
-            <a:pPr indent="0" marL="0">
+            <a:pPr marL="0" indent="0">
               <a:buNone/>
             </a:pPr>
             <a:r>
@@ -14033,14 +14494,14 @@
       </p:sp>
       <p:pic>
         <p:nvPicPr>
-          <p:cNvPr id="5" name="Image 0" descr="/mnt/data/scads_logo.png">    </p:cNvPr>
+          <p:cNvPr id="5" name="Image 0" descr="/mnt/data/scads_logo.png"/>
           <p:cNvPicPr>
             <a:picLocks noChangeAspect="1"/>
           </p:cNvPicPr>
           <p:nvPr/>
         </p:nvPicPr>
         <p:blipFill>
-          <a:blip r:embed="rId1"/>
+          <a:blip r:embed="rId3"/>
           <a:stretch>
             <a:fillRect/>
           </a:stretch>
@@ -14057,14 +14518,14 @@
       </p:pic>
       <p:pic>
         <p:nvPicPr>
-          <p:cNvPr id="6" name="Image 1" descr="/mnt/data/tud_logo.png">    </p:cNvPr>
+          <p:cNvPr id="6" name="Image 1" descr="/mnt/data/tud_logo.png"/>
           <p:cNvPicPr>
             <a:picLocks noChangeAspect="1"/>
           </p:cNvPicPr>
           <p:nvPr/>
         </p:nvPicPr>
         <p:blipFill>
-          <a:blip r:embed="rId2"/>
+          <a:blip r:embed="rId4"/>
           <a:stretch>
             <a:fillRect/>
           </a:stretch>
@@ -14103,6 +14564,13 @@
             <a:prstDash val="solid"/>
           </a:ln>
         </p:spPr>
+        <p:txBody>
+          <a:bodyPr/>
+          <a:lstStyle/>
+          <a:p>
+            <a:endParaRPr lang="de-DE"/>
+          </a:p>
+        </p:txBody>
       </p:sp>
       <p:sp>
         <p:nvSpPr>
@@ -14125,7 +14593,7 @@
           <a:bodyPr wrap="square" rtlCol="0" anchor="ctr"/>
           <a:lstStyle/>
           <a:p>
-            <a:pPr algn="ctr" indent="0" marL="0">
+            <a:pPr marL="0" indent="0" algn="ctr">
               <a:buNone/>
             </a:pPr>
             <a:r>
@@ -14164,7 +14632,7 @@
           <a:bodyPr wrap="square" rtlCol="0" anchor="ctr"/>
           <a:lstStyle/>
           <a:p>
-            <a:pPr indent="0" marL="0">
+            <a:pPr marL="0" indent="0">
               <a:buNone/>
             </a:pPr>
             <a:r>
@@ -14206,6 +14674,13 @@
             <a:prstDash val="solid"/>
           </a:ln>
         </p:spPr>
+        <p:txBody>
+          <a:bodyPr/>
+          <a:lstStyle/>
+          <a:p>
+            <a:endParaRPr lang="de-DE"/>
+          </a:p>
+        </p:txBody>
       </p:sp>
       <p:sp>
         <p:nvSpPr>
@@ -14231,6 +14706,13 @@
             <a:prstDash val="solid"/>
           </a:ln>
         </p:spPr>
+        <p:txBody>
+          <a:bodyPr/>
+          <a:lstStyle/>
+          <a:p>
+            <a:endParaRPr lang="de-DE"/>
+          </a:p>
+        </p:txBody>
       </p:sp>
       <p:sp>
         <p:nvSpPr>
@@ -14256,6 +14738,13 @@
             <a:prstDash val="solid"/>
           </a:ln>
         </p:spPr>
+        <p:txBody>
+          <a:bodyPr/>
+          <a:lstStyle/>
+          <a:p>
+            <a:endParaRPr lang="de-DE"/>
+          </a:p>
+        </p:txBody>
       </p:sp>
       <p:sp>
         <p:nvSpPr>
@@ -14281,6 +14770,13 @@
             <a:prstDash val="solid"/>
           </a:ln>
         </p:spPr>
+        <p:txBody>
+          <a:bodyPr/>
+          <a:lstStyle/>
+          <a:p>
+            <a:endParaRPr lang="de-DE"/>
+          </a:p>
+        </p:txBody>
       </p:sp>
       <p:sp>
         <p:nvSpPr>
@@ -14306,6 +14802,13 @@
             <a:prstDash val="solid"/>
           </a:ln>
         </p:spPr>
+        <p:txBody>
+          <a:bodyPr/>
+          <a:lstStyle/>
+          <a:p>
+            <a:endParaRPr lang="de-DE"/>
+          </a:p>
+        </p:txBody>
       </p:sp>
       <p:sp>
         <p:nvSpPr>
@@ -14331,6 +14834,13 @@
             <a:prstDash val="solid"/>
           </a:ln>
         </p:spPr>
+        <p:txBody>
+          <a:bodyPr/>
+          <a:lstStyle/>
+          <a:p>
+            <a:endParaRPr lang="de-DE"/>
+          </a:p>
+        </p:txBody>
       </p:sp>
       <p:sp>
         <p:nvSpPr>
@@ -14353,7 +14863,7 @@
           <a:bodyPr wrap="square" rtlCol="0" anchor="ctr"/>
           <a:lstStyle/>
           <a:p>
-            <a:pPr indent="0" marL="0">
+            <a:pPr marL="0" indent="0">
               <a:buNone/>
             </a:pPr>
             <a:r>
@@ -14370,7 +14880,7 @@
             <a:endParaRPr lang="en-US" sz="1200" dirty="0"/>
           </a:p>
           <a:p>
-            <a:pPr indent="0" marL="0">
+            <a:pPr marL="0" indent="0">
               <a:buNone/>
             </a:pPr>
             <a:r>
@@ -14409,7 +14919,7 @@
           <a:bodyPr wrap="square" rtlCol="0" anchor="ctr"/>
           <a:lstStyle/>
           <a:p>
-            <a:pPr indent="0" marL="0">
+            <a:pPr marL="0" indent="0">
               <a:buNone/>
             </a:pPr>
             <a:r>
@@ -14451,6 +14961,13 @@
             <a:prstDash val="solid"/>
           </a:ln>
         </p:spPr>
+        <p:txBody>
+          <a:bodyPr/>
+          <a:lstStyle/>
+          <a:p>
+            <a:endParaRPr lang="de-DE"/>
+          </a:p>
+        </p:txBody>
       </p:sp>
       <p:sp>
         <p:nvSpPr>
@@ -14476,6 +14993,13 @@
             <a:prstDash val="solid"/>
           </a:ln>
         </p:spPr>
+        <p:txBody>
+          <a:bodyPr/>
+          <a:lstStyle/>
+          <a:p>
+            <a:endParaRPr lang="de-DE"/>
+          </a:p>
+        </p:txBody>
       </p:sp>
       <p:sp>
         <p:nvSpPr>
@@ -14504,7 +15028,7 @@
           <a:bodyPr wrap="square" rtlCol="0" anchor="ctr"/>
           <a:lstStyle/>
           <a:p>
-            <a:pPr algn="ctr" indent="0" marL="0">
+            <a:pPr marL="0" indent="0" algn="ctr">
               <a:buNone/>
             </a:pPr>
             <a:r>
@@ -14549,7 +15073,7 @@
           <a:bodyPr wrap="square" rtlCol="0" anchor="ctr"/>
           <a:lstStyle/>
           <a:p>
-            <a:pPr algn="ctr" indent="0" marL="0">
+            <a:pPr marL="0" indent="0" algn="ctr">
               <a:buNone/>
             </a:pPr>
             <a:r>
@@ -14594,7 +15118,7 @@
           <a:bodyPr wrap="square" rtlCol="0" anchor="ctr"/>
           <a:lstStyle/>
           <a:p>
-            <a:pPr algn="ctr" indent="0" marL="0">
+            <a:pPr marL="0" indent="0" algn="ctr">
               <a:buNone/>
             </a:pPr>
             <a:r>
@@ -14639,7 +15163,7 @@
           <a:bodyPr wrap="square" rtlCol="0" anchor="ctr"/>
           <a:lstStyle/>
           <a:p>
-            <a:pPr algn="ctr" indent="0" marL="0">
+            <a:pPr marL="0" indent="0" algn="ctr">
               <a:buNone/>
             </a:pPr>
             <a:r>
@@ -14678,7 +15202,7 @@
           <a:bodyPr wrap="square" rtlCol="0" anchor="ctr"/>
           <a:lstStyle/>
           <a:p>
-            <a:pPr indent="0" marL="0">
+            <a:pPr marL="0" indent="0">
               <a:buNone/>
             </a:pPr>
             <a:r>
@@ -14695,7 +15219,7 @@
             <a:endParaRPr lang="en-US" sz="1200" dirty="0"/>
           </a:p>
           <a:p>
-            <a:pPr indent="0" marL="0">
+            <a:pPr marL="0" indent="0">
               <a:buNone/>
             </a:pPr>
             <a:r>
@@ -14737,6 +15261,13 @@
             <a:prstDash val="solid"/>
           </a:ln>
         </p:spPr>
+        <p:txBody>
+          <a:bodyPr/>
+          <a:lstStyle/>
+          <a:p>
+            <a:endParaRPr lang="de-DE"/>
+          </a:p>
+        </p:txBody>
       </p:sp>
       <p:sp>
         <p:nvSpPr>
@@ -14759,7 +15290,7 @@
           <a:bodyPr wrap="square" rtlCol="0" anchor="ctr"/>
           <a:lstStyle/>
           <a:p>
-            <a:pPr indent="0" marL="0">
+            <a:pPr marL="0" indent="0">
               <a:buNone/>
             </a:pPr>
             <a:r>
@@ -14888,6 +15419,13 @@
             <a:prstDash val="solid"/>
           </a:ln>
         </p:spPr>
+        <p:txBody>
+          <a:bodyPr/>
+          <a:lstStyle/>
+          <a:p>
+            <a:endParaRPr lang="de-DE"/>
+          </a:p>
+        </p:txBody>
       </p:sp>
       <p:sp>
         <p:nvSpPr>
@@ -14910,7 +15448,7 @@
           <a:bodyPr wrap="square" rtlCol="0" anchor="ctr"/>
           <a:lstStyle/>
           <a:p>
-            <a:pPr indent="0" marL="0">
+            <a:pPr marL="0" indent="0">
               <a:buNone/>
             </a:pPr>
             <a:r>
@@ -14944,6 +15482,7 @@
         <a:solidFill>
           <a:srgbClr val="FFFFFF"/>
         </a:solidFill>
+        <a:effectLst/>
       </p:bgPr>
     </p:bg>
     <p:spTree>
@@ -14984,6 +15523,13 @@
             <a:prstDash val="solid"/>
           </a:ln>
         </p:spPr>
+        <p:txBody>
+          <a:bodyPr/>
+          <a:lstStyle/>
+          <a:p>
+            <a:endParaRPr lang="de-DE"/>
+          </a:p>
+        </p:txBody>
       </p:sp>
       <p:sp>
         <p:nvSpPr>
@@ -15006,7 +15552,7 @@
           <a:bodyPr wrap="square" rtlCol="0" anchor="ctr"/>
           <a:lstStyle/>
           <a:p>
-            <a:pPr indent="0" marL="0">
+            <a:pPr marL="0" indent="0">
               <a:buNone/>
             </a:pPr>
             <a:r>
@@ -15045,7 +15591,7 @@
           <a:bodyPr wrap="square" rtlCol="0" anchor="ctr"/>
           <a:lstStyle/>
           <a:p>
-            <a:pPr indent="0" marL="0">
+            <a:pPr marL="0" indent="0">
               <a:buNone/>
             </a:pPr>
             <a:r>
@@ -15065,14 +15611,14 @@
       </p:sp>
       <p:pic>
         <p:nvPicPr>
-          <p:cNvPr id="5" name="Image 0" descr="/mnt/data/scads_logo.png">    </p:cNvPr>
+          <p:cNvPr id="5" name="Image 0" descr="/mnt/data/scads_logo.png"/>
           <p:cNvPicPr>
             <a:picLocks noChangeAspect="1"/>
           </p:cNvPicPr>
           <p:nvPr/>
         </p:nvPicPr>
         <p:blipFill>
-          <a:blip r:embed="rId1"/>
+          <a:blip r:embed="rId3"/>
           <a:stretch>
             <a:fillRect/>
           </a:stretch>
@@ -15089,14 +15635,14 @@
       </p:pic>
       <p:pic>
         <p:nvPicPr>
-          <p:cNvPr id="6" name="Image 1" descr="/mnt/data/tud_logo.png">    </p:cNvPr>
+          <p:cNvPr id="6" name="Image 1" descr="/mnt/data/tud_logo.png"/>
           <p:cNvPicPr>
             <a:picLocks noChangeAspect="1"/>
           </p:cNvPicPr>
           <p:nvPr/>
         </p:nvPicPr>
         <p:blipFill>
-          <a:blip r:embed="rId2"/>
+          <a:blip r:embed="rId4"/>
           <a:stretch>
             <a:fillRect/>
           </a:stretch>
@@ -15135,6 +15681,13 @@
             <a:prstDash val="solid"/>
           </a:ln>
         </p:spPr>
+        <p:txBody>
+          <a:bodyPr/>
+          <a:lstStyle/>
+          <a:p>
+            <a:endParaRPr lang="de-DE"/>
+          </a:p>
+        </p:txBody>
       </p:sp>
       <p:sp>
         <p:nvSpPr>
@@ -15157,7 +15710,7 @@
           <a:bodyPr wrap="square" rtlCol="0" anchor="ctr"/>
           <a:lstStyle/>
           <a:p>
-            <a:pPr algn="ctr" indent="0" marL="0">
+            <a:pPr marL="0" indent="0" algn="ctr">
               <a:buNone/>
             </a:pPr>
             <a:r>
@@ -15196,7 +15749,7 @@
           <a:bodyPr wrap="square" rtlCol="0" anchor="ctr"/>
           <a:lstStyle/>
           <a:p>
-            <a:pPr indent="0" marL="0">
+            <a:pPr marL="0" indent="0">
               <a:buNone/>
             </a:pPr>
             <a:r>
@@ -15241,7 +15794,7 @@
           <a:bodyPr wrap="square" rtlCol="0" anchor="ctr"/>
           <a:lstStyle/>
           <a:p>
-            <a:pPr algn="ctr" indent="0" marL="0">
+            <a:pPr marL="0" indent="0" algn="ctr">
               <a:buNone/>
             </a:pPr>
             <a:r>
@@ -15286,7 +15839,7 @@
           <a:bodyPr wrap="square" rtlCol="0" anchor="ctr"/>
           <a:lstStyle/>
           <a:p>
-            <a:pPr algn="ctr" indent="0" marL="0">
+            <a:pPr marL="0" indent="0" algn="ctr">
               <a:buNone/>
             </a:pPr>
             <a:r>
@@ -15331,7 +15884,7 @@
           <a:bodyPr wrap="square" rtlCol="0" anchor="ctr"/>
           <a:lstStyle/>
           <a:p>
-            <a:pPr algn="ctr" indent="0" marL="0">
+            <a:pPr marL="0" indent="0" algn="ctr">
               <a:buNone/>
             </a:pPr>
             <a:r>
@@ -15376,7 +15929,7 @@
           <a:bodyPr wrap="square" rtlCol="0" anchor="ctr"/>
           <a:lstStyle/>
           <a:p>
-            <a:pPr algn="ctr" indent="0" marL="0">
+            <a:pPr marL="0" indent="0" algn="ctr">
               <a:buNone/>
             </a:pPr>
             <a:r>
@@ -15421,7 +15974,7 @@
           <a:bodyPr wrap="square" rtlCol="0" anchor="ctr"/>
           <a:lstStyle/>
           <a:p>
-            <a:pPr algn="ctr" indent="0" marL="0">
+            <a:pPr marL="0" indent="0" algn="ctr">
               <a:buNone/>
             </a:pPr>
             <a:r>
@@ -15466,7 +16019,7 @@
           <a:bodyPr wrap="square" rtlCol="0" anchor="ctr"/>
           <a:lstStyle/>
           <a:p>
-            <a:pPr algn="ctr" indent="0" marL="0">
+            <a:pPr marL="0" indent="0" algn="ctr">
               <a:buNone/>
             </a:pPr>
             <a:r>
@@ -15511,7 +16064,7 @@
           <a:bodyPr wrap="square" rtlCol="0" anchor="ctr"/>
           <a:lstStyle/>
           <a:p>
-            <a:pPr algn="ctr" indent="0" marL="0">
+            <a:pPr marL="0" indent="0" algn="ctr">
               <a:buNone/>
             </a:pPr>
             <a:r>
@@ -15556,7 +16109,7 @@
           <a:bodyPr wrap="square" rtlCol="0" anchor="ctr"/>
           <a:lstStyle/>
           <a:p>
-            <a:pPr algn="ctr" indent="0" marL="0">
+            <a:pPr marL="0" indent="0" algn="ctr">
               <a:buNone/>
             </a:pPr>
             <a:r>
@@ -15595,7 +16148,7 @@
           <a:bodyPr wrap="square" rtlCol="0" anchor="ctr"/>
           <a:lstStyle/>
           <a:p>
-            <a:pPr indent="0" marL="0">
+            <a:pPr marL="0" indent="0">
               <a:buNone/>
             </a:pPr>
             <a:r>
@@ -15612,7 +16165,7 @@
             <a:endParaRPr lang="en-US" sz="1200" dirty="0"/>
           </a:p>
           <a:p>
-            <a:pPr indent="0" marL="0">
+            <a:pPr marL="0" indent="0">
               <a:buNone/>
             </a:pPr>
             <a:r>
@@ -15651,7 +16204,7 @@
           <a:bodyPr wrap="square" rtlCol="0" anchor="ctr"/>
           <a:lstStyle/>
           <a:p>
-            <a:pPr indent="0" marL="0">
+            <a:pPr marL="0" indent="0">
               <a:buNone/>
             </a:pPr>
             <a:r>
@@ -15690,7 +16243,7 @@
           <a:bodyPr wrap="square" rtlCol="0" anchor="ctr"/>
           <a:lstStyle/>
           <a:p>
-            <a:pPr indent="0" marL="0">
+            <a:pPr marL="0" indent="0">
               <a:buNone/>
             </a:pPr>
             <a:r>
@@ -15707,7 +16260,7 @@
             <a:endParaRPr lang="en-US" sz="1400" dirty="0"/>
           </a:p>
           <a:p>
-            <a:pPr indent="0" marL="0">
+            <a:pPr marL="0" indent="0">
               <a:buNone/>
             </a:pPr>
             <a:r>
@@ -15724,7 +16277,7 @@
             <a:endParaRPr lang="en-US" sz="1400" dirty="0"/>
           </a:p>
           <a:p>
-            <a:pPr indent="0" marL="0">
+            <a:pPr marL="0" indent="0">
               <a:buNone/>
             </a:pPr>
             <a:r>
@@ -15741,7 +16294,7 @@
             <a:endParaRPr lang="en-US" sz="1400" dirty="0"/>
           </a:p>
           <a:p>
-            <a:pPr indent="0" marL="0">
+            <a:pPr marL="0" indent="0">
               <a:buNone/>
             </a:pPr>
             <a:r>
@@ -15786,7 +16339,7 @@
           <a:bodyPr wrap="square" lIns="2286" tIns="2540" rIns="2540" bIns="1524" rtlCol="0" anchor="ctr"/>
           <a:lstStyle/>
           <a:p>
-            <a:pPr indent="0" marL="0">
+            <a:pPr marL="0" indent="0">
               <a:buNone/>
             </a:pPr>
             <a:r>
@@ -15803,7 +16356,7 @@
             <a:endParaRPr lang="en-US" sz="1300" dirty="0"/>
           </a:p>
           <a:p>
-            <a:pPr indent="0" marL="0">
+            <a:pPr marL="0" indent="0">
               <a:buNone/>
             </a:pPr>
             <a:r>
@@ -15842,7 +16395,7 @@
           <a:bodyPr wrap="square" rtlCol="0" anchor="ctr"/>
           <a:lstStyle/>
           <a:p>
-            <a:pPr indent="0" marL="0">
+            <a:pPr marL="0" indent="0">
               <a:buNone/>
             </a:pPr>
             <a:r>
@@ -15886,6 +16439,13 @@
             <a:prstDash val="solid"/>
           </a:ln>
         </p:spPr>
+        <p:txBody>
+          <a:bodyPr/>
+          <a:lstStyle/>
+          <a:p>
+            <a:endParaRPr lang="de-DE"/>
+          </a:p>
+        </p:txBody>
       </p:sp>
       <p:sp>
         <p:nvSpPr>
@@ -15908,7 +16468,7 @@
           <a:bodyPr wrap="square" rtlCol="0" anchor="ctr"/>
           <a:lstStyle/>
           <a:p>
-            <a:pPr indent="0" marL="0">
+            <a:pPr marL="0" indent="0">
               <a:buNone/>
             </a:pPr>
             <a:r>
@@ -15942,6 +16502,7 @@
         <a:solidFill>
           <a:srgbClr val="FFFFFF"/>
         </a:solidFill>
+        <a:effectLst/>
       </p:bgPr>
     </p:bg>
     <p:spTree>
@@ -15982,6 +16543,13 @@
             <a:prstDash val="solid"/>
           </a:ln>
         </p:spPr>
+        <p:txBody>
+          <a:bodyPr/>
+          <a:lstStyle/>
+          <a:p>
+            <a:endParaRPr lang="de-DE"/>
+          </a:p>
+        </p:txBody>
       </p:sp>
       <p:sp>
         <p:nvSpPr>
@@ -16004,7 +16572,7 @@
           <a:bodyPr wrap="square" rtlCol="0" anchor="ctr"/>
           <a:lstStyle/>
           <a:p>
-            <a:pPr indent="0" marL="0">
+            <a:pPr marL="0" indent="0">
               <a:buNone/>
             </a:pPr>
             <a:r>
@@ -16043,7 +16611,7 @@
           <a:bodyPr wrap="square" rtlCol="0" anchor="ctr"/>
           <a:lstStyle/>
           <a:p>
-            <a:pPr indent="0" marL="0">
+            <a:pPr marL="0" indent="0">
               <a:buNone/>
             </a:pPr>
             <a:r>
@@ -16063,14 +16631,14 @@
       </p:sp>
       <p:pic>
         <p:nvPicPr>
-          <p:cNvPr id="5" name="Image 0" descr="/mnt/data/scads_logo.png">    </p:cNvPr>
+          <p:cNvPr id="5" name="Image 0" descr="/mnt/data/scads_logo.png"/>
           <p:cNvPicPr>
             <a:picLocks noChangeAspect="1"/>
           </p:cNvPicPr>
           <p:nvPr/>
         </p:nvPicPr>
         <p:blipFill>
-          <a:blip r:embed="rId1"/>
+          <a:blip r:embed="rId3"/>
           <a:stretch>
             <a:fillRect/>
           </a:stretch>
@@ -16087,14 +16655,14 @@
       </p:pic>
       <p:pic>
         <p:nvPicPr>
-          <p:cNvPr id="6" name="Image 1" descr="/mnt/data/tud_logo.png">    </p:cNvPr>
+          <p:cNvPr id="6" name="Image 1" descr="/mnt/data/tud_logo.png"/>
           <p:cNvPicPr>
             <a:picLocks noChangeAspect="1"/>
           </p:cNvPicPr>
           <p:nvPr/>
         </p:nvPicPr>
         <p:blipFill>
-          <a:blip r:embed="rId2"/>
+          <a:blip r:embed="rId4"/>
           <a:stretch>
             <a:fillRect/>
           </a:stretch>
@@ -16133,6 +16701,13 @@
             <a:prstDash val="solid"/>
           </a:ln>
         </p:spPr>
+        <p:txBody>
+          <a:bodyPr/>
+          <a:lstStyle/>
+          <a:p>
+            <a:endParaRPr lang="de-DE"/>
+          </a:p>
+        </p:txBody>
       </p:sp>
       <p:sp>
         <p:nvSpPr>
@@ -16155,7 +16730,7 @@
           <a:bodyPr wrap="square" rtlCol="0" anchor="ctr"/>
           <a:lstStyle/>
           <a:p>
-            <a:pPr algn="ctr" indent="0" marL="0">
+            <a:pPr marL="0" indent="0" algn="ctr">
               <a:buNone/>
             </a:pPr>
             <a:r>
@@ -16194,7 +16769,7 @@
           <a:bodyPr wrap="square" rtlCol="0" anchor="ctr"/>
           <a:lstStyle/>
           <a:p>
-            <a:pPr indent="0" marL="0">
+            <a:pPr marL="0" indent="0">
               <a:buNone/>
             </a:pPr>
             <a:r>
@@ -16236,13 +16811,20 @@
             <a:prstDash val="solid"/>
           </a:ln>
           <a:effectLst>
-            <a:outerShdw sx="100000" sy="100000" kx="0" ky="0" algn="bl" rotWithShape="0" blurRad="25400" dist="12700" dir="2700000">
+            <a:outerShdw blurRad="25400" dist="12700" dir="2700000" algn="bl" rotWithShape="0">
               <a:srgbClr val="000000">
                 <a:alpha val="10000"/>
               </a:srgbClr>
             </a:outerShdw>
           </a:effectLst>
         </p:spPr>
+        <p:txBody>
+          <a:bodyPr/>
+          <a:lstStyle/>
+          <a:p>
+            <a:endParaRPr lang="de-DE"/>
+          </a:p>
+        </p:txBody>
       </p:sp>
       <p:sp>
         <p:nvSpPr>
@@ -16265,7 +16847,7 @@
           <a:bodyPr wrap="square" rtlCol="0" anchor="ctr"/>
           <a:lstStyle/>
           <a:p>
-            <a:pPr algn="ctr" indent="0" marL="0">
+            <a:pPr marL="0" indent="0" algn="ctr">
               <a:buNone/>
             </a:pPr>
             <a:r>
@@ -16282,7 +16864,7 @@
             <a:endParaRPr lang="en-US" sz="1300" dirty="0"/>
           </a:p>
           <a:p>
-            <a:pPr algn="ctr" indent="0" marL="0">
+            <a:pPr marL="0" indent="0" algn="ctr">
               <a:buNone/>
             </a:pPr>
             <a:r>
@@ -16324,6 +16906,13 @@
             <a:tailEnd type="triangle"/>
           </a:ln>
         </p:spPr>
+        <p:txBody>
+          <a:bodyPr/>
+          <a:lstStyle/>
+          <a:p>
+            <a:endParaRPr lang="de-DE"/>
+          </a:p>
+        </p:txBody>
       </p:sp>
       <p:sp>
         <p:nvSpPr>
@@ -16349,13 +16938,20 @@
             <a:prstDash val="solid"/>
           </a:ln>
           <a:effectLst>
-            <a:outerShdw sx="100000" sy="100000" kx="0" ky="0" algn="bl" rotWithShape="0" blurRad="25400" dist="12700" dir="2700000">
+            <a:outerShdw blurRad="25400" dist="12700" dir="2700000" algn="bl" rotWithShape="0">
               <a:srgbClr val="000000">
                 <a:alpha val="10000"/>
               </a:srgbClr>
             </a:outerShdw>
           </a:effectLst>
         </p:spPr>
+        <p:txBody>
+          <a:bodyPr/>
+          <a:lstStyle/>
+          <a:p>
+            <a:endParaRPr lang="de-DE"/>
+          </a:p>
+        </p:txBody>
       </p:sp>
       <p:sp>
         <p:nvSpPr>
@@ -16378,7 +16974,7 @@
           <a:bodyPr wrap="square" rtlCol="0" anchor="ctr"/>
           <a:lstStyle/>
           <a:p>
-            <a:pPr algn="ctr" indent="0" marL="0">
+            <a:pPr marL="0" indent="0" algn="ctr">
               <a:buNone/>
             </a:pPr>
             <a:r>
@@ -16395,7 +16991,7 @@
             <a:endParaRPr lang="en-US" sz="1300" dirty="0"/>
           </a:p>
           <a:p>
-            <a:pPr algn="ctr" indent="0" marL="0">
+            <a:pPr marL="0" indent="0" algn="ctr">
               <a:buNone/>
             </a:pPr>
             <a:r>
@@ -16437,6 +17033,13 @@
             <a:tailEnd type="triangle"/>
           </a:ln>
         </p:spPr>
+        <p:txBody>
+          <a:bodyPr/>
+          <a:lstStyle/>
+          <a:p>
+            <a:endParaRPr lang="de-DE"/>
+          </a:p>
+        </p:txBody>
       </p:sp>
       <p:sp>
         <p:nvSpPr>
@@ -16462,13 +17065,20 @@
             <a:prstDash val="solid"/>
           </a:ln>
           <a:effectLst>
-            <a:outerShdw sx="100000" sy="100000" kx="0" ky="0" algn="bl" rotWithShape="0" blurRad="25400" dist="12700" dir="2700000">
+            <a:outerShdw blurRad="25400" dist="12700" dir="2700000" algn="bl" rotWithShape="0">
               <a:srgbClr val="000000">
                 <a:alpha val="10000"/>
               </a:srgbClr>
             </a:outerShdw>
           </a:effectLst>
         </p:spPr>
+        <p:txBody>
+          <a:bodyPr/>
+          <a:lstStyle/>
+          <a:p>
+            <a:endParaRPr lang="de-DE"/>
+          </a:p>
+        </p:txBody>
       </p:sp>
       <p:sp>
         <p:nvSpPr>
@@ -16491,7 +17101,7 @@
           <a:bodyPr wrap="square" rtlCol="0" anchor="ctr"/>
           <a:lstStyle/>
           <a:p>
-            <a:pPr algn="ctr" indent="0" marL="0">
+            <a:pPr marL="0" indent="0" algn="ctr">
               <a:buNone/>
             </a:pPr>
             <a:r>
@@ -16508,7 +17118,7 @@
             <a:endParaRPr lang="en-US" sz="1300" dirty="0"/>
           </a:p>
           <a:p>
-            <a:pPr algn="ctr" indent="0" marL="0">
+            <a:pPr marL="0" indent="0" algn="ctr">
               <a:buNone/>
             </a:pPr>
             <a:r>
@@ -16550,6 +17160,13 @@
             <a:tailEnd type="triangle"/>
           </a:ln>
         </p:spPr>
+        <p:txBody>
+          <a:bodyPr/>
+          <a:lstStyle/>
+          <a:p>
+            <a:endParaRPr lang="de-DE"/>
+          </a:p>
+        </p:txBody>
       </p:sp>
       <p:sp>
         <p:nvSpPr>
@@ -16575,13 +17192,20 @@
             <a:prstDash val="solid"/>
           </a:ln>
           <a:effectLst>
-            <a:outerShdw sx="100000" sy="100000" kx="0" ky="0" algn="bl" rotWithShape="0" blurRad="25400" dist="12700" dir="2700000">
+            <a:outerShdw blurRad="25400" dist="12700" dir="2700000" algn="bl" rotWithShape="0">
               <a:srgbClr val="000000">
                 <a:alpha val="10000"/>
               </a:srgbClr>
             </a:outerShdw>
           </a:effectLst>
         </p:spPr>
+        <p:txBody>
+          <a:bodyPr/>
+          <a:lstStyle/>
+          <a:p>
+            <a:endParaRPr lang="de-DE"/>
+          </a:p>
+        </p:txBody>
       </p:sp>
       <p:sp>
         <p:nvSpPr>
@@ -16604,7 +17228,7 @@
           <a:bodyPr wrap="square" rtlCol="0" anchor="ctr"/>
           <a:lstStyle/>
           <a:p>
-            <a:pPr algn="ctr" indent="0" marL="0">
+            <a:pPr marL="0" indent="0" algn="ctr">
               <a:buNone/>
             </a:pPr>
             <a:r>
@@ -16621,7 +17245,7 @@
             <a:endParaRPr lang="en-US" sz="1300" dirty="0"/>
           </a:p>
           <a:p>
-            <a:pPr algn="ctr" indent="0" marL="0">
+            <a:pPr marL="0" indent="0" algn="ctr">
               <a:buNone/>
             </a:pPr>
             <a:r>
@@ -16663,13 +17287,20 @@
             <a:prstDash val="solid"/>
           </a:ln>
           <a:effectLst>
-            <a:outerShdw sx="100000" sy="100000" kx="0" ky="0" algn="bl" rotWithShape="0" blurRad="38100" dist="19050" dir="2700000">
+            <a:outerShdw blurRad="38100" dist="19050" dir="2700000" algn="bl" rotWithShape="0">
               <a:srgbClr val="000000">
                 <a:alpha val="12000"/>
               </a:srgbClr>
             </a:outerShdw>
           </a:effectLst>
         </p:spPr>
+        <p:txBody>
+          <a:bodyPr/>
+          <a:lstStyle/>
+          <a:p>
+            <a:endParaRPr lang="de-DE"/>
+          </a:p>
+        </p:txBody>
       </p:sp>
       <p:sp>
         <p:nvSpPr>
@@ -16695,6 +17326,13 @@
             <a:prstDash val="solid"/>
           </a:ln>
         </p:spPr>
+        <p:txBody>
+          <a:bodyPr/>
+          <a:lstStyle/>
+          <a:p>
+            <a:endParaRPr lang="de-DE"/>
+          </a:p>
+        </p:txBody>
       </p:sp>
       <p:sp>
         <p:nvSpPr>
@@ -16717,7 +17355,7 @@
           <a:bodyPr wrap="square" rtlCol="0" anchor="ctr"/>
           <a:lstStyle/>
           <a:p>
-            <a:pPr indent="0" marL="0">
+            <a:pPr marL="0" indent="0">
               <a:buNone/>
             </a:pPr>
             <a:r>
@@ -16756,7 +17394,7 @@
           <a:bodyPr wrap="square" rtlCol="0" anchor="t"/>
           <a:lstStyle/>
           <a:p>
-            <a:pPr indent="0" marL="0">
+            <a:pPr marL="0" indent="0">
               <a:buNone/>
             </a:pPr>
             <a:r>
@@ -16773,7 +17411,7 @@
             <a:endParaRPr lang="en-US" sz="1100" dirty="0"/>
           </a:p>
           <a:p>
-            <a:pPr indent="0" marL="0">
+            <a:pPr marL="0" indent="0">
               <a:buNone/>
             </a:pPr>
             <a:r>
@@ -16790,7 +17428,7 @@
             <a:endParaRPr lang="en-US" sz="1100" dirty="0"/>
           </a:p>
           <a:p>
-            <a:pPr indent="0" marL="0">
+            <a:pPr marL="0" indent="0">
               <a:buNone/>
             </a:pPr>
             <a:r>
@@ -16807,13 +17445,13 @@
             <a:endParaRPr lang="en-US" sz="1100" dirty="0"/>
           </a:p>
           <a:p>
-            <a:pPr indent="0" marL="0">
+            <a:pPr marL="0" indent="0">
               <a:buNone/>
             </a:pPr>
             <a:endParaRPr lang="en-US" sz="1100" dirty="0"/>
           </a:p>
           <a:p>
-            <a:pPr indent="0" marL="0">
+            <a:pPr marL="0" indent="0">
               <a:buNone/>
             </a:pPr>
             <a:r>
@@ -16855,13 +17493,20 @@
             <a:prstDash val="solid"/>
           </a:ln>
           <a:effectLst>
-            <a:outerShdw sx="100000" sy="100000" kx="0" ky="0" algn="bl" rotWithShape="0" blurRad="38100" dist="19050" dir="2700000">
+            <a:outerShdw blurRad="38100" dist="19050" dir="2700000" algn="bl" rotWithShape="0">
               <a:srgbClr val="000000">
                 <a:alpha val="12000"/>
               </a:srgbClr>
             </a:outerShdw>
           </a:effectLst>
         </p:spPr>
+        <p:txBody>
+          <a:bodyPr/>
+          <a:lstStyle/>
+          <a:p>
+            <a:endParaRPr lang="de-DE"/>
+          </a:p>
+        </p:txBody>
       </p:sp>
       <p:sp>
         <p:nvSpPr>
@@ -16887,6 +17532,13 @@
             <a:prstDash val="solid"/>
           </a:ln>
         </p:spPr>
+        <p:txBody>
+          <a:bodyPr/>
+          <a:lstStyle/>
+          <a:p>
+            <a:endParaRPr lang="de-DE"/>
+          </a:p>
+        </p:txBody>
       </p:sp>
       <p:sp>
         <p:nvSpPr>
@@ -16909,7 +17561,7 @@
           <a:bodyPr wrap="square" rtlCol="0" anchor="ctr"/>
           <a:lstStyle/>
           <a:p>
-            <a:pPr indent="0" marL="0">
+            <a:pPr marL="0" indent="0">
               <a:buNone/>
             </a:pPr>
             <a:r>
@@ -16948,7 +17600,7 @@
           <a:bodyPr wrap="square" rtlCol="0" anchor="t"/>
           <a:lstStyle/>
           <a:p>
-            <a:pPr indent="0" marL="0">
+            <a:pPr marL="0" indent="0">
               <a:buNone/>
             </a:pPr>
             <a:r>
@@ -16965,7 +17617,7 @@
             <a:endParaRPr lang="en-US" sz="1100" dirty="0"/>
           </a:p>
           <a:p>
-            <a:pPr indent="0" marL="0">
+            <a:pPr marL="0" indent="0">
               <a:buNone/>
             </a:pPr>
             <a:r>
@@ -16982,7 +17634,7 @@
             <a:endParaRPr lang="en-US" sz="1100" dirty="0"/>
           </a:p>
           <a:p>
-            <a:pPr indent="0" marL="0">
+            <a:pPr marL="0" indent="0">
               <a:buNone/>
             </a:pPr>
             <a:r>
@@ -16999,7 +17651,7 @@
             <a:endParaRPr lang="en-US" sz="1100" dirty="0"/>
           </a:p>
           <a:p>
-            <a:pPr indent="0" marL="0">
+            <a:pPr marL="0" indent="0">
               <a:buNone/>
             </a:pPr>
             <a:r>
@@ -17043,6 +17695,13 @@
             <a:prstDash val="solid"/>
           </a:ln>
         </p:spPr>
+        <p:txBody>
+          <a:bodyPr/>
+          <a:lstStyle/>
+          <a:p>
+            <a:endParaRPr lang="de-DE"/>
+          </a:p>
+        </p:txBody>
       </p:sp>
       <p:sp>
         <p:nvSpPr>
@@ -17065,7 +17724,7 @@
           <a:bodyPr wrap="square" rtlCol="0" anchor="ctr"/>
           <a:lstStyle/>
           <a:p>
-            <a:pPr indent="0" marL="0">
+            <a:pPr marL="0" indent="0">
               <a:buNone/>
             </a:pPr>
             <a:r>
@@ -17384,4 +18043,319 @@
     </a:ext>
   </a:extLst>
 </a:theme>
+</file>
+
+<file path=ppt/theme/theme2.xml><?xml version="1.0" encoding="utf-8"?>
+<a:theme xmlns:a="http://schemas.openxmlformats.org/drawingml/2006/main" name="Office">
+  <a:themeElements>
+    <a:clrScheme name="Office">
+      <a:dk1>
+        <a:sysClr val="windowText" lastClr="000000"/>
+      </a:dk1>
+      <a:lt1>
+        <a:sysClr val="window" lastClr="FFFFFF"/>
+      </a:lt1>
+      <a:dk2>
+        <a:srgbClr val="0E2841"/>
+      </a:dk2>
+      <a:lt2>
+        <a:srgbClr val="E8E8E8"/>
+      </a:lt2>
+      <a:accent1>
+        <a:srgbClr val="156082"/>
+      </a:accent1>
+      <a:accent2>
+        <a:srgbClr val="E97132"/>
+      </a:accent2>
+      <a:accent3>
+        <a:srgbClr val="196B24"/>
+      </a:accent3>
+      <a:accent4>
+        <a:srgbClr val="0F9ED5"/>
+      </a:accent4>
+      <a:accent5>
+        <a:srgbClr val="A02B93"/>
+      </a:accent5>
+      <a:accent6>
+        <a:srgbClr val="4EA72E"/>
+      </a:accent6>
+      <a:hlink>
+        <a:srgbClr val="467886"/>
+      </a:hlink>
+      <a:folHlink>
+        <a:srgbClr val="96607D"/>
+      </a:folHlink>
+    </a:clrScheme>
+    <a:fontScheme name="Office">
+      <a:majorFont>
+        <a:latin typeface="Aptos Display" panose="02110004020202020204"/>
+        <a:ea typeface=""/>
+        <a:cs typeface=""/>
+        <a:font script="Jpan" typeface="游ゴシック Light"/>
+        <a:font script="Hang" typeface="맑은 고딕"/>
+        <a:font script="Hans" typeface="等线 Light"/>
+        <a:font script="Hant" typeface="新細明體"/>
+        <a:font script="Arab" typeface="Times New Roman"/>
+        <a:font script="Hebr" typeface="Times New Roman"/>
+        <a:font script="Thai" typeface="Angsana New"/>
+        <a:font script="Ethi" typeface="Nyala"/>
+        <a:font script="Beng" typeface="Vrinda"/>
+        <a:font script="Gujr" typeface="Shruti"/>
+        <a:font script="Khmr" typeface="MoolBoran"/>
+        <a:font script="Knda" typeface="Tunga"/>
+        <a:font script="Guru" typeface="Raavi"/>
+        <a:font script="Cans" typeface="Euphemia"/>
+        <a:font script="Cher" typeface="Plantagenet Cherokee"/>
+        <a:font script="Yiii" typeface="Microsoft Yi Baiti"/>
+        <a:font script="Tibt" typeface="Microsoft Himalaya"/>
+        <a:font script="Thaa" typeface="MV Boli"/>
+        <a:font script="Deva" typeface="Mangal"/>
+        <a:font script="Telu" typeface="Gautami"/>
+        <a:font script="Taml" typeface="Latha"/>
+        <a:font script="Syrc" typeface="Estrangelo Edessa"/>
+        <a:font script="Orya" typeface="Kalinga"/>
+        <a:font script="Mlym" typeface="Kartika"/>
+        <a:font script="Laoo" typeface="DokChampa"/>
+        <a:font script="Sinh" typeface="Iskoola Pota"/>
+        <a:font script="Mong" typeface="Mongolian Baiti"/>
+        <a:font script="Viet" typeface="Times New Roman"/>
+        <a:font script="Uigh" typeface="Microsoft Uighur"/>
+        <a:font script="Geor" typeface="Sylfaen"/>
+        <a:font script="Armn" typeface="Arial"/>
+        <a:font script="Bugi" typeface="Leelawadee UI"/>
+        <a:font script="Bopo" typeface="Microsoft JhengHei"/>
+        <a:font script="Java" typeface="Javanese Text"/>
+        <a:font script="Lisu" typeface="Segoe UI"/>
+        <a:font script="Mymr" typeface="Myanmar Text"/>
+        <a:font script="Nkoo" typeface="Ebrima"/>
+        <a:font script="Olck" typeface="Nirmala UI"/>
+        <a:font script="Osma" typeface="Ebrima"/>
+        <a:font script="Phag" typeface="Phagspa"/>
+        <a:font script="Syrn" typeface="Estrangelo Edessa"/>
+        <a:font script="Syrj" typeface="Estrangelo Edessa"/>
+        <a:font script="Syre" typeface="Estrangelo Edessa"/>
+        <a:font script="Sora" typeface="Nirmala UI"/>
+        <a:font script="Tale" typeface="Microsoft Tai Le"/>
+        <a:font script="Talu" typeface="Microsoft New Tai Lue"/>
+        <a:font script="Tfng" typeface="Ebrima"/>
+      </a:majorFont>
+      <a:minorFont>
+        <a:latin typeface="Aptos" panose="02110004020202020204"/>
+        <a:ea typeface=""/>
+        <a:cs typeface=""/>
+        <a:font script="Jpan" typeface="游ゴシック"/>
+        <a:font script="Hang" typeface="맑은 고딕"/>
+        <a:font script="Hans" typeface="等线"/>
+        <a:font script="Hant" typeface="新細明體"/>
+        <a:font script="Arab" typeface="Arial"/>
+        <a:font script="Hebr" typeface="Arial"/>
+        <a:font script="Thai" typeface="Cordia New"/>
+        <a:font script="Ethi" typeface="Nyala"/>
+        <a:font script="Beng" typeface="Vrinda"/>
+        <a:font script="Gujr" typeface="Shruti"/>
+        <a:font script="Khmr" typeface="DaunPenh"/>
+        <a:font script="Knda" typeface="Tunga"/>
+        <a:font script="Guru" typeface="Raavi"/>
+        <a:font script="Cans" typeface="Euphemia"/>
+        <a:font script="Cher" typeface="Plantagenet Cherokee"/>
+        <a:font script="Yiii" typeface="Microsoft Yi Baiti"/>
+        <a:font script="Tibt" typeface="Microsoft Himalaya"/>
+        <a:font script="Thaa" typeface="MV Boli"/>
+        <a:font script="Deva" typeface="Mangal"/>
+        <a:font script="Telu" typeface="Gautami"/>
+        <a:font script="Taml" typeface="Latha"/>
+        <a:font script="Syrc" typeface="Estrangelo Edessa"/>
+        <a:font script="Orya" typeface="Kalinga"/>
+        <a:font script="Mlym" typeface="Kartika"/>
+        <a:font script="Laoo" typeface="DokChampa"/>
+        <a:font script="Sinh" typeface="Iskoola Pota"/>
+        <a:font script="Mong" typeface="Mongolian Baiti"/>
+        <a:font script="Viet" typeface="Arial"/>
+        <a:font script="Uigh" typeface="Microsoft Uighur"/>
+        <a:font script="Geor" typeface="Sylfaen"/>
+        <a:font script="Armn" typeface="Arial"/>
+        <a:font script="Bugi" typeface="Leelawadee UI"/>
+        <a:font script="Bopo" typeface="Microsoft JhengHei"/>
+        <a:font script="Java" typeface="Javanese Text"/>
+        <a:font script="Lisu" typeface="Segoe UI"/>
+        <a:font script="Mymr" typeface="Myanmar Text"/>
+        <a:font script="Nkoo" typeface="Ebrima"/>
+        <a:font script="Olck" typeface="Nirmala UI"/>
+        <a:font script="Osma" typeface="Ebrima"/>
+        <a:font script="Phag" typeface="Phagspa"/>
+        <a:font script="Syrn" typeface="Estrangelo Edessa"/>
+        <a:font script="Syrj" typeface="Estrangelo Edessa"/>
+        <a:font script="Syre" typeface="Estrangelo Edessa"/>
+        <a:font script="Sora" typeface="Nirmala UI"/>
+        <a:font script="Tale" typeface="Microsoft Tai Le"/>
+        <a:font script="Talu" typeface="Microsoft New Tai Lue"/>
+        <a:font script="Tfng" typeface="Ebrima"/>
+      </a:minorFont>
+    </a:fontScheme>
+    <a:fmtScheme name="Office">
+      <a:fillStyleLst>
+        <a:solidFill>
+          <a:schemeClr val="phClr"/>
+        </a:solidFill>
+        <a:gradFill rotWithShape="1">
+          <a:gsLst>
+            <a:gs pos="0">
+              <a:schemeClr val="phClr">
+                <a:lumMod val="110000"/>
+                <a:satMod val="105000"/>
+                <a:tint val="67000"/>
+              </a:schemeClr>
+            </a:gs>
+            <a:gs pos="50000">
+              <a:schemeClr val="phClr">
+                <a:lumMod val="105000"/>
+                <a:satMod val="103000"/>
+                <a:tint val="73000"/>
+              </a:schemeClr>
+            </a:gs>
+            <a:gs pos="100000">
+              <a:schemeClr val="phClr">
+                <a:lumMod val="105000"/>
+                <a:satMod val="109000"/>
+                <a:tint val="81000"/>
+              </a:schemeClr>
+            </a:gs>
+          </a:gsLst>
+          <a:lin ang="5400000" scaled="0"/>
+        </a:gradFill>
+        <a:gradFill rotWithShape="1">
+          <a:gsLst>
+            <a:gs pos="0">
+              <a:schemeClr val="phClr">
+                <a:satMod val="103000"/>
+                <a:lumMod val="102000"/>
+                <a:tint val="94000"/>
+              </a:schemeClr>
+            </a:gs>
+            <a:gs pos="50000">
+              <a:schemeClr val="phClr">
+                <a:satMod val="110000"/>
+                <a:lumMod val="100000"/>
+                <a:shade val="100000"/>
+              </a:schemeClr>
+            </a:gs>
+            <a:gs pos="100000">
+              <a:schemeClr val="phClr">
+                <a:lumMod val="99000"/>
+                <a:satMod val="120000"/>
+                <a:shade val="78000"/>
+              </a:schemeClr>
+            </a:gs>
+          </a:gsLst>
+          <a:lin ang="5400000" scaled="0"/>
+        </a:gradFill>
+      </a:fillStyleLst>
+      <a:lnStyleLst>
+        <a:ln w="12700" cap="flat" cmpd="sng" algn="ctr">
+          <a:solidFill>
+            <a:schemeClr val="phClr"/>
+          </a:solidFill>
+          <a:prstDash val="solid"/>
+          <a:miter lim="800000"/>
+        </a:ln>
+        <a:ln w="19050" cap="flat" cmpd="sng" algn="ctr">
+          <a:solidFill>
+            <a:schemeClr val="phClr"/>
+          </a:solidFill>
+          <a:prstDash val="solid"/>
+          <a:miter lim="800000"/>
+        </a:ln>
+        <a:ln w="25400" cap="flat" cmpd="sng" algn="ctr">
+          <a:solidFill>
+            <a:schemeClr val="phClr"/>
+          </a:solidFill>
+          <a:prstDash val="solid"/>
+          <a:miter lim="800000"/>
+        </a:ln>
+      </a:lnStyleLst>
+      <a:effectStyleLst>
+        <a:effectStyle>
+          <a:effectLst/>
+        </a:effectStyle>
+        <a:effectStyle>
+          <a:effectLst/>
+        </a:effectStyle>
+        <a:effectStyle>
+          <a:effectLst>
+            <a:outerShdw blurRad="57150" dist="19050" dir="5400000" algn="ctr" rotWithShape="0">
+              <a:srgbClr val="000000">
+                <a:alpha val="63000"/>
+              </a:srgbClr>
+            </a:outerShdw>
+          </a:effectLst>
+        </a:effectStyle>
+      </a:effectStyleLst>
+      <a:bgFillStyleLst>
+        <a:solidFill>
+          <a:schemeClr val="phClr"/>
+        </a:solidFill>
+        <a:solidFill>
+          <a:schemeClr val="phClr">
+            <a:tint val="95000"/>
+            <a:satMod val="170000"/>
+          </a:schemeClr>
+        </a:solidFill>
+        <a:gradFill rotWithShape="1">
+          <a:gsLst>
+            <a:gs pos="0">
+              <a:schemeClr val="phClr">
+                <a:tint val="93000"/>
+                <a:satMod val="150000"/>
+                <a:shade val="98000"/>
+                <a:lumMod val="102000"/>
+              </a:schemeClr>
+            </a:gs>
+            <a:gs pos="50000">
+              <a:schemeClr val="phClr">
+                <a:tint val="98000"/>
+                <a:satMod val="130000"/>
+                <a:shade val="90000"/>
+                <a:lumMod val="103000"/>
+              </a:schemeClr>
+            </a:gs>
+            <a:gs pos="100000">
+              <a:schemeClr val="phClr">
+                <a:shade val="63000"/>
+                <a:satMod val="120000"/>
+              </a:schemeClr>
+            </a:gs>
+          </a:gsLst>
+          <a:lin ang="5400000" scaled="0"/>
+        </a:gradFill>
+      </a:bgFillStyleLst>
+    </a:fmtScheme>
+  </a:themeElements>
+  <a:objectDefaults>
+    <a:lnDef>
+      <a:spPr/>
+      <a:bodyPr/>
+      <a:lstStyle/>
+      <a:style>
+        <a:lnRef idx="2">
+          <a:schemeClr val="accent1"/>
+        </a:lnRef>
+        <a:fillRef idx="0">
+          <a:schemeClr val="accent1"/>
+        </a:fillRef>
+        <a:effectRef idx="1">
+          <a:schemeClr val="accent1"/>
+        </a:effectRef>
+        <a:fontRef idx="minor">
+          <a:schemeClr val="tx1"/>
+        </a:fontRef>
+      </a:style>
+    </a:lnDef>
+  </a:objectDefaults>
+  <a:extraClrSchemeLst/>
+  <a:extLst>
+    <a:ext uri="{05A4C25C-085E-4340-85A3-A5531E510DB2}">
+      <thm15:themeFamily xmlns:thm15="http://schemas.microsoft.com/office/thememl/2012/main" name="Office Theme" id="{2E142A2C-CD16-42D6-873A-C26D2A0506FA}" vid="{1BDDFF52-6CD6-40A5-AB3C-68EB2F1E4D0A}"/>
+    </a:ext>
+  </a:extLst>
+</a:theme>
 </file>